--- a/lectures/Unit05_AMC.pptx
+++ b/lectures/Unit05_AMC.pptx
@@ -63,8 +63,8 @@
     <p:sldId id="342" r:id="rId54"/>
     <p:sldId id="365" r:id="rId55"/>
     <p:sldId id="366" r:id="rId56"/>
-    <p:sldId id="344" r:id="rId57"/>
-    <p:sldId id="2923" r:id="rId58"/>
+    <p:sldId id="2923" r:id="rId57"/>
+    <p:sldId id="344" r:id="rId58"/>
     <p:sldId id="2924" r:id="rId59"/>
     <p:sldId id="348" r:id="rId60"/>
     <p:sldId id="349" r:id="rId61"/>
@@ -281,7 +281,7 @@
           <a:p>
             <a:fld id="{B7D6DDD3-D7E9-488B-B626-1E8285E424D8}" type="datetimeFigureOut">
               <a:rPr lang="en-US" smtClean="0"/>
-              <a:t>3/15/2021</a:t>
+              <a:t>3/17/2021</a:t>
             </a:fld>
             <a:endParaRPr lang="en-US"/>
           </a:p>
@@ -4355,213 +4355,76 @@
           </a:p>
         </p:txBody>
       </p:sp>
-      <mc:AlternateContent xmlns:mc="http://schemas.openxmlformats.org/markup-compatibility/2006" xmlns:a14="http://schemas.microsoft.com/office/drawing/2010/main">
-        <mc:Choice Requires="a14">
-          <p:sp>
-            <p:nvSpPr>
-              <p:cNvPr id="3" name="Content Placeholder 2">
-                <a:extLst>
-                  <a:ext uri="{FF2B5EF4-FFF2-40B4-BE49-F238E27FC236}">
-                    <a16:creationId xmlns:a16="http://schemas.microsoft.com/office/drawing/2014/main" id="{E97B6FE1-934D-499D-9887-EAC028CDDA2A}"/>
-                  </a:ext>
-                </a:extLst>
-              </p:cNvPr>
-              <p:cNvSpPr>
-                <a:spLocks noGrp="1"/>
-              </p:cNvSpPr>
-              <p:nvPr>
-                <p:ph idx="1"/>
-              </p:nvPr>
-            </p:nvSpPr>
-            <p:spPr>
-              <a:xfrm>
-                <a:off x="1097280" y="1773568"/>
-                <a:ext cx="5642382" cy="3831641"/>
-              </a:xfrm>
-            </p:spPr>
-            <p:txBody>
-              <a:bodyPr/>
-              <a:lstStyle/>
-              <a:p>
-                <a:r>
-                  <a:rPr lang="en-US" dirty="0"/>
-                  <a:t>Each MCS will have a required SNR </a:t>
-                </a:r>
-                <a14:m>
-                  <m:oMath xmlns:m="http://schemas.openxmlformats.org/officeDocument/2006/math">
-                    <m:sSub>
-                      <m:sSubPr>
-                        <m:ctrlPr>
-                          <a:rPr lang="en-US" b="0" i="1" smtClean="0">
-                            <a:latin typeface="Cambria Math" panose="02040503050406030204" pitchFamily="18" charset="0"/>
-                          </a:rPr>
-                        </m:ctrlPr>
-                      </m:sSubPr>
-                      <m:e>
-                        <m:r>
-                          <a:rPr lang="en-US" b="0" i="1" smtClean="0">
-                            <a:latin typeface="Cambria Math" panose="02040503050406030204" pitchFamily="18" charset="0"/>
-                          </a:rPr>
-                          <m:t>𝛾</m:t>
-                        </m:r>
-                      </m:e>
-                      <m:sub>
-                        <m:r>
-                          <a:rPr lang="en-US" b="0" i="1" smtClean="0">
-                            <a:latin typeface="Cambria Math" panose="02040503050406030204" pitchFamily="18" charset="0"/>
-                          </a:rPr>
-                          <m:t>𝑚𝑖𝑛</m:t>
-                        </m:r>
-                      </m:sub>
-                    </m:sSub>
-                  </m:oMath>
-                </a14:m>
-                <a:endParaRPr lang="en-US" dirty="0"/>
-              </a:p>
-              <a:p>
-                <a:r>
-                  <a:rPr lang="en-US" dirty="0"/>
-                  <a:t>Packet will experience an SNR </a:t>
-                </a:r>
-                <a14:m>
-                  <m:oMath xmlns:m="http://schemas.openxmlformats.org/officeDocument/2006/math">
-                    <m:r>
-                      <a:rPr lang="en-US" b="0" i="1" smtClean="0">
-                        <a:latin typeface="Cambria Math" panose="02040503050406030204" pitchFamily="18" charset="0"/>
-                      </a:rPr>
-                      <m:t>𝛾</m:t>
-                    </m:r>
-                  </m:oMath>
-                </a14:m>
-                <a:endParaRPr lang="en-US" b="0" dirty="0"/>
-              </a:p>
-              <a:p>
-                <a:r>
-                  <a:rPr lang="en-US" dirty="0"/>
-                  <a:t>If </a:t>
-                </a:r>
-                <a14:m>
-                  <m:oMath xmlns:m="http://schemas.openxmlformats.org/officeDocument/2006/math">
-                    <m:r>
-                      <a:rPr lang="en-US" b="0" i="1" smtClean="0">
-                        <a:latin typeface="Cambria Math" panose="02040503050406030204" pitchFamily="18" charset="0"/>
-                      </a:rPr>
-                      <m:t>𝛾</m:t>
-                    </m:r>
-                    <m:r>
-                      <a:rPr lang="en-US" b="0" i="1" smtClean="0">
-                        <a:latin typeface="Cambria Math" panose="02040503050406030204" pitchFamily="18" charset="0"/>
-                      </a:rPr>
-                      <m:t>&lt;</m:t>
-                    </m:r>
-                    <m:sSub>
-                      <m:sSubPr>
-                        <m:ctrlPr>
-                          <a:rPr lang="en-US" b="0" i="1" smtClean="0">
-                            <a:latin typeface="Cambria Math" panose="02040503050406030204" pitchFamily="18" charset="0"/>
-                          </a:rPr>
-                        </m:ctrlPr>
-                      </m:sSubPr>
-                      <m:e>
-                        <m:r>
-                          <a:rPr lang="en-US" b="0" i="1" smtClean="0">
-                            <a:latin typeface="Cambria Math" panose="02040503050406030204" pitchFamily="18" charset="0"/>
-                          </a:rPr>
-                          <m:t>𝛾</m:t>
-                        </m:r>
-                      </m:e>
-                      <m:sub>
-                        <m:r>
-                          <a:rPr lang="en-US" b="0" i="1" smtClean="0">
-                            <a:latin typeface="Cambria Math" panose="02040503050406030204" pitchFamily="18" charset="0"/>
-                          </a:rPr>
-                          <m:t>𝑚𝑖𝑛</m:t>
-                        </m:r>
-                      </m:sub>
-                    </m:sSub>
-                    <m:r>
-                      <a:rPr lang="en-US" b="0" i="1" smtClean="0">
-                        <a:latin typeface="Cambria Math" panose="02040503050406030204" pitchFamily="18" charset="0"/>
-                      </a:rPr>
-                      <m:t>,</m:t>
-                    </m:r>
-                  </m:oMath>
-                </a14:m>
-                <a:r>
-                  <a:rPr lang="en-US" dirty="0"/>
-                  <a:t> Packet may be received with errors</a:t>
-                </a:r>
-              </a:p>
-              <a:p>
-                <a:endParaRPr lang="en-US" dirty="0"/>
-              </a:p>
-              <a:p>
-                <a:r>
-                  <a:rPr lang="en-US" dirty="0"/>
-                  <a:t>Two questions:</a:t>
-                </a:r>
-              </a:p>
-              <a:p>
-                <a:pPr lvl="1"/>
-                <a:r>
-                  <a:rPr lang="en-US" dirty="0"/>
-                  <a:t>How does the RX detect the errors?</a:t>
-                </a:r>
-              </a:p>
-              <a:p>
-                <a:pPr lvl="1"/>
-                <a:r>
-                  <a:rPr lang="en-US" dirty="0"/>
-                  <a:t>What can the TX do?</a:t>
-                </a:r>
-              </a:p>
-            </p:txBody>
-          </p:sp>
-        </mc:Choice>
-        <mc:Fallback xmlns="">
-          <p:sp>
-            <p:nvSpPr>
-              <p:cNvPr id="3" name="Content Placeholder 2">
-                <a:extLst>
-                  <a:ext uri="{FF2B5EF4-FFF2-40B4-BE49-F238E27FC236}">
-                    <a16:creationId xmlns:a16="http://schemas.microsoft.com/office/drawing/2014/main" id="{E97B6FE1-934D-499D-9887-EAC028CDDA2A}"/>
-                  </a:ext>
-                </a:extLst>
-              </p:cNvPr>
-              <p:cNvSpPr>
-                <a:spLocks noGrp="1" noRot="1" noChangeAspect="1" noMove="1" noResize="1" noEditPoints="1" noAdjustHandles="1" noChangeArrowheads="1" noChangeShapeType="1" noTextEdit="1"/>
-              </p:cNvSpPr>
-              <p:nvPr>
-                <p:ph idx="1"/>
-              </p:nvPr>
-            </p:nvSpPr>
-            <p:spPr>
-              <a:xfrm>
-                <a:off x="1097280" y="1773568"/>
-                <a:ext cx="5642382" cy="3831641"/>
-              </a:xfrm>
-              <a:blipFill>
-                <a:blip r:embed="rId2"/>
-                <a:stretch>
-                  <a:fillRect l="-2592" t="-1752"/>
-                </a:stretch>
-              </a:blipFill>
-            </p:spPr>
-            <p:txBody>
-              <a:bodyPr/>
-              <a:lstStyle/>
-              <a:p>
-                <a:r>
-                  <a:rPr lang="en-US">
-                    <a:noFill/>
-                  </a:rPr>
-                  <a:t> </a:t>
-                </a:r>
-              </a:p>
-            </p:txBody>
-          </p:sp>
-        </mc:Fallback>
-      </mc:AlternateContent>
+      <p:sp>
+        <p:nvSpPr>
+          <p:cNvPr id="3" name="Content Placeholder 2">
+            <a:extLst>
+              <a:ext uri="{FF2B5EF4-FFF2-40B4-BE49-F238E27FC236}">
+                <a16:creationId xmlns:a16="http://schemas.microsoft.com/office/drawing/2014/main" id="{E97B6FE1-934D-499D-9887-EAC028CDDA2A}"/>
+              </a:ext>
+            </a:extLst>
+          </p:cNvPr>
+          <p:cNvSpPr>
+            <a:spLocks noGrp="1"/>
+          </p:cNvSpPr>
+          <p:nvPr>
+            <p:ph idx="1"/>
+          </p:nvPr>
+        </p:nvSpPr>
+        <p:spPr>
+          <a:xfrm>
+            <a:off x="1097280" y="1773568"/>
+            <a:ext cx="5642382" cy="3831641"/>
+          </a:xfrm>
+        </p:spPr>
+        <p:txBody>
+          <a:bodyPr/>
+          <a:lstStyle/>
+          <a:p>
+            <a:r>
+              <a:rPr lang="en-US" dirty="0"/>
+              <a:t>Packets may experience errors</a:t>
+            </a:r>
+          </a:p>
+          <a:p>
+            <a:pPr lvl="1"/>
+            <a:r>
+              <a:rPr lang="en-US" dirty="0"/>
+              <a:t>MCS may not be selected correctly</a:t>
+            </a:r>
+          </a:p>
+          <a:p>
+            <a:endParaRPr lang="en-US" dirty="0"/>
+          </a:p>
+          <a:p>
+            <a:r>
+              <a:rPr lang="en-US" dirty="0"/>
+              <a:t>Questions:</a:t>
+            </a:r>
+          </a:p>
+          <a:p>
+            <a:pPr lvl="1"/>
+            <a:r>
+              <a:rPr lang="en-US" dirty="0"/>
+              <a:t>How does the TX select the MCS optimally?</a:t>
+            </a:r>
+          </a:p>
+          <a:p>
+            <a:pPr lvl="1"/>
+            <a:r>
+              <a:rPr lang="en-US" dirty="0"/>
+              <a:t>How does the RX detect the errors?</a:t>
+            </a:r>
+          </a:p>
+          <a:p>
+            <a:pPr lvl="1"/>
+            <a:r>
+              <a:rPr lang="en-US" dirty="0"/>
+              <a:t>What can the TX do?</a:t>
+            </a:r>
+          </a:p>
+        </p:txBody>
+      </p:sp>
       <p:sp>
         <p:nvSpPr>
           <p:cNvPr id="4" name="Slide Number Placeholder 3">
@@ -4606,7 +4469,7 @@
           <p:nvPr/>
         </p:nvPicPr>
         <p:blipFill rotWithShape="1">
-          <a:blip r:embed="rId3"/>
+          <a:blip r:embed="rId2"/>
           <a:srcRect l="3700" b="420"/>
           <a:stretch/>
         </p:blipFill>
@@ -4620,55 +4483,6 @@
           </a:prstGeom>
         </p:spPr>
       </p:pic>
-      <p:sp>
-        <p:nvSpPr>
-          <p:cNvPr id="10" name="Rectangle 9">
-            <a:extLst>
-              <a:ext uri="{FF2B5EF4-FFF2-40B4-BE49-F238E27FC236}">
-                <a16:creationId xmlns:a16="http://schemas.microsoft.com/office/drawing/2014/main" id="{2EC81B8D-8925-4F1F-98EE-89126326CA70}"/>
-              </a:ext>
-            </a:extLst>
-          </p:cNvPr>
-          <p:cNvSpPr/>
-          <p:nvPr/>
-        </p:nvSpPr>
-        <p:spPr>
-          <a:xfrm>
-            <a:off x="8690237" y="2807953"/>
-            <a:ext cx="165004" cy="233757"/>
-          </a:xfrm>
-          <a:prstGeom prst="rect">
-            <a:avLst/>
-          </a:prstGeom>
-          <a:solidFill>
-            <a:srgbClr val="00B050"/>
-          </a:solidFill>
-        </p:spPr>
-        <p:style>
-          <a:lnRef idx="2">
-            <a:schemeClr val="accent1">
-              <a:shade val="50000"/>
-            </a:schemeClr>
-          </a:lnRef>
-          <a:fillRef idx="1">
-            <a:schemeClr val="accent1"/>
-          </a:fillRef>
-          <a:effectRef idx="0">
-            <a:schemeClr val="accent1"/>
-          </a:effectRef>
-          <a:fontRef idx="minor">
-            <a:schemeClr val="lt1"/>
-          </a:fontRef>
-        </p:style>
-        <p:txBody>
-          <a:bodyPr rtlCol="0" anchor="ctr"/>
-          <a:lstStyle/>
-          <a:p>
-            <a:pPr algn="ctr"/>
-            <a:endParaRPr lang="en-US"/>
-          </a:p>
-        </p:txBody>
-      </p:sp>
       <p:cxnSp>
         <p:nvCxnSpPr>
           <p:cNvPr id="15" name="Straight Connector 14">
@@ -4707,133 +4521,203 @@
           </a:fontRef>
         </p:style>
       </p:cxnSp>
-      <p:sp>
-        <p:nvSpPr>
-          <p:cNvPr id="16" name="Rectangle 15">
+      <p:grpSp>
+        <p:nvGrpSpPr>
+          <p:cNvPr id="6" name="Group 5">
             <a:extLst>
               <a:ext uri="{FF2B5EF4-FFF2-40B4-BE49-F238E27FC236}">
-                <a16:creationId xmlns:a16="http://schemas.microsoft.com/office/drawing/2014/main" id="{A862168D-829D-4F4E-8657-D16C11484D04}"/>
+                <a16:creationId xmlns:a16="http://schemas.microsoft.com/office/drawing/2014/main" id="{D3EA57CB-AF70-4FA0-9C16-E64F2832D223}"/>
               </a:ext>
             </a:extLst>
           </p:cNvPr>
-          <p:cNvSpPr/>
+          <p:cNvGrpSpPr/>
           <p:nvPr/>
-        </p:nvSpPr>
-        <p:spPr>
-          <a:xfrm>
-            <a:off x="9702036" y="3797313"/>
-            <a:ext cx="165004" cy="233757"/>
-          </a:xfrm>
-          <a:prstGeom prst="rect">
-            <a:avLst/>
-          </a:prstGeom>
-          <a:solidFill>
-            <a:srgbClr val="FF0000"/>
-          </a:solidFill>
-        </p:spPr>
-        <p:style>
-          <a:lnRef idx="2">
-            <a:schemeClr val="accent1">
-              <a:shade val="50000"/>
-            </a:schemeClr>
-          </a:lnRef>
-          <a:fillRef idx="1">
-            <a:schemeClr val="accent1"/>
-          </a:fillRef>
-          <a:effectRef idx="0">
-            <a:schemeClr val="accent1"/>
-          </a:effectRef>
-          <a:fontRef idx="minor">
-            <a:schemeClr val="lt1"/>
-          </a:fontRef>
-        </p:style>
-        <p:txBody>
-          <a:bodyPr rtlCol="0" anchor="ctr"/>
-          <a:lstStyle/>
-          <a:p>
-            <a:pPr algn="ctr"/>
-            <a:endParaRPr lang="en-US"/>
-          </a:p>
-        </p:txBody>
-      </p:sp>
-      <p:sp>
-        <p:nvSpPr>
-          <p:cNvPr id="17" name="TextBox 16">
-            <a:extLst>
-              <a:ext uri="{FF2B5EF4-FFF2-40B4-BE49-F238E27FC236}">
-                <a16:creationId xmlns:a16="http://schemas.microsoft.com/office/drawing/2014/main" id="{95E884F0-C246-4368-963C-820571425645}"/>
-              </a:ext>
-            </a:extLst>
-          </p:cNvPr>
-          <p:cNvSpPr txBox="1"/>
-          <p:nvPr/>
-        </p:nvSpPr>
-        <p:spPr>
-          <a:xfrm>
-            <a:off x="9174659" y="4659519"/>
-            <a:ext cx="1219757" cy="369332"/>
-          </a:xfrm>
-          <a:prstGeom prst="rect">
-            <a:avLst/>
-          </a:prstGeom>
-          <a:noFill/>
-        </p:spPr>
-        <p:txBody>
-          <a:bodyPr wrap="none" rtlCol="0">
-            <a:spAutoFit/>
-          </a:bodyPr>
-          <a:lstStyle/>
-          <a:p>
-            <a:r>
-              <a:rPr lang="en-US" dirty="0">
-                <a:solidFill>
-                  <a:srgbClr val="FF0000"/>
-                </a:solidFill>
-              </a:rPr>
-              <a:t>Packet fails</a:t>
-            </a:r>
-          </a:p>
-        </p:txBody>
-      </p:sp>
-      <p:sp>
-        <p:nvSpPr>
-          <p:cNvPr id="18" name="TextBox 17">
-            <a:extLst>
-              <a:ext uri="{FF2B5EF4-FFF2-40B4-BE49-F238E27FC236}">
-                <a16:creationId xmlns:a16="http://schemas.microsoft.com/office/drawing/2014/main" id="{EA2CF3A2-5538-4DE7-99FD-5282955A9DCA}"/>
-              </a:ext>
-            </a:extLst>
-          </p:cNvPr>
-          <p:cNvSpPr txBox="1"/>
-          <p:nvPr/>
-        </p:nvSpPr>
-        <p:spPr>
+        </p:nvGrpSpPr>
+        <p:grpSpPr>
           <a:xfrm>
             <a:off x="7985390" y="2339902"/>
-            <a:ext cx="1464696" cy="369332"/>
+            <a:ext cx="2409026" cy="2688949"/>
+            <a:chOff x="7985390" y="2339902"/>
+            <a:chExt cx="2409026" cy="2688949"/>
           </a:xfrm>
-          <a:prstGeom prst="rect">
-            <a:avLst/>
-          </a:prstGeom>
-          <a:noFill/>
-        </p:spPr>
-        <p:txBody>
-          <a:bodyPr wrap="none" rtlCol="0">
-            <a:spAutoFit/>
-          </a:bodyPr>
-          <a:lstStyle/>
-          <a:p>
-            <a:r>
-              <a:rPr lang="en-US" dirty="0">
-                <a:solidFill>
-                  <a:srgbClr val="00B050"/>
-                </a:solidFill>
-              </a:rPr>
-              <a:t>Packet passes</a:t>
-            </a:r>
-          </a:p>
-        </p:txBody>
-      </p:sp>
+        </p:grpSpPr>
+        <p:sp>
+          <p:nvSpPr>
+            <p:cNvPr id="10" name="Rectangle 9">
+              <a:extLst>
+                <a:ext uri="{FF2B5EF4-FFF2-40B4-BE49-F238E27FC236}">
+                  <a16:creationId xmlns:a16="http://schemas.microsoft.com/office/drawing/2014/main" id="{2EC81B8D-8925-4F1F-98EE-89126326CA70}"/>
+                </a:ext>
+              </a:extLst>
+            </p:cNvPr>
+            <p:cNvSpPr/>
+            <p:nvPr/>
+          </p:nvSpPr>
+          <p:spPr>
+            <a:xfrm>
+              <a:off x="8690237" y="2807953"/>
+              <a:ext cx="165004" cy="233757"/>
+            </a:xfrm>
+            <a:prstGeom prst="rect">
+              <a:avLst/>
+            </a:prstGeom>
+            <a:solidFill>
+              <a:srgbClr val="00B050"/>
+            </a:solidFill>
+          </p:spPr>
+          <p:style>
+            <a:lnRef idx="2">
+              <a:schemeClr val="accent1">
+                <a:shade val="50000"/>
+              </a:schemeClr>
+            </a:lnRef>
+            <a:fillRef idx="1">
+              <a:schemeClr val="accent1"/>
+            </a:fillRef>
+            <a:effectRef idx="0">
+              <a:schemeClr val="accent1"/>
+            </a:effectRef>
+            <a:fontRef idx="minor">
+              <a:schemeClr val="lt1"/>
+            </a:fontRef>
+          </p:style>
+          <p:txBody>
+            <a:bodyPr rtlCol="0" anchor="ctr"/>
+            <a:lstStyle/>
+            <a:p>
+              <a:pPr algn="ctr"/>
+              <a:endParaRPr lang="en-US"/>
+            </a:p>
+          </p:txBody>
+        </p:sp>
+        <p:sp>
+          <p:nvSpPr>
+            <p:cNvPr id="16" name="Rectangle 15">
+              <a:extLst>
+                <a:ext uri="{FF2B5EF4-FFF2-40B4-BE49-F238E27FC236}">
+                  <a16:creationId xmlns:a16="http://schemas.microsoft.com/office/drawing/2014/main" id="{A862168D-829D-4F4E-8657-D16C11484D04}"/>
+                </a:ext>
+              </a:extLst>
+            </p:cNvPr>
+            <p:cNvSpPr/>
+            <p:nvPr/>
+          </p:nvSpPr>
+          <p:spPr>
+            <a:xfrm>
+              <a:off x="9702036" y="3797313"/>
+              <a:ext cx="165004" cy="233757"/>
+            </a:xfrm>
+            <a:prstGeom prst="rect">
+              <a:avLst/>
+            </a:prstGeom>
+            <a:solidFill>
+              <a:srgbClr val="FF0000"/>
+            </a:solidFill>
+          </p:spPr>
+          <p:style>
+            <a:lnRef idx="2">
+              <a:schemeClr val="accent1">
+                <a:shade val="50000"/>
+              </a:schemeClr>
+            </a:lnRef>
+            <a:fillRef idx="1">
+              <a:schemeClr val="accent1"/>
+            </a:fillRef>
+            <a:effectRef idx="0">
+              <a:schemeClr val="accent1"/>
+            </a:effectRef>
+            <a:fontRef idx="minor">
+              <a:schemeClr val="lt1"/>
+            </a:fontRef>
+          </p:style>
+          <p:txBody>
+            <a:bodyPr rtlCol="0" anchor="ctr"/>
+            <a:lstStyle/>
+            <a:p>
+              <a:pPr algn="ctr"/>
+              <a:endParaRPr lang="en-US"/>
+            </a:p>
+          </p:txBody>
+        </p:sp>
+        <p:sp>
+          <p:nvSpPr>
+            <p:cNvPr id="17" name="TextBox 16">
+              <a:extLst>
+                <a:ext uri="{FF2B5EF4-FFF2-40B4-BE49-F238E27FC236}">
+                  <a16:creationId xmlns:a16="http://schemas.microsoft.com/office/drawing/2014/main" id="{95E884F0-C246-4368-963C-820571425645}"/>
+                </a:ext>
+              </a:extLst>
+            </p:cNvPr>
+            <p:cNvSpPr txBox="1"/>
+            <p:nvPr/>
+          </p:nvSpPr>
+          <p:spPr>
+            <a:xfrm>
+              <a:off x="9174659" y="4659519"/>
+              <a:ext cx="1219757" cy="369332"/>
+            </a:xfrm>
+            <a:prstGeom prst="rect">
+              <a:avLst/>
+            </a:prstGeom>
+            <a:noFill/>
+          </p:spPr>
+          <p:txBody>
+            <a:bodyPr wrap="none" rtlCol="0">
+              <a:spAutoFit/>
+            </a:bodyPr>
+            <a:lstStyle/>
+            <a:p>
+              <a:r>
+                <a:rPr lang="en-US" dirty="0">
+                  <a:solidFill>
+                    <a:srgbClr val="FF0000"/>
+                  </a:solidFill>
+                </a:rPr>
+                <a:t>Packet fails</a:t>
+              </a:r>
+            </a:p>
+          </p:txBody>
+        </p:sp>
+        <p:sp>
+          <p:nvSpPr>
+            <p:cNvPr id="18" name="TextBox 17">
+              <a:extLst>
+                <a:ext uri="{FF2B5EF4-FFF2-40B4-BE49-F238E27FC236}">
+                  <a16:creationId xmlns:a16="http://schemas.microsoft.com/office/drawing/2014/main" id="{EA2CF3A2-5538-4DE7-99FD-5282955A9DCA}"/>
+                </a:ext>
+              </a:extLst>
+            </p:cNvPr>
+            <p:cNvSpPr txBox="1"/>
+            <p:nvPr/>
+          </p:nvSpPr>
+          <p:spPr>
+            <a:xfrm>
+              <a:off x="7985390" y="2339902"/>
+              <a:ext cx="1464696" cy="369332"/>
+            </a:xfrm>
+            <a:prstGeom prst="rect">
+              <a:avLst/>
+            </a:prstGeom>
+            <a:noFill/>
+          </p:spPr>
+          <p:txBody>
+            <a:bodyPr wrap="none" rtlCol="0">
+              <a:spAutoFit/>
+            </a:bodyPr>
+            <a:lstStyle/>
+            <a:p>
+              <a:r>
+                <a:rPr lang="en-US" dirty="0">
+                  <a:solidFill>
+                    <a:srgbClr val="00B050"/>
+                  </a:solidFill>
+                </a:rPr>
+                <a:t>Packet passes</a:t>
+              </a:r>
+            </a:p>
+          </p:txBody>
+        </p:sp>
+      </p:grpSp>
       <p:sp>
         <p:nvSpPr>
           <p:cNvPr id="19" name="TextBox 18">
@@ -4886,6 +4770,392 @@
   <p:clrMapOvr>
     <a:masterClrMapping/>
   </p:clrMapOvr>
+  <p:timing>
+    <p:tnLst>
+      <p:par>
+        <p:cTn id="1" dur="indefinite" restart="never" nodeType="tmRoot">
+          <p:childTnLst>
+            <p:seq concurrent="1" nextAc="seek">
+              <p:cTn id="2" dur="indefinite" nodeType="mainSeq">
+                <p:childTnLst>
+                  <p:par>
+                    <p:cTn id="3" fill="hold">
+                      <p:stCondLst>
+                        <p:cond delay="indefinite"/>
+                      </p:stCondLst>
+                      <p:childTnLst>
+                        <p:par>
+                          <p:cTn id="4" fill="hold">
+                            <p:stCondLst>
+                              <p:cond delay="0"/>
+                            </p:stCondLst>
+                            <p:childTnLst>
+                              <p:par>
+                                <p:cTn id="5" presetID="10" presetClass="entr" presetSubtype="0" fill="hold" nodeType="clickEffect">
+                                  <p:stCondLst>
+                                    <p:cond delay="0"/>
+                                  </p:stCondLst>
+                                  <p:childTnLst>
+                                    <p:set>
+                                      <p:cBhvr>
+                                        <p:cTn id="6" dur="1" fill="hold">
+                                          <p:stCondLst>
+                                            <p:cond delay="0"/>
+                                          </p:stCondLst>
+                                        </p:cTn>
+                                        <p:tgtEl>
+                                          <p:spTgt spid="3">
+                                            <p:txEl>
+                                              <p:pRg st="0" end="0"/>
+                                            </p:txEl>
+                                          </p:spTgt>
+                                        </p:tgtEl>
+                                        <p:attrNameLst>
+                                          <p:attrName>style.visibility</p:attrName>
+                                        </p:attrNameLst>
+                                      </p:cBhvr>
+                                      <p:to>
+                                        <p:strVal val="visible"/>
+                                      </p:to>
+                                    </p:set>
+                                    <p:animEffect transition="in" filter="fade">
+                                      <p:cBhvr>
+                                        <p:cTn id="7" dur="500"/>
+                                        <p:tgtEl>
+                                          <p:spTgt spid="3">
+                                            <p:txEl>
+                                              <p:pRg st="0" end="0"/>
+                                            </p:txEl>
+                                          </p:spTgt>
+                                        </p:tgtEl>
+                                      </p:cBhvr>
+                                    </p:animEffect>
+                                  </p:childTnLst>
+                                </p:cTn>
+                              </p:par>
+                              <p:par>
+                                <p:cTn id="8" presetID="10" presetClass="entr" presetSubtype="0" fill="hold" nodeType="withEffect">
+                                  <p:stCondLst>
+                                    <p:cond delay="0"/>
+                                  </p:stCondLst>
+                                  <p:childTnLst>
+                                    <p:set>
+                                      <p:cBhvr>
+                                        <p:cTn id="9" dur="1" fill="hold">
+                                          <p:stCondLst>
+                                            <p:cond delay="0"/>
+                                          </p:stCondLst>
+                                        </p:cTn>
+                                        <p:tgtEl>
+                                          <p:spTgt spid="3">
+                                            <p:txEl>
+                                              <p:pRg st="1" end="1"/>
+                                            </p:txEl>
+                                          </p:spTgt>
+                                        </p:tgtEl>
+                                        <p:attrNameLst>
+                                          <p:attrName>style.visibility</p:attrName>
+                                        </p:attrNameLst>
+                                      </p:cBhvr>
+                                      <p:to>
+                                        <p:strVal val="visible"/>
+                                      </p:to>
+                                    </p:set>
+                                    <p:animEffect transition="in" filter="fade">
+                                      <p:cBhvr>
+                                        <p:cTn id="10" dur="500"/>
+                                        <p:tgtEl>
+                                          <p:spTgt spid="3">
+                                            <p:txEl>
+                                              <p:pRg st="1" end="1"/>
+                                            </p:txEl>
+                                          </p:spTgt>
+                                        </p:tgtEl>
+                                      </p:cBhvr>
+                                    </p:animEffect>
+                                  </p:childTnLst>
+                                </p:cTn>
+                              </p:par>
+                            </p:childTnLst>
+                          </p:cTn>
+                        </p:par>
+                        <p:par>
+                          <p:cTn id="11" fill="hold">
+                            <p:stCondLst>
+                              <p:cond delay="500"/>
+                            </p:stCondLst>
+                            <p:childTnLst>
+                              <p:par>
+                                <p:cTn id="12" presetID="10" presetClass="entr" presetSubtype="0" fill="hold" nodeType="afterEffect">
+                                  <p:stCondLst>
+                                    <p:cond delay="0"/>
+                                  </p:stCondLst>
+                                  <p:childTnLst>
+                                    <p:set>
+                                      <p:cBhvr>
+                                        <p:cTn id="13" dur="1" fill="hold">
+                                          <p:stCondLst>
+                                            <p:cond delay="0"/>
+                                          </p:stCondLst>
+                                        </p:cTn>
+                                        <p:tgtEl>
+                                          <p:spTgt spid="6"/>
+                                        </p:tgtEl>
+                                        <p:attrNameLst>
+                                          <p:attrName>style.visibility</p:attrName>
+                                        </p:attrNameLst>
+                                      </p:cBhvr>
+                                      <p:to>
+                                        <p:strVal val="visible"/>
+                                      </p:to>
+                                    </p:set>
+                                    <p:animEffect transition="in" filter="fade">
+                                      <p:cBhvr>
+                                        <p:cTn id="14" dur="500"/>
+                                        <p:tgtEl>
+                                          <p:spTgt spid="6"/>
+                                        </p:tgtEl>
+                                      </p:cBhvr>
+                                    </p:animEffect>
+                                  </p:childTnLst>
+                                </p:cTn>
+                              </p:par>
+                            </p:childTnLst>
+                          </p:cTn>
+                        </p:par>
+                      </p:childTnLst>
+                    </p:cTn>
+                  </p:par>
+                  <p:par>
+                    <p:cTn id="15" fill="hold">
+                      <p:stCondLst>
+                        <p:cond delay="indefinite"/>
+                      </p:stCondLst>
+                      <p:childTnLst>
+                        <p:par>
+                          <p:cTn id="16" fill="hold">
+                            <p:stCondLst>
+                              <p:cond delay="0"/>
+                            </p:stCondLst>
+                            <p:childTnLst>
+                              <p:par>
+                                <p:cTn id="17" presetID="10" presetClass="entr" presetSubtype="0" fill="hold" nodeType="clickEffect">
+                                  <p:stCondLst>
+                                    <p:cond delay="0"/>
+                                  </p:stCondLst>
+                                  <p:childTnLst>
+                                    <p:set>
+                                      <p:cBhvr>
+                                        <p:cTn id="18" dur="1" fill="hold">
+                                          <p:stCondLst>
+                                            <p:cond delay="0"/>
+                                          </p:stCondLst>
+                                        </p:cTn>
+                                        <p:tgtEl>
+                                          <p:spTgt spid="3">
+                                            <p:txEl>
+                                              <p:pRg st="3" end="3"/>
+                                            </p:txEl>
+                                          </p:spTgt>
+                                        </p:tgtEl>
+                                        <p:attrNameLst>
+                                          <p:attrName>style.visibility</p:attrName>
+                                        </p:attrNameLst>
+                                      </p:cBhvr>
+                                      <p:to>
+                                        <p:strVal val="visible"/>
+                                      </p:to>
+                                    </p:set>
+                                    <p:animEffect transition="in" filter="fade">
+                                      <p:cBhvr>
+                                        <p:cTn id="19" dur="500"/>
+                                        <p:tgtEl>
+                                          <p:spTgt spid="3">
+                                            <p:txEl>
+                                              <p:pRg st="3" end="3"/>
+                                            </p:txEl>
+                                          </p:spTgt>
+                                        </p:tgtEl>
+                                      </p:cBhvr>
+                                    </p:animEffect>
+                                  </p:childTnLst>
+                                </p:cTn>
+                              </p:par>
+                            </p:childTnLst>
+                          </p:cTn>
+                        </p:par>
+                      </p:childTnLst>
+                    </p:cTn>
+                  </p:par>
+                  <p:par>
+                    <p:cTn id="20" fill="hold">
+                      <p:stCondLst>
+                        <p:cond delay="indefinite"/>
+                      </p:stCondLst>
+                      <p:childTnLst>
+                        <p:par>
+                          <p:cTn id="21" fill="hold">
+                            <p:stCondLst>
+                              <p:cond delay="0"/>
+                            </p:stCondLst>
+                            <p:childTnLst>
+                              <p:par>
+                                <p:cTn id="22" presetID="10" presetClass="entr" presetSubtype="0" fill="hold" nodeType="clickEffect">
+                                  <p:stCondLst>
+                                    <p:cond delay="0"/>
+                                  </p:stCondLst>
+                                  <p:childTnLst>
+                                    <p:set>
+                                      <p:cBhvr>
+                                        <p:cTn id="23" dur="1" fill="hold">
+                                          <p:stCondLst>
+                                            <p:cond delay="0"/>
+                                          </p:stCondLst>
+                                        </p:cTn>
+                                        <p:tgtEl>
+                                          <p:spTgt spid="3">
+                                            <p:txEl>
+                                              <p:pRg st="4" end="4"/>
+                                            </p:txEl>
+                                          </p:spTgt>
+                                        </p:tgtEl>
+                                        <p:attrNameLst>
+                                          <p:attrName>style.visibility</p:attrName>
+                                        </p:attrNameLst>
+                                      </p:cBhvr>
+                                      <p:to>
+                                        <p:strVal val="visible"/>
+                                      </p:to>
+                                    </p:set>
+                                    <p:animEffect transition="in" filter="fade">
+                                      <p:cBhvr>
+                                        <p:cTn id="24" dur="500"/>
+                                        <p:tgtEl>
+                                          <p:spTgt spid="3">
+                                            <p:txEl>
+                                              <p:pRg st="4" end="4"/>
+                                            </p:txEl>
+                                          </p:spTgt>
+                                        </p:tgtEl>
+                                      </p:cBhvr>
+                                    </p:animEffect>
+                                  </p:childTnLst>
+                                </p:cTn>
+                              </p:par>
+                              <p:par>
+                                <p:cTn id="25" presetID="10" presetClass="entr" presetSubtype="0" fill="hold" nodeType="withEffect">
+                                  <p:stCondLst>
+                                    <p:cond delay="0"/>
+                                  </p:stCondLst>
+                                  <p:childTnLst>
+                                    <p:set>
+                                      <p:cBhvr>
+                                        <p:cTn id="26" dur="1" fill="hold">
+                                          <p:stCondLst>
+                                            <p:cond delay="0"/>
+                                          </p:stCondLst>
+                                        </p:cTn>
+                                        <p:tgtEl>
+                                          <p:spTgt spid="3">
+                                            <p:txEl>
+                                              <p:pRg st="5" end="5"/>
+                                            </p:txEl>
+                                          </p:spTgt>
+                                        </p:tgtEl>
+                                        <p:attrNameLst>
+                                          <p:attrName>style.visibility</p:attrName>
+                                        </p:attrNameLst>
+                                      </p:cBhvr>
+                                      <p:to>
+                                        <p:strVal val="visible"/>
+                                      </p:to>
+                                    </p:set>
+                                    <p:animEffect transition="in" filter="fade">
+                                      <p:cBhvr>
+                                        <p:cTn id="27" dur="500"/>
+                                        <p:tgtEl>
+                                          <p:spTgt spid="3">
+                                            <p:txEl>
+                                              <p:pRg st="5" end="5"/>
+                                            </p:txEl>
+                                          </p:spTgt>
+                                        </p:tgtEl>
+                                      </p:cBhvr>
+                                    </p:animEffect>
+                                  </p:childTnLst>
+                                </p:cTn>
+                              </p:par>
+                              <p:par>
+                                <p:cTn id="28" presetID="10" presetClass="entr" presetSubtype="0" fill="hold" nodeType="withEffect">
+                                  <p:stCondLst>
+                                    <p:cond delay="0"/>
+                                  </p:stCondLst>
+                                  <p:childTnLst>
+                                    <p:set>
+                                      <p:cBhvr>
+                                        <p:cTn id="29" dur="1" fill="hold">
+                                          <p:stCondLst>
+                                            <p:cond delay="0"/>
+                                          </p:stCondLst>
+                                        </p:cTn>
+                                        <p:tgtEl>
+                                          <p:spTgt spid="3">
+                                            <p:txEl>
+                                              <p:pRg st="6" end="6"/>
+                                            </p:txEl>
+                                          </p:spTgt>
+                                        </p:tgtEl>
+                                        <p:attrNameLst>
+                                          <p:attrName>style.visibility</p:attrName>
+                                        </p:attrNameLst>
+                                      </p:cBhvr>
+                                      <p:to>
+                                        <p:strVal val="visible"/>
+                                      </p:to>
+                                    </p:set>
+                                    <p:animEffect transition="in" filter="fade">
+                                      <p:cBhvr>
+                                        <p:cTn id="30" dur="500"/>
+                                        <p:tgtEl>
+                                          <p:spTgt spid="3">
+                                            <p:txEl>
+                                              <p:pRg st="6" end="6"/>
+                                            </p:txEl>
+                                          </p:spTgt>
+                                        </p:tgtEl>
+                                      </p:cBhvr>
+                                    </p:animEffect>
+                                  </p:childTnLst>
+                                </p:cTn>
+                              </p:par>
+                            </p:childTnLst>
+                          </p:cTn>
+                        </p:par>
+                      </p:childTnLst>
+                    </p:cTn>
+                  </p:par>
+                </p:childTnLst>
+              </p:cTn>
+              <p:prevCondLst>
+                <p:cond evt="onPrev" delay="0">
+                  <p:tgtEl>
+                    <p:sldTgt/>
+                  </p:tgtEl>
+                </p:cond>
+              </p:prevCondLst>
+              <p:nextCondLst>
+                <p:cond evt="onNext" delay="0">
+                  <p:tgtEl>
+                    <p:sldTgt/>
+                  </p:tgtEl>
+                </p:cond>
+              </p:nextCondLst>
+            </p:seq>
+          </p:childTnLst>
+        </p:cTn>
+      </p:par>
+    </p:tnLst>
+  </p:timing>
 </p:sld>
 </file>
 
@@ -5439,6 +5709,409 @@
   <p:clrMapOvr>
     <a:masterClrMapping/>
   </p:clrMapOvr>
+  <p:timing>
+    <p:tnLst>
+      <p:par>
+        <p:cTn id="1" dur="indefinite" restart="never" nodeType="tmRoot">
+          <p:childTnLst>
+            <p:seq concurrent="1" nextAc="seek">
+              <p:cTn id="2" dur="indefinite" nodeType="mainSeq">
+                <p:childTnLst>
+                  <p:par>
+                    <p:cTn id="3" fill="hold">
+                      <p:stCondLst>
+                        <p:cond delay="indefinite"/>
+                      </p:stCondLst>
+                      <p:childTnLst>
+                        <p:par>
+                          <p:cTn id="4" fill="hold">
+                            <p:stCondLst>
+                              <p:cond delay="0"/>
+                            </p:stCondLst>
+                            <p:childTnLst>
+                              <p:par>
+                                <p:cTn id="5" presetID="10" presetClass="entr" presetSubtype="0" fill="hold" nodeType="clickEffect">
+                                  <p:stCondLst>
+                                    <p:cond delay="0"/>
+                                  </p:stCondLst>
+                                  <p:childTnLst>
+                                    <p:set>
+                                      <p:cBhvr>
+                                        <p:cTn id="6" dur="1" fill="hold">
+                                          <p:stCondLst>
+                                            <p:cond delay="0"/>
+                                          </p:stCondLst>
+                                        </p:cTn>
+                                        <p:tgtEl>
+                                          <p:spTgt spid="4">
+                                            <p:txEl>
+                                              <p:pRg st="0" end="0"/>
+                                            </p:txEl>
+                                          </p:spTgt>
+                                        </p:tgtEl>
+                                        <p:attrNameLst>
+                                          <p:attrName>style.visibility</p:attrName>
+                                        </p:attrNameLst>
+                                      </p:cBhvr>
+                                      <p:to>
+                                        <p:strVal val="visible"/>
+                                      </p:to>
+                                    </p:set>
+                                    <p:animEffect transition="in" filter="fade">
+                                      <p:cBhvr>
+                                        <p:cTn id="7" dur="500"/>
+                                        <p:tgtEl>
+                                          <p:spTgt spid="4">
+                                            <p:txEl>
+                                              <p:pRg st="0" end="0"/>
+                                            </p:txEl>
+                                          </p:spTgt>
+                                        </p:tgtEl>
+                                      </p:cBhvr>
+                                    </p:animEffect>
+                                  </p:childTnLst>
+                                </p:cTn>
+                              </p:par>
+                            </p:childTnLst>
+                          </p:cTn>
+                        </p:par>
+                      </p:childTnLst>
+                    </p:cTn>
+                  </p:par>
+                  <p:par>
+                    <p:cTn id="8" fill="hold">
+                      <p:stCondLst>
+                        <p:cond delay="indefinite"/>
+                      </p:stCondLst>
+                      <p:childTnLst>
+                        <p:par>
+                          <p:cTn id="9" fill="hold">
+                            <p:stCondLst>
+                              <p:cond delay="0"/>
+                            </p:stCondLst>
+                            <p:childTnLst>
+                              <p:par>
+                                <p:cTn id="10" presetID="10" presetClass="entr" presetSubtype="0" fill="hold" nodeType="clickEffect">
+                                  <p:stCondLst>
+                                    <p:cond delay="0"/>
+                                  </p:stCondLst>
+                                  <p:childTnLst>
+                                    <p:set>
+                                      <p:cBhvr>
+                                        <p:cTn id="11" dur="1" fill="hold">
+                                          <p:stCondLst>
+                                            <p:cond delay="0"/>
+                                          </p:stCondLst>
+                                        </p:cTn>
+                                        <p:tgtEl>
+                                          <p:spTgt spid="4">
+                                            <p:txEl>
+                                              <p:pRg st="1" end="1"/>
+                                            </p:txEl>
+                                          </p:spTgt>
+                                        </p:tgtEl>
+                                        <p:attrNameLst>
+                                          <p:attrName>style.visibility</p:attrName>
+                                        </p:attrNameLst>
+                                      </p:cBhvr>
+                                      <p:to>
+                                        <p:strVal val="visible"/>
+                                      </p:to>
+                                    </p:set>
+                                    <p:animEffect transition="in" filter="fade">
+                                      <p:cBhvr>
+                                        <p:cTn id="12" dur="500"/>
+                                        <p:tgtEl>
+                                          <p:spTgt spid="4">
+                                            <p:txEl>
+                                              <p:pRg st="1" end="1"/>
+                                            </p:txEl>
+                                          </p:spTgt>
+                                        </p:tgtEl>
+                                      </p:cBhvr>
+                                    </p:animEffect>
+                                  </p:childTnLst>
+                                </p:cTn>
+                              </p:par>
+                              <p:par>
+                                <p:cTn id="13" presetID="10" presetClass="entr" presetSubtype="0" fill="hold" nodeType="withEffect">
+                                  <p:stCondLst>
+                                    <p:cond delay="0"/>
+                                  </p:stCondLst>
+                                  <p:childTnLst>
+                                    <p:set>
+                                      <p:cBhvr>
+                                        <p:cTn id="14" dur="1" fill="hold">
+                                          <p:stCondLst>
+                                            <p:cond delay="0"/>
+                                          </p:stCondLst>
+                                        </p:cTn>
+                                        <p:tgtEl>
+                                          <p:spTgt spid="4">
+                                            <p:txEl>
+                                              <p:pRg st="2" end="2"/>
+                                            </p:txEl>
+                                          </p:spTgt>
+                                        </p:tgtEl>
+                                        <p:attrNameLst>
+                                          <p:attrName>style.visibility</p:attrName>
+                                        </p:attrNameLst>
+                                      </p:cBhvr>
+                                      <p:to>
+                                        <p:strVal val="visible"/>
+                                      </p:to>
+                                    </p:set>
+                                    <p:animEffect transition="in" filter="fade">
+                                      <p:cBhvr>
+                                        <p:cTn id="15" dur="500"/>
+                                        <p:tgtEl>
+                                          <p:spTgt spid="4">
+                                            <p:txEl>
+                                              <p:pRg st="2" end="2"/>
+                                            </p:txEl>
+                                          </p:spTgt>
+                                        </p:tgtEl>
+                                      </p:cBhvr>
+                                    </p:animEffect>
+                                  </p:childTnLst>
+                                </p:cTn>
+                              </p:par>
+                            </p:childTnLst>
+                          </p:cTn>
+                        </p:par>
+                      </p:childTnLst>
+                    </p:cTn>
+                  </p:par>
+                  <p:par>
+                    <p:cTn id="16" fill="hold">
+                      <p:stCondLst>
+                        <p:cond delay="indefinite"/>
+                      </p:stCondLst>
+                      <p:childTnLst>
+                        <p:par>
+                          <p:cTn id="17" fill="hold">
+                            <p:stCondLst>
+                              <p:cond delay="0"/>
+                            </p:stCondLst>
+                            <p:childTnLst>
+                              <p:par>
+                                <p:cTn id="18" presetID="10" presetClass="entr" presetSubtype="0" fill="hold" nodeType="clickEffect">
+                                  <p:stCondLst>
+                                    <p:cond delay="0"/>
+                                  </p:stCondLst>
+                                  <p:childTnLst>
+                                    <p:set>
+                                      <p:cBhvr>
+                                        <p:cTn id="19" dur="1" fill="hold">
+                                          <p:stCondLst>
+                                            <p:cond delay="0"/>
+                                          </p:stCondLst>
+                                        </p:cTn>
+                                        <p:tgtEl>
+                                          <p:spTgt spid="4">
+                                            <p:txEl>
+                                              <p:pRg st="3" end="3"/>
+                                            </p:txEl>
+                                          </p:spTgt>
+                                        </p:tgtEl>
+                                        <p:attrNameLst>
+                                          <p:attrName>style.visibility</p:attrName>
+                                        </p:attrNameLst>
+                                      </p:cBhvr>
+                                      <p:to>
+                                        <p:strVal val="visible"/>
+                                      </p:to>
+                                    </p:set>
+                                    <p:animEffect transition="in" filter="fade">
+                                      <p:cBhvr>
+                                        <p:cTn id="20" dur="500"/>
+                                        <p:tgtEl>
+                                          <p:spTgt spid="4">
+                                            <p:txEl>
+                                              <p:pRg st="3" end="3"/>
+                                            </p:txEl>
+                                          </p:spTgt>
+                                        </p:tgtEl>
+                                      </p:cBhvr>
+                                    </p:animEffect>
+                                  </p:childTnLst>
+                                </p:cTn>
+                              </p:par>
+                            </p:childTnLst>
+                          </p:cTn>
+                        </p:par>
+                      </p:childTnLst>
+                    </p:cTn>
+                  </p:par>
+                  <p:par>
+                    <p:cTn id="21" fill="hold">
+                      <p:stCondLst>
+                        <p:cond delay="indefinite"/>
+                      </p:stCondLst>
+                      <p:childTnLst>
+                        <p:par>
+                          <p:cTn id="22" fill="hold">
+                            <p:stCondLst>
+                              <p:cond delay="0"/>
+                            </p:stCondLst>
+                            <p:childTnLst>
+                              <p:par>
+                                <p:cTn id="23" presetID="10" presetClass="entr" presetSubtype="0" fill="hold" nodeType="clickEffect">
+                                  <p:stCondLst>
+                                    <p:cond delay="0"/>
+                                  </p:stCondLst>
+                                  <p:childTnLst>
+                                    <p:set>
+                                      <p:cBhvr>
+                                        <p:cTn id="24" dur="1" fill="hold">
+                                          <p:stCondLst>
+                                            <p:cond delay="0"/>
+                                          </p:stCondLst>
+                                        </p:cTn>
+                                        <p:tgtEl>
+                                          <p:spTgt spid="4">
+                                            <p:txEl>
+                                              <p:pRg st="4" end="4"/>
+                                            </p:txEl>
+                                          </p:spTgt>
+                                        </p:tgtEl>
+                                        <p:attrNameLst>
+                                          <p:attrName>style.visibility</p:attrName>
+                                        </p:attrNameLst>
+                                      </p:cBhvr>
+                                      <p:to>
+                                        <p:strVal val="visible"/>
+                                      </p:to>
+                                    </p:set>
+                                    <p:animEffect transition="in" filter="fade">
+                                      <p:cBhvr>
+                                        <p:cTn id="25" dur="500"/>
+                                        <p:tgtEl>
+                                          <p:spTgt spid="4">
+                                            <p:txEl>
+                                              <p:pRg st="4" end="4"/>
+                                            </p:txEl>
+                                          </p:spTgt>
+                                        </p:tgtEl>
+                                      </p:cBhvr>
+                                    </p:animEffect>
+                                  </p:childTnLst>
+                                </p:cTn>
+                              </p:par>
+                              <p:par>
+                                <p:cTn id="26" presetID="10" presetClass="entr" presetSubtype="0" fill="hold" nodeType="withEffect">
+                                  <p:stCondLst>
+                                    <p:cond delay="0"/>
+                                  </p:stCondLst>
+                                  <p:childTnLst>
+                                    <p:set>
+                                      <p:cBhvr>
+                                        <p:cTn id="27" dur="1" fill="hold">
+                                          <p:stCondLst>
+                                            <p:cond delay="0"/>
+                                          </p:stCondLst>
+                                        </p:cTn>
+                                        <p:tgtEl>
+                                          <p:spTgt spid="4">
+                                            <p:txEl>
+                                              <p:pRg st="5" end="5"/>
+                                            </p:txEl>
+                                          </p:spTgt>
+                                        </p:tgtEl>
+                                        <p:attrNameLst>
+                                          <p:attrName>style.visibility</p:attrName>
+                                        </p:attrNameLst>
+                                      </p:cBhvr>
+                                      <p:to>
+                                        <p:strVal val="visible"/>
+                                      </p:to>
+                                    </p:set>
+                                    <p:animEffect transition="in" filter="fade">
+                                      <p:cBhvr>
+                                        <p:cTn id="28" dur="500"/>
+                                        <p:tgtEl>
+                                          <p:spTgt spid="4">
+                                            <p:txEl>
+                                              <p:pRg st="5" end="5"/>
+                                            </p:txEl>
+                                          </p:spTgt>
+                                        </p:tgtEl>
+                                      </p:cBhvr>
+                                    </p:animEffect>
+                                  </p:childTnLst>
+                                </p:cTn>
+                              </p:par>
+                              <p:par>
+                                <p:cTn id="29" presetID="10" presetClass="entr" presetSubtype="0" fill="hold" nodeType="withEffect">
+                                  <p:stCondLst>
+                                    <p:cond delay="0"/>
+                                  </p:stCondLst>
+                                  <p:childTnLst>
+                                    <p:set>
+                                      <p:cBhvr>
+                                        <p:cTn id="30" dur="1" fill="hold">
+                                          <p:stCondLst>
+                                            <p:cond delay="0"/>
+                                          </p:stCondLst>
+                                        </p:cTn>
+                                        <p:tgtEl>
+                                          <p:spTgt spid="4">
+                                            <p:txEl>
+                                              <p:pRg st="6" end="6"/>
+                                            </p:txEl>
+                                          </p:spTgt>
+                                        </p:tgtEl>
+                                        <p:attrNameLst>
+                                          <p:attrName>style.visibility</p:attrName>
+                                        </p:attrNameLst>
+                                      </p:cBhvr>
+                                      <p:to>
+                                        <p:strVal val="visible"/>
+                                      </p:to>
+                                    </p:set>
+                                    <p:animEffect transition="in" filter="fade">
+                                      <p:cBhvr>
+                                        <p:cTn id="31" dur="500"/>
+                                        <p:tgtEl>
+                                          <p:spTgt spid="4">
+                                            <p:txEl>
+                                              <p:pRg st="6" end="6"/>
+                                            </p:txEl>
+                                          </p:spTgt>
+                                        </p:tgtEl>
+                                      </p:cBhvr>
+                                    </p:animEffect>
+                                  </p:childTnLst>
+                                </p:cTn>
+                              </p:par>
+                            </p:childTnLst>
+                          </p:cTn>
+                        </p:par>
+                      </p:childTnLst>
+                    </p:cTn>
+                  </p:par>
+                </p:childTnLst>
+              </p:cTn>
+              <p:prevCondLst>
+                <p:cond evt="onPrev" delay="0">
+                  <p:tgtEl>
+                    <p:sldTgt/>
+                  </p:tgtEl>
+                </p:cond>
+              </p:prevCondLst>
+              <p:nextCondLst>
+                <p:cond evt="onNext" delay="0">
+                  <p:tgtEl>
+                    <p:sldTgt/>
+                  </p:tgtEl>
+                </p:cond>
+              </p:nextCondLst>
+            </p:seq>
+          </p:childTnLst>
+        </p:cTn>
+      </p:par>
+    </p:tnLst>
+  </p:timing>
 </p:sld>
 </file>
 
@@ -5522,7 +6195,9 @@
           </a:xfrm>
         </p:spPr>
         <p:txBody>
-          <a:bodyPr/>
+          <a:bodyPr>
+            <a:normAutofit/>
+          </a:bodyPr>
           <a:lstStyle/>
           <a:p>
             <a:r>
@@ -5534,21 +6209,14 @@
             <a:pPr lvl="1"/>
             <a:r>
               <a:rPr lang="en-US" dirty="0"/>
-              <a:t>After each attempt RX replies </a:t>
+              <a:t>RX success is checked with a CRC on packet </a:t>
             </a:r>
           </a:p>
           <a:p>
             <a:pPr lvl="1"/>
             <a:r>
               <a:rPr lang="en-US" dirty="0"/>
-              <a:t>ACK if data received successfully and NAK if data fails.</a:t>
-            </a:r>
-          </a:p>
-          <a:p>
-            <a:pPr lvl="1"/>
-            <a:r>
-              <a:rPr lang="en-US" dirty="0"/>
-              <a:t>RX success can be checked with a CRC on packet (later)</a:t>
+              <a:t>RX then replies with ACK (success) or NACK (fail)</a:t>
             </a:r>
           </a:p>
           <a:p>
@@ -5560,7 +6228,10 @@
           </a:p>
           <a:p>
             <a:pPr lvl="1"/>
-            <a:endParaRPr lang="en-US" dirty="0"/>
+            <a:r>
+              <a:rPr lang="en-US" dirty="0"/>
+              <a:t>Continues until passes</a:t>
+            </a:r>
           </a:p>
         </p:txBody>
       </p:sp>
@@ -5624,49 +6295,6 @@
           </a:fontRef>
         </p:style>
       </p:cxnSp>
-      <p:sp>
-        <p:nvSpPr>
-          <p:cNvPr id="14" name="Down Arrow 13"/>
-          <p:cNvSpPr/>
-          <p:nvPr/>
-        </p:nvSpPr>
-        <p:spPr>
-          <a:xfrm rot="10800000">
-            <a:off x="3018074" y="1982510"/>
-            <a:ext cx="228600" cy="869156"/>
-          </a:xfrm>
-          <a:prstGeom prst="downArrow">
-            <a:avLst/>
-          </a:prstGeom>
-          <a:solidFill>
-            <a:srgbClr val="FF0000"/>
-          </a:solidFill>
-        </p:spPr>
-        <p:style>
-          <a:lnRef idx="2">
-            <a:schemeClr val="accent1">
-              <a:shade val="50000"/>
-            </a:schemeClr>
-          </a:lnRef>
-          <a:fillRef idx="1">
-            <a:schemeClr val="accent1"/>
-          </a:fillRef>
-          <a:effectRef idx="0">
-            <a:schemeClr val="accent1"/>
-          </a:effectRef>
-          <a:fontRef idx="minor">
-            <a:schemeClr val="lt1"/>
-          </a:fontRef>
-        </p:style>
-        <p:txBody>
-          <a:bodyPr rtlCol="0" anchor="ctr"/>
-          <a:lstStyle/>
-          <a:p>
-            <a:pPr algn="ctr"/>
-            <a:endParaRPr lang="en-US"/>
-          </a:p>
-        </p:txBody>
-      </p:sp>
       <p:sp>
         <p:nvSpPr>
           <p:cNvPr id="15" name="Down Arrow 14"/>
@@ -5739,150 +6367,99 @@
           </a:p>
         </p:txBody>
       </p:sp>
-      <p:sp>
-        <p:nvSpPr>
-          <p:cNvPr id="17" name="TextBox 16"/>
-          <p:cNvSpPr txBox="1"/>
+      <p:grpSp>
+        <p:nvGrpSpPr>
+          <p:cNvPr id="5" name="Group 4">
+            <a:extLst>
+              <a:ext uri="{FF2B5EF4-FFF2-40B4-BE49-F238E27FC236}">
+                <a16:creationId xmlns:a16="http://schemas.microsoft.com/office/drawing/2014/main" id="{5B98DB42-C681-4D6D-B51B-FA82317084E3}"/>
+              </a:ext>
+            </a:extLst>
+          </p:cNvPr>
+          <p:cNvGrpSpPr/>
           <p:nvPr/>
-        </p:nvSpPr>
-        <p:spPr>
+        </p:nvGrpSpPr>
+        <p:grpSpPr>
           <a:xfrm>
-            <a:off x="3235658" y="2253734"/>
-            <a:ext cx="620617" cy="369332"/>
+            <a:off x="3018074" y="1982510"/>
+            <a:ext cx="838201" cy="869156"/>
+            <a:chOff x="3018074" y="1982510"/>
+            <a:chExt cx="838201" cy="869156"/>
           </a:xfrm>
-          <a:prstGeom prst="rect">
-            <a:avLst/>
-          </a:prstGeom>
-          <a:noFill/>
-        </p:spPr>
-        <p:txBody>
-          <a:bodyPr wrap="square" rtlCol="0">
-            <a:spAutoFit/>
-          </a:bodyPr>
-          <a:lstStyle/>
-          <a:p>
-            <a:r>
-              <a:rPr lang="en-US" dirty="0"/>
-              <a:t>NAK</a:t>
-            </a:r>
-          </a:p>
-        </p:txBody>
-      </p:sp>
-      <p:sp>
-        <p:nvSpPr>
-          <p:cNvPr id="18" name="Down Arrow 17"/>
-          <p:cNvSpPr/>
-          <p:nvPr/>
-        </p:nvSpPr>
-        <p:spPr>
-          <a:xfrm rot="10800000">
-            <a:off x="5282040" y="1982510"/>
-            <a:ext cx="228600" cy="869156"/>
-          </a:xfrm>
-          <a:prstGeom prst="downArrow">
-            <a:avLst/>
-          </a:prstGeom>
-          <a:solidFill>
-            <a:srgbClr val="FF0000"/>
-          </a:solidFill>
-        </p:spPr>
-        <p:style>
-          <a:lnRef idx="2">
-            <a:schemeClr val="accent1">
-              <a:shade val="50000"/>
-            </a:schemeClr>
-          </a:lnRef>
-          <a:fillRef idx="1">
-            <a:schemeClr val="accent1"/>
-          </a:fillRef>
-          <a:effectRef idx="0">
-            <a:schemeClr val="accent1"/>
-          </a:effectRef>
-          <a:fontRef idx="minor">
-            <a:schemeClr val="lt1"/>
-          </a:fontRef>
-        </p:style>
-        <p:txBody>
-          <a:bodyPr rtlCol="0" anchor="ctr"/>
-          <a:lstStyle/>
-          <a:p>
-            <a:pPr algn="ctr"/>
-            <a:endParaRPr lang="en-US"/>
-          </a:p>
-        </p:txBody>
-      </p:sp>
-      <p:sp>
-        <p:nvSpPr>
-          <p:cNvPr id="19" name="Down Arrow 18"/>
-          <p:cNvSpPr/>
-          <p:nvPr/>
-        </p:nvSpPr>
-        <p:spPr>
-          <a:xfrm rot="10800000" flipV="1">
-            <a:off x="4901040" y="1983304"/>
-            <a:ext cx="228600" cy="868362"/>
-          </a:xfrm>
-          <a:prstGeom prst="downArrow">
-            <a:avLst/>
-          </a:prstGeom>
-          <a:solidFill>
-            <a:srgbClr val="00FFFF"/>
-          </a:solidFill>
-        </p:spPr>
-        <p:style>
-          <a:lnRef idx="2">
-            <a:schemeClr val="accent1">
-              <a:shade val="50000"/>
-            </a:schemeClr>
-          </a:lnRef>
-          <a:fillRef idx="1">
-            <a:schemeClr val="accent1"/>
-          </a:fillRef>
-          <a:effectRef idx="0">
-            <a:schemeClr val="accent1"/>
-          </a:effectRef>
-          <a:fontRef idx="minor">
-            <a:schemeClr val="lt1"/>
-          </a:fontRef>
-        </p:style>
-        <p:txBody>
-          <a:bodyPr rtlCol="0" anchor="ctr"/>
-          <a:lstStyle/>
-          <a:p>
-            <a:pPr algn="ctr"/>
-            <a:endParaRPr lang="en-US"/>
-          </a:p>
-        </p:txBody>
-      </p:sp>
-      <p:sp>
-        <p:nvSpPr>
-          <p:cNvPr id="21" name="TextBox 20"/>
-          <p:cNvSpPr txBox="1"/>
-          <p:nvPr/>
-        </p:nvSpPr>
-        <p:spPr>
-          <a:xfrm>
-            <a:off x="5434441" y="2253734"/>
-            <a:ext cx="620617" cy="369332"/>
-          </a:xfrm>
-          <a:prstGeom prst="rect">
-            <a:avLst/>
-          </a:prstGeom>
-          <a:noFill/>
-        </p:spPr>
-        <p:txBody>
-          <a:bodyPr wrap="square" rtlCol="0">
-            <a:spAutoFit/>
-          </a:bodyPr>
-          <a:lstStyle/>
-          <a:p>
-            <a:r>
-              <a:rPr lang="en-US" dirty="0"/>
-              <a:t>NAK</a:t>
-            </a:r>
-          </a:p>
-        </p:txBody>
-      </p:sp>
+        </p:grpSpPr>
+        <p:sp>
+          <p:nvSpPr>
+            <p:cNvPr id="14" name="Down Arrow 13"/>
+            <p:cNvSpPr/>
+            <p:nvPr/>
+          </p:nvSpPr>
+          <p:spPr>
+            <a:xfrm rot="10800000">
+              <a:off x="3018074" y="1982510"/>
+              <a:ext cx="228600" cy="869156"/>
+            </a:xfrm>
+            <a:prstGeom prst="downArrow">
+              <a:avLst/>
+            </a:prstGeom>
+            <a:solidFill>
+              <a:srgbClr val="FF0000"/>
+            </a:solidFill>
+          </p:spPr>
+          <p:style>
+            <a:lnRef idx="2">
+              <a:schemeClr val="accent1">
+                <a:shade val="50000"/>
+              </a:schemeClr>
+            </a:lnRef>
+            <a:fillRef idx="1">
+              <a:schemeClr val="accent1"/>
+            </a:fillRef>
+            <a:effectRef idx="0">
+              <a:schemeClr val="accent1"/>
+            </a:effectRef>
+            <a:fontRef idx="minor">
+              <a:schemeClr val="lt1"/>
+            </a:fontRef>
+          </p:style>
+          <p:txBody>
+            <a:bodyPr rtlCol="0" anchor="ctr"/>
+            <a:lstStyle/>
+            <a:p>
+              <a:pPr algn="ctr"/>
+              <a:endParaRPr lang="en-US"/>
+            </a:p>
+          </p:txBody>
+        </p:sp>
+        <p:sp>
+          <p:nvSpPr>
+            <p:cNvPr id="17" name="TextBox 16"/>
+            <p:cNvSpPr txBox="1"/>
+            <p:nvPr/>
+          </p:nvSpPr>
+          <p:spPr>
+            <a:xfrm>
+              <a:off x="3235658" y="2253734"/>
+              <a:ext cx="620617" cy="369332"/>
+            </a:xfrm>
+            <a:prstGeom prst="rect">
+              <a:avLst/>
+            </a:prstGeom>
+            <a:noFill/>
+          </p:spPr>
+          <p:txBody>
+            <a:bodyPr wrap="square" rtlCol="0">
+              <a:spAutoFit/>
+            </a:bodyPr>
+            <a:lstStyle/>
+            <a:p>
+              <a:r>
+                <a:rPr lang="en-US" dirty="0"/>
+                <a:t>NAK</a:t>
+              </a:r>
+            </a:p>
+          </p:txBody>
+        </p:sp>
+      </p:grpSp>
       <p:sp>
         <p:nvSpPr>
           <p:cNvPr id="22" name="TextBox 21"/>
@@ -5908,179 +6485,6 @@
             <a:r>
               <a:rPr lang="en-US" dirty="0"/>
               <a:t>Attempt 1</a:t>
-            </a:r>
-          </a:p>
-        </p:txBody>
-      </p:sp>
-      <p:sp>
-        <p:nvSpPr>
-          <p:cNvPr id="23" name="TextBox 22"/>
-          <p:cNvSpPr txBox="1"/>
-          <p:nvPr/>
-        </p:nvSpPr>
-        <p:spPr>
-          <a:xfrm>
-            <a:off x="4655913" y="1567934"/>
-            <a:ext cx="1148510" cy="369332"/>
-          </a:xfrm>
-          <a:prstGeom prst="rect">
-            <a:avLst/>
-          </a:prstGeom>
-          <a:noFill/>
-        </p:spPr>
-        <p:txBody>
-          <a:bodyPr wrap="square" rtlCol="0">
-            <a:spAutoFit/>
-          </a:bodyPr>
-          <a:lstStyle/>
-          <a:p>
-            <a:r>
-              <a:rPr lang="en-US" dirty="0"/>
-              <a:t>Attempt 2</a:t>
-            </a:r>
-          </a:p>
-        </p:txBody>
-      </p:sp>
-      <p:sp>
-        <p:nvSpPr>
-          <p:cNvPr id="24" name="Down Arrow 23"/>
-          <p:cNvSpPr/>
-          <p:nvPr/>
-        </p:nvSpPr>
-        <p:spPr>
-          <a:xfrm rot="10800000">
-            <a:off x="8253840" y="1970842"/>
-            <a:ext cx="228600" cy="869156"/>
-          </a:xfrm>
-          <a:prstGeom prst="downArrow">
-            <a:avLst/>
-          </a:prstGeom>
-          <a:solidFill>
-            <a:srgbClr val="92D050"/>
-          </a:solidFill>
-        </p:spPr>
-        <p:style>
-          <a:lnRef idx="2">
-            <a:schemeClr val="accent1">
-              <a:shade val="50000"/>
-            </a:schemeClr>
-          </a:lnRef>
-          <a:fillRef idx="1">
-            <a:schemeClr val="accent1"/>
-          </a:fillRef>
-          <a:effectRef idx="0">
-            <a:schemeClr val="accent1"/>
-          </a:effectRef>
-          <a:fontRef idx="minor">
-            <a:schemeClr val="lt1"/>
-          </a:fontRef>
-        </p:style>
-        <p:txBody>
-          <a:bodyPr rtlCol="0" anchor="ctr"/>
-          <a:lstStyle/>
-          <a:p>
-            <a:pPr algn="ctr"/>
-            <a:endParaRPr lang="en-US"/>
-          </a:p>
-        </p:txBody>
-      </p:sp>
-      <p:sp>
-        <p:nvSpPr>
-          <p:cNvPr id="25" name="Down Arrow 24"/>
-          <p:cNvSpPr/>
-          <p:nvPr/>
-        </p:nvSpPr>
-        <p:spPr>
-          <a:xfrm rot="10800000" flipV="1">
-            <a:off x="7872840" y="1971636"/>
-            <a:ext cx="228600" cy="868362"/>
-          </a:xfrm>
-          <a:prstGeom prst="downArrow">
-            <a:avLst/>
-          </a:prstGeom>
-          <a:solidFill>
-            <a:srgbClr val="00FFFF"/>
-          </a:solidFill>
-        </p:spPr>
-        <p:style>
-          <a:lnRef idx="2">
-            <a:schemeClr val="accent1">
-              <a:shade val="50000"/>
-            </a:schemeClr>
-          </a:lnRef>
-          <a:fillRef idx="1">
-            <a:schemeClr val="accent1"/>
-          </a:fillRef>
-          <a:effectRef idx="0">
-            <a:schemeClr val="accent1"/>
-          </a:effectRef>
-          <a:fontRef idx="minor">
-            <a:schemeClr val="lt1"/>
-          </a:fontRef>
-        </p:style>
-        <p:txBody>
-          <a:bodyPr rtlCol="0" anchor="ctr"/>
-          <a:lstStyle/>
-          <a:p>
-            <a:pPr algn="ctr"/>
-            <a:endParaRPr lang="en-US"/>
-          </a:p>
-        </p:txBody>
-      </p:sp>
-      <p:sp>
-        <p:nvSpPr>
-          <p:cNvPr id="26" name="TextBox 25"/>
-          <p:cNvSpPr txBox="1"/>
-          <p:nvPr/>
-        </p:nvSpPr>
-        <p:spPr>
-          <a:xfrm>
-            <a:off x="8406241" y="2242066"/>
-            <a:ext cx="620617" cy="369332"/>
-          </a:xfrm>
-          <a:prstGeom prst="rect">
-            <a:avLst/>
-          </a:prstGeom>
-          <a:noFill/>
-        </p:spPr>
-        <p:txBody>
-          <a:bodyPr wrap="square" rtlCol="0">
-            <a:spAutoFit/>
-          </a:bodyPr>
-          <a:lstStyle/>
-          <a:p>
-            <a:r>
-              <a:rPr lang="en-US" dirty="0"/>
-              <a:t>ACK</a:t>
-            </a:r>
-          </a:p>
-        </p:txBody>
-      </p:sp>
-      <p:sp>
-        <p:nvSpPr>
-          <p:cNvPr id="27" name="TextBox 26"/>
-          <p:cNvSpPr txBox="1"/>
-          <p:nvPr/>
-        </p:nvSpPr>
-        <p:spPr>
-          <a:xfrm>
-            <a:off x="6637113" y="1556266"/>
-            <a:ext cx="1148510" cy="369332"/>
-          </a:xfrm>
-          <a:prstGeom prst="rect">
-            <a:avLst/>
-          </a:prstGeom>
-          <a:noFill/>
-        </p:spPr>
-        <p:txBody>
-          <a:bodyPr wrap="square" rtlCol="0">
-            <a:spAutoFit/>
-          </a:bodyPr>
-          <a:lstStyle/>
-          <a:p>
-            <a:r>
-              <a:rPr lang="en-US" dirty="0"/>
-              <a:t>Attempt 3</a:t>
             </a:r>
           </a:p>
         </p:txBody>
@@ -6156,96 +6560,6 @@
       </p:sp>
       <p:sp>
         <p:nvSpPr>
-          <p:cNvPr id="34" name="Rectangle 33"/>
-          <p:cNvSpPr/>
-          <p:nvPr/>
-        </p:nvSpPr>
-        <p:spPr>
-          <a:xfrm>
-            <a:off x="4955206" y="2840649"/>
-            <a:ext cx="152401" cy="838200"/>
-          </a:xfrm>
-          <a:prstGeom prst="rect">
-            <a:avLst/>
-          </a:prstGeom>
-          <a:solidFill>
-            <a:srgbClr val="66CCFF">
-              <a:alpha val="30196"/>
-            </a:srgbClr>
-          </a:solidFill>
-        </p:spPr>
-        <p:style>
-          <a:lnRef idx="2">
-            <a:schemeClr val="accent1">
-              <a:shade val="50000"/>
-            </a:schemeClr>
-          </a:lnRef>
-          <a:fillRef idx="1">
-            <a:schemeClr val="accent1"/>
-          </a:fillRef>
-          <a:effectRef idx="0">
-            <a:schemeClr val="accent1"/>
-          </a:effectRef>
-          <a:fontRef idx="minor">
-            <a:schemeClr val="lt1"/>
-          </a:fontRef>
-        </p:style>
-        <p:txBody>
-          <a:bodyPr rtlCol="0" anchor="ctr"/>
-          <a:lstStyle/>
-          <a:p>
-            <a:pPr algn="ctr"/>
-            <a:endParaRPr lang="en-US"/>
-          </a:p>
-        </p:txBody>
-      </p:sp>
-      <p:sp>
-        <p:nvSpPr>
-          <p:cNvPr id="35" name="Rectangle 34"/>
-          <p:cNvSpPr/>
-          <p:nvPr/>
-        </p:nvSpPr>
-        <p:spPr>
-          <a:xfrm>
-            <a:off x="7894875" y="2840649"/>
-            <a:ext cx="152401" cy="838200"/>
-          </a:xfrm>
-          <a:prstGeom prst="rect">
-            <a:avLst/>
-          </a:prstGeom>
-          <a:solidFill>
-            <a:srgbClr val="66CCFF">
-              <a:alpha val="30196"/>
-            </a:srgbClr>
-          </a:solidFill>
-        </p:spPr>
-        <p:style>
-          <a:lnRef idx="2">
-            <a:schemeClr val="accent1">
-              <a:shade val="50000"/>
-            </a:schemeClr>
-          </a:lnRef>
-          <a:fillRef idx="1">
-            <a:schemeClr val="accent1"/>
-          </a:fillRef>
-          <a:effectRef idx="0">
-            <a:schemeClr val="accent1"/>
-          </a:effectRef>
-          <a:fontRef idx="minor">
-            <a:schemeClr val="lt1"/>
-          </a:fontRef>
-        </p:style>
-        <p:txBody>
-          <a:bodyPr rtlCol="0" anchor="ctr"/>
-          <a:lstStyle/>
-          <a:p>
-            <a:pPr algn="ctr"/>
-            <a:endParaRPr lang="en-US"/>
-          </a:p>
-        </p:txBody>
-      </p:sp>
-      <p:sp>
-        <p:nvSpPr>
           <p:cNvPr id="37" name="Rectangle 36"/>
           <p:cNvSpPr/>
           <p:nvPr/>
@@ -6319,64 +6633,484 @@
           </a:p>
         </p:txBody>
       </p:sp>
-      <p:sp>
-        <p:nvSpPr>
-          <p:cNvPr id="38" name="TextBox 37"/>
-          <p:cNvSpPr txBox="1"/>
+      <p:grpSp>
+        <p:nvGrpSpPr>
+          <p:cNvPr id="8" name="Group 7">
+            <a:extLst>
+              <a:ext uri="{FF2B5EF4-FFF2-40B4-BE49-F238E27FC236}">
+                <a16:creationId xmlns:a16="http://schemas.microsoft.com/office/drawing/2014/main" id="{4271A371-1EF2-4AB5-AEF3-CEEB3EFF2D0B}"/>
+              </a:ext>
+            </a:extLst>
+          </p:cNvPr>
+          <p:cNvGrpSpPr/>
           <p:nvPr/>
-        </p:nvSpPr>
-        <p:spPr>
+        </p:nvGrpSpPr>
+        <p:grpSpPr>
           <a:xfrm>
-            <a:off x="4345604" y="2231491"/>
-            <a:ext cx="620617" cy="369332"/>
+            <a:off x="4345604" y="1567934"/>
+            <a:ext cx="1709454" cy="2110915"/>
+            <a:chOff x="4345604" y="1567934"/>
+            <a:chExt cx="1709454" cy="2110915"/>
           </a:xfrm>
-          <a:prstGeom prst="rect">
-            <a:avLst/>
-          </a:prstGeom>
-          <a:noFill/>
-        </p:spPr>
-        <p:txBody>
-          <a:bodyPr wrap="square" rtlCol="0">
-            <a:spAutoFit/>
-          </a:bodyPr>
-          <a:lstStyle/>
-          <a:p>
-            <a:r>
-              <a:rPr lang="en-US" dirty="0"/>
-              <a:t>Data</a:t>
-            </a:r>
-          </a:p>
-        </p:txBody>
-      </p:sp>
-      <p:sp>
-        <p:nvSpPr>
-          <p:cNvPr id="39" name="TextBox 38"/>
-          <p:cNvSpPr txBox="1"/>
+        </p:grpSpPr>
+        <p:sp>
+          <p:nvSpPr>
+            <p:cNvPr id="18" name="Down Arrow 17"/>
+            <p:cNvSpPr/>
+            <p:nvPr/>
+          </p:nvSpPr>
+          <p:spPr>
+            <a:xfrm rot="10800000">
+              <a:off x="5282040" y="1982510"/>
+              <a:ext cx="228600" cy="869156"/>
+            </a:xfrm>
+            <a:prstGeom prst="downArrow">
+              <a:avLst/>
+            </a:prstGeom>
+            <a:solidFill>
+              <a:srgbClr val="FF0000"/>
+            </a:solidFill>
+          </p:spPr>
+          <p:style>
+            <a:lnRef idx="2">
+              <a:schemeClr val="accent1">
+                <a:shade val="50000"/>
+              </a:schemeClr>
+            </a:lnRef>
+            <a:fillRef idx="1">
+              <a:schemeClr val="accent1"/>
+            </a:fillRef>
+            <a:effectRef idx="0">
+              <a:schemeClr val="accent1"/>
+            </a:effectRef>
+            <a:fontRef idx="minor">
+              <a:schemeClr val="lt1"/>
+            </a:fontRef>
+          </p:style>
+          <p:txBody>
+            <a:bodyPr rtlCol="0" anchor="ctr"/>
+            <a:lstStyle/>
+            <a:p>
+              <a:pPr algn="ctr"/>
+              <a:endParaRPr lang="en-US"/>
+            </a:p>
+          </p:txBody>
+        </p:sp>
+        <p:sp>
+          <p:nvSpPr>
+            <p:cNvPr id="19" name="Down Arrow 18"/>
+            <p:cNvSpPr/>
+            <p:nvPr/>
+          </p:nvSpPr>
+          <p:spPr>
+            <a:xfrm rot="10800000" flipV="1">
+              <a:off x="4901040" y="1983304"/>
+              <a:ext cx="228600" cy="868362"/>
+            </a:xfrm>
+            <a:prstGeom prst="downArrow">
+              <a:avLst/>
+            </a:prstGeom>
+            <a:solidFill>
+              <a:srgbClr val="00FFFF"/>
+            </a:solidFill>
+          </p:spPr>
+          <p:style>
+            <a:lnRef idx="2">
+              <a:schemeClr val="accent1">
+                <a:shade val="50000"/>
+              </a:schemeClr>
+            </a:lnRef>
+            <a:fillRef idx="1">
+              <a:schemeClr val="accent1"/>
+            </a:fillRef>
+            <a:effectRef idx="0">
+              <a:schemeClr val="accent1"/>
+            </a:effectRef>
+            <a:fontRef idx="minor">
+              <a:schemeClr val="lt1"/>
+            </a:fontRef>
+          </p:style>
+          <p:txBody>
+            <a:bodyPr rtlCol="0" anchor="ctr"/>
+            <a:lstStyle/>
+            <a:p>
+              <a:pPr algn="ctr"/>
+              <a:endParaRPr lang="en-US"/>
+            </a:p>
+          </p:txBody>
+        </p:sp>
+        <p:sp>
+          <p:nvSpPr>
+            <p:cNvPr id="21" name="TextBox 20"/>
+            <p:cNvSpPr txBox="1"/>
+            <p:nvPr/>
+          </p:nvSpPr>
+          <p:spPr>
+            <a:xfrm>
+              <a:off x="5434441" y="2253734"/>
+              <a:ext cx="620617" cy="369332"/>
+            </a:xfrm>
+            <a:prstGeom prst="rect">
+              <a:avLst/>
+            </a:prstGeom>
+            <a:noFill/>
+          </p:spPr>
+          <p:txBody>
+            <a:bodyPr wrap="square" rtlCol="0">
+              <a:spAutoFit/>
+            </a:bodyPr>
+            <a:lstStyle/>
+            <a:p>
+              <a:r>
+                <a:rPr lang="en-US" dirty="0"/>
+                <a:t>NAK</a:t>
+              </a:r>
+            </a:p>
+          </p:txBody>
+        </p:sp>
+        <p:sp>
+          <p:nvSpPr>
+            <p:cNvPr id="23" name="TextBox 22"/>
+            <p:cNvSpPr txBox="1"/>
+            <p:nvPr/>
+          </p:nvSpPr>
+          <p:spPr>
+            <a:xfrm>
+              <a:off x="4655913" y="1567934"/>
+              <a:ext cx="1148510" cy="369332"/>
+            </a:xfrm>
+            <a:prstGeom prst="rect">
+              <a:avLst/>
+            </a:prstGeom>
+            <a:noFill/>
+          </p:spPr>
+          <p:txBody>
+            <a:bodyPr wrap="square" rtlCol="0">
+              <a:spAutoFit/>
+            </a:bodyPr>
+            <a:lstStyle/>
+            <a:p>
+              <a:r>
+                <a:rPr lang="en-US" dirty="0"/>
+                <a:t>Attempt 2</a:t>
+              </a:r>
+            </a:p>
+          </p:txBody>
+        </p:sp>
+        <p:sp>
+          <p:nvSpPr>
+            <p:cNvPr id="34" name="Rectangle 33"/>
+            <p:cNvSpPr/>
+            <p:nvPr/>
+          </p:nvSpPr>
+          <p:spPr>
+            <a:xfrm>
+              <a:off x="4955206" y="2840649"/>
+              <a:ext cx="152401" cy="838200"/>
+            </a:xfrm>
+            <a:prstGeom prst="rect">
+              <a:avLst/>
+            </a:prstGeom>
+            <a:solidFill>
+              <a:srgbClr val="66CCFF">
+                <a:alpha val="30196"/>
+              </a:srgbClr>
+            </a:solidFill>
+          </p:spPr>
+          <p:style>
+            <a:lnRef idx="2">
+              <a:schemeClr val="accent1">
+                <a:shade val="50000"/>
+              </a:schemeClr>
+            </a:lnRef>
+            <a:fillRef idx="1">
+              <a:schemeClr val="accent1"/>
+            </a:fillRef>
+            <a:effectRef idx="0">
+              <a:schemeClr val="accent1"/>
+            </a:effectRef>
+            <a:fontRef idx="minor">
+              <a:schemeClr val="lt1"/>
+            </a:fontRef>
+          </p:style>
+          <p:txBody>
+            <a:bodyPr rtlCol="0" anchor="ctr"/>
+            <a:lstStyle/>
+            <a:p>
+              <a:pPr algn="ctr"/>
+              <a:endParaRPr lang="en-US"/>
+            </a:p>
+          </p:txBody>
+        </p:sp>
+        <p:sp>
+          <p:nvSpPr>
+            <p:cNvPr id="38" name="TextBox 37"/>
+            <p:cNvSpPr txBox="1"/>
+            <p:nvPr/>
+          </p:nvSpPr>
+          <p:spPr>
+            <a:xfrm>
+              <a:off x="4345604" y="2231491"/>
+              <a:ext cx="620617" cy="369332"/>
+            </a:xfrm>
+            <a:prstGeom prst="rect">
+              <a:avLst/>
+            </a:prstGeom>
+            <a:noFill/>
+          </p:spPr>
+          <p:txBody>
+            <a:bodyPr wrap="square" rtlCol="0">
+              <a:spAutoFit/>
+            </a:bodyPr>
+            <a:lstStyle/>
+            <a:p>
+              <a:r>
+                <a:rPr lang="en-US" dirty="0"/>
+                <a:t>Data</a:t>
+              </a:r>
+            </a:p>
+          </p:txBody>
+        </p:sp>
+      </p:grpSp>
+      <p:grpSp>
+        <p:nvGrpSpPr>
+          <p:cNvPr id="9" name="Group 8">
+            <a:extLst>
+              <a:ext uri="{FF2B5EF4-FFF2-40B4-BE49-F238E27FC236}">
+                <a16:creationId xmlns:a16="http://schemas.microsoft.com/office/drawing/2014/main" id="{7DF62365-F19E-4816-B32C-E4485C90C703}"/>
+              </a:ext>
+            </a:extLst>
+          </p:cNvPr>
+          <p:cNvGrpSpPr/>
           <p:nvPr/>
-        </p:nvSpPr>
-        <p:spPr>
+        </p:nvGrpSpPr>
+        <p:grpSpPr>
           <a:xfrm>
-            <a:off x="7322914" y="2220754"/>
-            <a:ext cx="620617" cy="369332"/>
+            <a:off x="6637113" y="1556266"/>
+            <a:ext cx="2389745" cy="2122583"/>
+            <a:chOff x="6637113" y="1556266"/>
+            <a:chExt cx="2389745" cy="2122583"/>
           </a:xfrm>
-          <a:prstGeom prst="rect">
-            <a:avLst/>
-          </a:prstGeom>
-          <a:noFill/>
-        </p:spPr>
-        <p:txBody>
-          <a:bodyPr wrap="square" rtlCol="0">
-            <a:spAutoFit/>
-          </a:bodyPr>
-          <a:lstStyle/>
-          <a:p>
-            <a:r>
-              <a:rPr lang="en-US" dirty="0"/>
-              <a:t>Data</a:t>
-            </a:r>
-          </a:p>
-        </p:txBody>
-      </p:sp>
+        </p:grpSpPr>
+        <p:sp>
+          <p:nvSpPr>
+            <p:cNvPr id="24" name="Down Arrow 23"/>
+            <p:cNvSpPr/>
+            <p:nvPr/>
+          </p:nvSpPr>
+          <p:spPr>
+            <a:xfrm rot="10800000">
+              <a:off x="8253840" y="1970842"/>
+              <a:ext cx="228600" cy="869156"/>
+            </a:xfrm>
+            <a:prstGeom prst="downArrow">
+              <a:avLst/>
+            </a:prstGeom>
+            <a:solidFill>
+              <a:srgbClr val="92D050"/>
+            </a:solidFill>
+          </p:spPr>
+          <p:style>
+            <a:lnRef idx="2">
+              <a:schemeClr val="accent1">
+                <a:shade val="50000"/>
+              </a:schemeClr>
+            </a:lnRef>
+            <a:fillRef idx="1">
+              <a:schemeClr val="accent1"/>
+            </a:fillRef>
+            <a:effectRef idx="0">
+              <a:schemeClr val="accent1"/>
+            </a:effectRef>
+            <a:fontRef idx="minor">
+              <a:schemeClr val="lt1"/>
+            </a:fontRef>
+          </p:style>
+          <p:txBody>
+            <a:bodyPr rtlCol="0" anchor="ctr"/>
+            <a:lstStyle/>
+            <a:p>
+              <a:pPr algn="ctr"/>
+              <a:endParaRPr lang="en-US"/>
+            </a:p>
+          </p:txBody>
+        </p:sp>
+        <p:sp>
+          <p:nvSpPr>
+            <p:cNvPr id="25" name="Down Arrow 24"/>
+            <p:cNvSpPr/>
+            <p:nvPr/>
+          </p:nvSpPr>
+          <p:spPr>
+            <a:xfrm rot="10800000" flipV="1">
+              <a:off x="7872840" y="1971636"/>
+              <a:ext cx="228600" cy="868362"/>
+            </a:xfrm>
+            <a:prstGeom prst="downArrow">
+              <a:avLst/>
+            </a:prstGeom>
+            <a:solidFill>
+              <a:srgbClr val="00FFFF"/>
+            </a:solidFill>
+          </p:spPr>
+          <p:style>
+            <a:lnRef idx="2">
+              <a:schemeClr val="accent1">
+                <a:shade val="50000"/>
+              </a:schemeClr>
+            </a:lnRef>
+            <a:fillRef idx="1">
+              <a:schemeClr val="accent1"/>
+            </a:fillRef>
+            <a:effectRef idx="0">
+              <a:schemeClr val="accent1"/>
+            </a:effectRef>
+            <a:fontRef idx="minor">
+              <a:schemeClr val="lt1"/>
+            </a:fontRef>
+          </p:style>
+          <p:txBody>
+            <a:bodyPr rtlCol="0" anchor="ctr"/>
+            <a:lstStyle/>
+            <a:p>
+              <a:pPr algn="ctr"/>
+              <a:endParaRPr lang="en-US"/>
+            </a:p>
+          </p:txBody>
+        </p:sp>
+        <p:sp>
+          <p:nvSpPr>
+            <p:cNvPr id="26" name="TextBox 25"/>
+            <p:cNvSpPr txBox="1"/>
+            <p:nvPr/>
+          </p:nvSpPr>
+          <p:spPr>
+            <a:xfrm>
+              <a:off x="8406241" y="2242066"/>
+              <a:ext cx="620617" cy="369332"/>
+            </a:xfrm>
+            <a:prstGeom prst="rect">
+              <a:avLst/>
+            </a:prstGeom>
+            <a:noFill/>
+          </p:spPr>
+          <p:txBody>
+            <a:bodyPr wrap="square" rtlCol="0">
+              <a:spAutoFit/>
+            </a:bodyPr>
+            <a:lstStyle/>
+            <a:p>
+              <a:r>
+                <a:rPr lang="en-US" dirty="0"/>
+                <a:t>ACK</a:t>
+              </a:r>
+            </a:p>
+          </p:txBody>
+        </p:sp>
+        <p:sp>
+          <p:nvSpPr>
+            <p:cNvPr id="27" name="TextBox 26"/>
+            <p:cNvSpPr txBox="1"/>
+            <p:nvPr/>
+          </p:nvSpPr>
+          <p:spPr>
+            <a:xfrm>
+              <a:off x="6637113" y="1556266"/>
+              <a:ext cx="1148510" cy="369332"/>
+            </a:xfrm>
+            <a:prstGeom prst="rect">
+              <a:avLst/>
+            </a:prstGeom>
+            <a:noFill/>
+          </p:spPr>
+          <p:txBody>
+            <a:bodyPr wrap="square" rtlCol="0">
+              <a:spAutoFit/>
+            </a:bodyPr>
+            <a:lstStyle/>
+            <a:p>
+              <a:r>
+                <a:rPr lang="en-US" dirty="0"/>
+                <a:t>Attempt 3</a:t>
+              </a:r>
+            </a:p>
+          </p:txBody>
+        </p:sp>
+        <p:sp>
+          <p:nvSpPr>
+            <p:cNvPr id="35" name="Rectangle 34"/>
+            <p:cNvSpPr/>
+            <p:nvPr/>
+          </p:nvSpPr>
+          <p:spPr>
+            <a:xfrm>
+              <a:off x="7894875" y="2840649"/>
+              <a:ext cx="152401" cy="838200"/>
+            </a:xfrm>
+            <a:prstGeom prst="rect">
+              <a:avLst/>
+            </a:prstGeom>
+            <a:solidFill>
+              <a:srgbClr val="66CCFF">
+                <a:alpha val="30196"/>
+              </a:srgbClr>
+            </a:solidFill>
+          </p:spPr>
+          <p:style>
+            <a:lnRef idx="2">
+              <a:schemeClr val="accent1">
+                <a:shade val="50000"/>
+              </a:schemeClr>
+            </a:lnRef>
+            <a:fillRef idx="1">
+              <a:schemeClr val="accent1"/>
+            </a:fillRef>
+            <a:effectRef idx="0">
+              <a:schemeClr val="accent1"/>
+            </a:effectRef>
+            <a:fontRef idx="minor">
+              <a:schemeClr val="lt1"/>
+            </a:fontRef>
+          </p:style>
+          <p:txBody>
+            <a:bodyPr rtlCol="0" anchor="ctr"/>
+            <a:lstStyle/>
+            <a:p>
+              <a:pPr algn="ctr"/>
+              <a:endParaRPr lang="en-US"/>
+            </a:p>
+          </p:txBody>
+        </p:sp>
+        <p:sp>
+          <p:nvSpPr>
+            <p:cNvPr id="39" name="TextBox 38"/>
+            <p:cNvSpPr txBox="1"/>
+            <p:nvPr/>
+          </p:nvSpPr>
+          <p:spPr>
+            <a:xfrm>
+              <a:off x="7322914" y="2220754"/>
+              <a:ext cx="620617" cy="369332"/>
+            </a:xfrm>
+            <a:prstGeom prst="rect">
+              <a:avLst/>
+            </a:prstGeom>
+            <a:noFill/>
+          </p:spPr>
+          <p:txBody>
+            <a:bodyPr wrap="square" rtlCol="0">
+              <a:spAutoFit/>
+            </a:bodyPr>
+            <a:lstStyle/>
+            <a:p>
+              <a:r>
+                <a:rPr lang="en-US" dirty="0"/>
+                <a:t>Data</a:t>
+              </a:r>
+            </a:p>
+          </p:txBody>
+        </p:sp>
+      </p:grpSp>
     </p:spTree>
     <p:extLst>
       <p:ext uri="{BB962C8B-B14F-4D97-AF65-F5344CB8AC3E}">
@@ -6387,6 +7121,473 @@
   <p:clrMapOvr>
     <a:masterClrMapping/>
   </p:clrMapOvr>
+  <p:timing>
+    <p:tnLst>
+      <p:par>
+        <p:cTn id="1" dur="indefinite" restart="never" nodeType="tmRoot">
+          <p:childTnLst>
+            <p:seq concurrent="1" nextAc="seek">
+              <p:cTn id="2" dur="indefinite" nodeType="mainSeq">
+                <p:childTnLst>
+                  <p:par>
+                    <p:cTn id="3" fill="hold">
+                      <p:stCondLst>
+                        <p:cond delay="indefinite"/>
+                      </p:stCondLst>
+                      <p:childTnLst>
+                        <p:par>
+                          <p:cTn id="4" fill="hold">
+                            <p:stCondLst>
+                              <p:cond delay="0"/>
+                            </p:stCondLst>
+                            <p:childTnLst>
+                              <p:par>
+                                <p:cTn id="5" presetID="10" presetClass="entr" presetSubtype="0" fill="hold" nodeType="clickEffect">
+                                  <p:stCondLst>
+                                    <p:cond delay="0"/>
+                                  </p:stCondLst>
+                                  <p:childTnLst>
+                                    <p:set>
+                                      <p:cBhvr>
+                                        <p:cTn id="6" dur="1" fill="hold">
+                                          <p:stCondLst>
+                                            <p:cond delay="0"/>
+                                          </p:stCondLst>
+                                        </p:cTn>
+                                        <p:tgtEl>
+                                          <p:spTgt spid="4">
+                                            <p:txEl>
+                                              <p:pRg st="0" end="0"/>
+                                            </p:txEl>
+                                          </p:spTgt>
+                                        </p:tgtEl>
+                                        <p:attrNameLst>
+                                          <p:attrName>style.visibility</p:attrName>
+                                        </p:attrNameLst>
+                                      </p:cBhvr>
+                                      <p:to>
+                                        <p:strVal val="visible"/>
+                                      </p:to>
+                                    </p:set>
+                                    <p:animEffect transition="in" filter="fade">
+                                      <p:cBhvr>
+                                        <p:cTn id="7" dur="500"/>
+                                        <p:tgtEl>
+                                          <p:spTgt spid="4">
+                                            <p:txEl>
+                                              <p:pRg st="0" end="0"/>
+                                            </p:txEl>
+                                          </p:spTgt>
+                                        </p:tgtEl>
+                                      </p:cBhvr>
+                                    </p:animEffect>
+                                  </p:childTnLst>
+                                </p:cTn>
+                              </p:par>
+                            </p:childTnLst>
+                          </p:cTn>
+                        </p:par>
+                      </p:childTnLst>
+                    </p:cTn>
+                  </p:par>
+                  <p:par>
+                    <p:cTn id="8" fill="hold">
+                      <p:stCondLst>
+                        <p:cond delay="indefinite"/>
+                      </p:stCondLst>
+                      <p:childTnLst>
+                        <p:par>
+                          <p:cTn id="9" fill="hold">
+                            <p:stCondLst>
+                              <p:cond delay="0"/>
+                            </p:stCondLst>
+                            <p:childTnLst>
+                              <p:par>
+                                <p:cTn id="10" presetID="10" presetClass="entr" presetSubtype="0" fill="hold" nodeType="clickEffect">
+                                  <p:stCondLst>
+                                    <p:cond delay="0"/>
+                                  </p:stCondLst>
+                                  <p:childTnLst>
+                                    <p:set>
+                                      <p:cBhvr>
+                                        <p:cTn id="11" dur="1" fill="hold">
+                                          <p:stCondLst>
+                                            <p:cond delay="0"/>
+                                          </p:stCondLst>
+                                        </p:cTn>
+                                        <p:tgtEl>
+                                          <p:spTgt spid="4">
+                                            <p:txEl>
+                                              <p:pRg st="1" end="1"/>
+                                            </p:txEl>
+                                          </p:spTgt>
+                                        </p:tgtEl>
+                                        <p:attrNameLst>
+                                          <p:attrName>style.visibility</p:attrName>
+                                        </p:attrNameLst>
+                                      </p:cBhvr>
+                                      <p:to>
+                                        <p:strVal val="visible"/>
+                                      </p:to>
+                                    </p:set>
+                                    <p:animEffect transition="in" filter="fade">
+                                      <p:cBhvr>
+                                        <p:cTn id="12" dur="500"/>
+                                        <p:tgtEl>
+                                          <p:spTgt spid="4">
+                                            <p:txEl>
+                                              <p:pRg st="1" end="1"/>
+                                            </p:txEl>
+                                          </p:spTgt>
+                                        </p:tgtEl>
+                                      </p:cBhvr>
+                                    </p:animEffect>
+                                  </p:childTnLst>
+                                </p:cTn>
+                              </p:par>
+                            </p:childTnLst>
+                          </p:cTn>
+                        </p:par>
+                      </p:childTnLst>
+                    </p:cTn>
+                  </p:par>
+                  <p:par>
+                    <p:cTn id="13" fill="hold">
+                      <p:stCondLst>
+                        <p:cond delay="indefinite"/>
+                      </p:stCondLst>
+                      <p:childTnLst>
+                        <p:par>
+                          <p:cTn id="14" fill="hold">
+                            <p:stCondLst>
+                              <p:cond delay="0"/>
+                            </p:stCondLst>
+                            <p:childTnLst>
+                              <p:par>
+                                <p:cTn id="15" presetID="10" presetClass="entr" presetSubtype="0" fill="hold" nodeType="clickEffect">
+                                  <p:stCondLst>
+                                    <p:cond delay="0"/>
+                                  </p:stCondLst>
+                                  <p:childTnLst>
+                                    <p:set>
+                                      <p:cBhvr>
+                                        <p:cTn id="16" dur="1" fill="hold">
+                                          <p:stCondLst>
+                                            <p:cond delay="0"/>
+                                          </p:stCondLst>
+                                        </p:cTn>
+                                        <p:tgtEl>
+                                          <p:spTgt spid="4">
+                                            <p:txEl>
+                                              <p:pRg st="2" end="2"/>
+                                            </p:txEl>
+                                          </p:spTgt>
+                                        </p:tgtEl>
+                                        <p:attrNameLst>
+                                          <p:attrName>style.visibility</p:attrName>
+                                        </p:attrNameLst>
+                                      </p:cBhvr>
+                                      <p:to>
+                                        <p:strVal val="visible"/>
+                                      </p:to>
+                                    </p:set>
+                                    <p:animEffect transition="in" filter="fade">
+                                      <p:cBhvr>
+                                        <p:cTn id="17" dur="500"/>
+                                        <p:tgtEl>
+                                          <p:spTgt spid="4">
+                                            <p:txEl>
+                                              <p:pRg st="2" end="2"/>
+                                            </p:txEl>
+                                          </p:spTgt>
+                                        </p:tgtEl>
+                                      </p:cBhvr>
+                                    </p:animEffect>
+                                  </p:childTnLst>
+                                </p:cTn>
+                              </p:par>
+                            </p:childTnLst>
+                          </p:cTn>
+                        </p:par>
+                        <p:par>
+                          <p:cTn id="18" fill="hold">
+                            <p:stCondLst>
+                              <p:cond delay="500"/>
+                            </p:stCondLst>
+                            <p:childTnLst>
+                              <p:par>
+                                <p:cTn id="19" presetID="10" presetClass="entr" presetSubtype="0" fill="hold" nodeType="afterEffect">
+                                  <p:stCondLst>
+                                    <p:cond delay="0"/>
+                                  </p:stCondLst>
+                                  <p:childTnLst>
+                                    <p:set>
+                                      <p:cBhvr>
+                                        <p:cTn id="20" dur="1" fill="hold">
+                                          <p:stCondLst>
+                                            <p:cond delay="0"/>
+                                          </p:stCondLst>
+                                        </p:cTn>
+                                        <p:tgtEl>
+                                          <p:spTgt spid="5"/>
+                                        </p:tgtEl>
+                                        <p:attrNameLst>
+                                          <p:attrName>style.visibility</p:attrName>
+                                        </p:attrNameLst>
+                                      </p:cBhvr>
+                                      <p:to>
+                                        <p:strVal val="visible"/>
+                                      </p:to>
+                                    </p:set>
+                                    <p:animEffect transition="in" filter="fade">
+                                      <p:cBhvr>
+                                        <p:cTn id="21" dur="500"/>
+                                        <p:tgtEl>
+                                          <p:spTgt spid="5"/>
+                                        </p:tgtEl>
+                                      </p:cBhvr>
+                                    </p:animEffect>
+                                  </p:childTnLst>
+                                </p:cTn>
+                              </p:par>
+                            </p:childTnLst>
+                          </p:cTn>
+                        </p:par>
+                      </p:childTnLst>
+                    </p:cTn>
+                  </p:par>
+                  <p:par>
+                    <p:cTn id="22" fill="hold">
+                      <p:stCondLst>
+                        <p:cond delay="indefinite"/>
+                      </p:stCondLst>
+                      <p:childTnLst>
+                        <p:par>
+                          <p:cTn id="23" fill="hold">
+                            <p:stCondLst>
+                              <p:cond delay="0"/>
+                            </p:stCondLst>
+                            <p:childTnLst>
+                              <p:par>
+                                <p:cTn id="24" presetID="10" presetClass="entr" presetSubtype="0" fill="hold" nodeType="clickEffect">
+                                  <p:stCondLst>
+                                    <p:cond delay="0"/>
+                                  </p:stCondLst>
+                                  <p:childTnLst>
+                                    <p:set>
+                                      <p:cBhvr>
+                                        <p:cTn id="25" dur="1" fill="hold">
+                                          <p:stCondLst>
+                                            <p:cond delay="0"/>
+                                          </p:stCondLst>
+                                        </p:cTn>
+                                        <p:tgtEl>
+                                          <p:spTgt spid="4">
+                                            <p:txEl>
+                                              <p:pRg st="3" end="3"/>
+                                            </p:txEl>
+                                          </p:spTgt>
+                                        </p:tgtEl>
+                                        <p:attrNameLst>
+                                          <p:attrName>style.visibility</p:attrName>
+                                        </p:attrNameLst>
+                                      </p:cBhvr>
+                                      <p:to>
+                                        <p:strVal val="visible"/>
+                                      </p:to>
+                                    </p:set>
+                                    <p:animEffect transition="in" filter="fade">
+                                      <p:cBhvr>
+                                        <p:cTn id="26" dur="500"/>
+                                        <p:tgtEl>
+                                          <p:spTgt spid="4">
+                                            <p:txEl>
+                                              <p:pRg st="3" end="3"/>
+                                            </p:txEl>
+                                          </p:spTgt>
+                                        </p:tgtEl>
+                                      </p:cBhvr>
+                                    </p:animEffect>
+                                  </p:childTnLst>
+                                </p:cTn>
+                              </p:par>
+                            </p:childTnLst>
+                          </p:cTn>
+                        </p:par>
+                        <p:par>
+                          <p:cTn id="27" fill="hold">
+                            <p:stCondLst>
+                              <p:cond delay="500"/>
+                            </p:stCondLst>
+                            <p:childTnLst>
+                              <p:par>
+                                <p:cTn id="28" presetID="10" presetClass="entr" presetSubtype="0" fill="hold" nodeType="afterEffect">
+                                  <p:stCondLst>
+                                    <p:cond delay="0"/>
+                                  </p:stCondLst>
+                                  <p:childTnLst>
+                                    <p:set>
+                                      <p:cBhvr>
+                                        <p:cTn id="29" dur="1" fill="hold">
+                                          <p:stCondLst>
+                                            <p:cond delay="0"/>
+                                          </p:stCondLst>
+                                        </p:cTn>
+                                        <p:tgtEl>
+                                          <p:spTgt spid="8"/>
+                                        </p:tgtEl>
+                                        <p:attrNameLst>
+                                          <p:attrName>style.visibility</p:attrName>
+                                        </p:attrNameLst>
+                                      </p:cBhvr>
+                                      <p:to>
+                                        <p:strVal val="visible"/>
+                                      </p:to>
+                                    </p:set>
+                                    <p:animEffect transition="in" filter="fade">
+                                      <p:cBhvr>
+                                        <p:cTn id="30" dur="500"/>
+                                        <p:tgtEl>
+                                          <p:spTgt spid="8"/>
+                                        </p:tgtEl>
+                                      </p:cBhvr>
+                                    </p:animEffect>
+                                  </p:childTnLst>
+                                </p:cTn>
+                              </p:par>
+                            </p:childTnLst>
+                          </p:cTn>
+                        </p:par>
+                      </p:childTnLst>
+                    </p:cTn>
+                  </p:par>
+                  <p:par>
+                    <p:cTn id="31" fill="hold">
+                      <p:stCondLst>
+                        <p:cond delay="indefinite"/>
+                      </p:stCondLst>
+                      <p:childTnLst>
+                        <p:par>
+                          <p:cTn id="32" fill="hold">
+                            <p:stCondLst>
+                              <p:cond delay="0"/>
+                            </p:stCondLst>
+                            <p:childTnLst>
+                              <p:par>
+                                <p:cTn id="33" presetID="10" presetClass="entr" presetSubtype="0" fill="hold" nodeType="clickEffect">
+                                  <p:stCondLst>
+                                    <p:cond delay="0"/>
+                                  </p:stCondLst>
+                                  <p:childTnLst>
+                                    <p:set>
+                                      <p:cBhvr>
+                                        <p:cTn id="34" dur="1" fill="hold">
+                                          <p:stCondLst>
+                                            <p:cond delay="0"/>
+                                          </p:stCondLst>
+                                        </p:cTn>
+                                        <p:tgtEl>
+                                          <p:spTgt spid="4">
+                                            <p:txEl>
+                                              <p:pRg st="4" end="4"/>
+                                            </p:txEl>
+                                          </p:spTgt>
+                                        </p:tgtEl>
+                                        <p:attrNameLst>
+                                          <p:attrName>style.visibility</p:attrName>
+                                        </p:attrNameLst>
+                                      </p:cBhvr>
+                                      <p:to>
+                                        <p:strVal val="visible"/>
+                                      </p:to>
+                                    </p:set>
+                                    <p:animEffect transition="in" filter="fade">
+                                      <p:cBhvr>
+                                        <p:cTn id="35" dur="500"/>
+                                        <p:tgtEl>
+                                          <p:spTgt spid="4">
+                                            <p:txEl>
+                                              <p:pRg st="4" end="4"/>
+                                            </p:txEl>
+                                          </p:spTgt>
+                                        </p:tgtEl>
+                                      </p:cBhvr>
+                                    </p:animEffect>
+                                  </p:childTnLst>
+                                </p:cTn>
+                              </p:par>
+                            </p:childTnLst>
+                          </p:cTn>
+                        </p:par>
+                        <p:par>
+                          <p:cTn id="36" fill="hold">
+                            <p:stCondLst>
+                              <p:cond delay="500"/>
+                            </p:stCondLst>
+                            <p:childTnLst>
+                              <p:par>
+                                <p:cTn id="37" presetID="10" presetClass="entr" presetSubtype="0" fill="hold" nodeType="afterEffect">
+                                  <p:stCondLst>
+                                    <p:cond delay="0"/>
+                                  </p:stCondLst>
+                                  <p:childTnLst>
+                                    <p:set>
+                                      <p:cBhvr>
+                                        <p:cTn id="38" dur="1" fill="hold">
+                                          <p:stCondLst>
+                                            <p:cond delay="0"/>
+                                          </p:stCondLst>
+                                        </p:cTn>
+                                        <p:tgtEl>
+                                          <p:spTgt spid="9"/>
+                                        </p:tgtEl>
+                                        <p:attrNameLst>
+                                          <p:attrName>style.visibility</p:attrName>
+                                        </p:attrNameLst>
+                                      </p:cBhvr>
+                                      <p:to>
+                                        <p:strVal val="visible"/>
+                                      </p:to>
+                                    </p:set>
+                                    <p:animEffect transition="in" filter="fade">
+                                      <p:cBhvr>
+                                        <p:cTn id="39" dur="500"/>
+                                        <p:tgtEl>
+                                          <p:spTgt spid="9"/>
+                                        </p:tgtEl>
+                                      </p:cBhvr>
+                                    </p:animEffect>
+                                  </p:childTnLst>
+                                </p:cTn>
+                              </p:par>
+                            </p:childTnLst>
+                          </p:cTn>
+                        </p:par>
+                      </p:childTnLst>
+                    </p:cTn>
+                  </p:par>
+                </p:childTnLst>
+              </p:cTn>
+              <p:prevCondLst>
+                <p:cond evt="onPrev" delay="0">
+                  <p:tgtEl>
+                    <p:sldTgt/>
+                  </p:tgtEl>
+                </p:cond>
+              </p:prevCondLst>
+              <p:nextCondLst>
+                <p:cond evt="onNext" delay="0">
+                  <p:tgtEl>
+                    <p:sldTgt/>
+                  </p:tgtEl>
+                </p:cond>
+              </p:nextCondLst>
+            </p:seq>
+          </p:childTnLst>
+        </p:cTn>
+      </p:par>
+    </p:tnLst>
+  </p:timing>
 </p:sld>
 </file>
 
@@ -6816,6 +8017,305 @@
   <p:clrMapOvr>
     <a:masterClrMapping/>
   </p:clrMapOvr>
+  <p:timing>
+    <p:tnLst>
+      <p:par>
+        <p:cTn id="1" dur="indefinite" restart="never" nodeType="tmRoot">
+          <p:childTnLst>
+            <p:seq concurrent="1" nextAc="seek">
+              <p:cTn id="2" dur="indefinite" nodeType="mainSeq">
+                <p:childTnLst>
+                  <p:par>
+                    <p:cTn id="3" fill="hold">
+                      <p:stCondLst>
+                        <p:cond delay="indefinite"/>
+                      </p:stCondLst>
+                      <p:childTnLst>
+                        <p:par>
+                          <p:cTn id="4" fill="hold">
+                            <p:stCondLst>
+                              <p:cond delay="0"/>
+                            </p:stCondLst>
+                            <p:childTnLst>
+                              <p:par>
+                                <p:cTn id="5" presetID="10" presetClass="entr" presetSubtype="0" fill="hold" nodeType="clickEffect">
+                                  <p:stCondLst>
+                                    <p:cond delay="0"/>
+                                  </p:stCondLst>
+                                  <p:childTnLst>
+                                    <p:set>
+                                      <p:cBhvr>
+                                        <p:cTn id="6" dur="1" fill="hold">
+                                          <p:stCondLst>
+                                            <p:cond delay="0"/>
+                                          </p:stCondLst>
+                                        </p:cTn>
+                                        <p:tgtEl>
+                                          <p:spTgt spid="4">
+                                            <p:txEl>
+                                              <p:pRg st="4" end="4"/>
+                                            </p:txEl>
+                                          </p:spTgt>
+                                        </p:tgtEl>
+                                        <p:attrNameLst>
+                                          <p:attrName>style.visibility</p:attrName>
+                                        </p:attrNameLst>
+                                      </p:cBhvr>
+                                      <p:to>
+                                        <p:strVal val="visible"/>
+                                      </p:to>
+                                    </p:set>
+                                    <p:animEffect transition="in" filter="fade">
+                                      <p:cBhvr>
+                                        <p:cTn id="7" dur="500"/>
+                                        <p:tgtEl>
+                                          <p:spTgt spid="4">
+                                            <p:txEl>
+                                              <p:pRg st="4" end="4"/>
+                                            </p:txEl>
+                                          </p:spTgt>
+                                        </p:tgtEl>
+                                      </p:cBhvr>
+                                    </p:animEffect>
+                                  </p:childTnLst>
+                                </p:cTn>
+                              </p:par>
+                            </p:childTnLst>
+                          </p:cTn>
+                        </p:par>
+                      </p:childTnLst>
+                    </p:cTn>
+                  </p:par>
+                  <p:par>
+                    <p:cTn id="8" fill="hold">
+                      <p:stCondLst>
+                        <p:cond delay="indefinite"/>
+                      </p:stCondLst>
+                      <p:childTnLst>
+                        <p:par>
+                          <p:cTn id="9" fill="hold">
+                            <p:stCondLst>
+                              <p:cond delay="0"/>
+                            </p:stCondLst>
+                            <p:childTnLst>
+                              <p:par>
+                                <p:cTn id="10" presetID="10" presetClass="entr" presetSubtype="0" fill="hold" nodeType="clickEffect">
+                                  <p:stCondLst>
+                                    <p:cond delay="0"/>
+                                  </p:stCondLst>
+                                  <p:childTnLst>
+                                    <p:set>
+                                      <p:cBhvr>
+                                        <p:cTn id="11" dur="1" fill="hold">
+                                          <p:stCondLst>
+                                            <p:cond delay="0"/>
+                                          </p:stCondLst>
+                                        </p:cTn>
+                                        <p:tgtEl>
+                                          <p:spTgt spid="4">
+                                            <p:txEl>
+                                              <p:pRg st="5" end="5"/>
+                                            </p:txEl>
+                                          </p:spTgt>
+                                        </p:tgtEl>
+                                        <p:attrNameLst>
+                                          <p:attrName>style.visibility</p:attrName>
+                                        </p:attrNameLst>
+                                      </p:cBhvr>
+                                      <p:to>
+                                        <p:strVal val="visible"/>
+                                      </p:to>
+                                    </p:set>
+                                    <p:animEffect transition="in" filter="fade">
+                                      <p:cBhvr>
+                                        <p:cTn id="12" dur="500"/>
+                                        <p:tgtEl>
+                                          <p:spTgt spid="4">
+                                            <p:txEl>
+                                              <p:pRg st="5" end="5"/>
+                                            </p:txEl>
+                                          </p:spTgt>
+                                        </p:tgtEl>
+                                      </p:cBhvr>
+                                    </p:animEffect>
+                                  </p:childTnLst>
+                                </p:cTn>
+                              </p:par>
+                              <p:par>
+                                <p:cTn id="13" presetID="10" presetClass="entr" presetSubtype="0" fill="hold" nodeType="withEffect">
+                                  <p:stCondLst>
+                                    <p:cond delay="0"/>
+                                  </p:stCondLst>
+                                  <p:childTnLst>
+                                    <p:set>
+                                      <p:cBhvr>
+                                        <p:cTn id="14" dur="1" fill="hold">
+                                          <p:stCondLst>
+                                            <p:cond delay="0"/>
+                                          </p:stCondLst>
+                                        </p:cTn>
+                                        <p:tgtEl>
+                                          <p:spTgt spid="4">
+                                            <p:txEl>
+                                              <p:pRg st="6" end="6"/>
+                                            </p:txEl>
+                                          </p:spTgt>
+                                        </p:tgtEl>
+                                        <p:attrNameLst>
+                                          <p:attrName>style.visibility</p:attrName>
+                                        </p:attrNameLst>
+                                      </p:cBhvr>
+                                      <p:to>
+                                        <p:strVal val="visible"/>
+                                      </p:to>
+                                    </p:set>
+                                    <p:animEffect transition="in" filter="fade">
+                                      <p:cBhvr>
+                                        <p:cTn id="15" dur="500"/>
+                                        <p:tgtEl>
+                                          <p:spTgt spid="4">
+                                            <p:txEl>
+                                              <p:pRg st="6" end="6"/>
+                                            </p:txEl>
+                                          </p:spTgt>
+                                        </p:tgtEl>
+                                      </p:cBhvr>
+                                    </p:animEffect>
+                                  </p:childTnLst>
+                                </p:cTn>
+                              </p:par>
+                              <p:par>
+                                <p:cTn id="16" presetID="10" presetClass="entr" presetSubtype="0" fill="hold" nodeType="withEffect">
+                                  <p:stCondLst>
+                                    <p:cond delay="0"/>
+                                  </p:stCondLst>
+                                  <p:childTnLst>
+                                    <p:set>
+                                      <p:cBhvr>
+                                        <p:cTn id="17" dur="1" fill="hold">
+                                          <p:stCondLst>
+                                            <p:cond delay="0"/>
+                                          </p:stCondLst>
+                                        </p:cTn>
+                                        <p:tgtEl>
+                                          <p:spTgt spid="4">
+                                            <p:txEl>
+                                              <p:pRg st="7" end="7"/>
+                                            </p:txEl>
+                                          </p:spTgt>
+                                        </p:tgtEl>
+                                        <p:attrNameLst>
+                                          <p:attrName>style.visibility</p:attrName>
+                                        </p:attrNameLst>
+                                      </p:cBhvr>
+                                      <p:to>
+                                        <p:strVal val="visible"/>
+                                      </p:to>
+                                    </p:set>
+                                    <p:animEffect transition="in" filter="fade">
+                                      <p:cBhvr>
+                                        <p:cTn id="18" dur="500"/>
+                                        <p:tgtEl>
+                                          <p:spTgt spid="4">
+                                            <p:txEl>
+                                              <p:pRg st="7" end="7"/>
+                                            </p:txEl>
+                                          </p:spTgt>
+                                        </p:tgtEl>
+                                      </p:cBhvr>
+                                    </p:animEffect>
+                                  </p:childTnLst>
+                                </p:cTn>
+                              </p:par>
+                            </p:childTnLst>
+                          </p:cTn>
+                        </p:par>
+                      </p:childTnLst>
+                    </p:cTn>
+                  </p:par>
+                  <p:par>
+                    <p:cTn id="19" fill="hold">
+                      <p:stCondLst>
+                        <p:cond delay="indefinite"/>
+                      </p:stCondLst>
+                      <p:childTnLst>
+                        <p:par>
+                          <p:cTn id="20" fill="hold">
+                            <p:stCondLst>
+                              <p:cond delay="0"/>
+                            </p:stCondLst>
+                            <p:childTnLst>
+                              <p:par>
+                                <p:cTn id="21" presetID="10" presetClass="entr" presetSubtype="0" fill="hold" nodeType="clickEffect">
+                                  <p:stCondLst>
+                                    <p:cond delay="0"/>
+                                  </p:stCondLst>
+                                  <p:childTnLst>
+                                    <p:set>
+                                      <p:cBhvr>
+                                        <p:cTn id="22" dur="1" fill="hold">
+                                          <p:stCondLst>
+                                            <p:cond delay="0"/>
+                                          </p:stCondLst>
+                                        </p:cTn>
+                                        <p:tgtEl>
+                                          <p:spTgt spid="4">
+                                            <p:txEl>
+                                              <p:pRg st="8" end="8"/>
+                                            </p:txEl>
+                                          </p:spTgt>
+                                        </p:tgtEl>
+                                        <p:attrNameLst>
+                                          <p:attrName>style.visibility</p:attrName>
+                                        </p:attrNameLst>
+                                      </p:cBhvr>
+                                      <p:to>
+                                        <p:strVal val="visible"/>
+                                      </p:to>
+                                    </p:set>
+                                    <p:animEffect transition="in" filter="fade">
+                                      <p:cBhvr>
+                                        <p:cTn id="23" dur="500"/>
+                                        <p:tgtEl>
+                                          <p:spTgt spid="4">
+                                            <p:txEl>
+                                              <p:pRg st="8" end="8"/>
+                                            </p:txEl>
+                                          </p:spTgt>
+                                        </p:tgtEl>
+                                      </p:cBhvr>
+                                    </p:animEffect>
+                                  </p:childTnLst>
+                                </p:cTn>
+                              </p:par>
+                            </p:childTnLst>
+                          </p:cTn>
+                        </p:par>
+                      </p:childTnLst>
+                    </p:cTn>
+                  </p:par>
+                </p:childTnLst>
+              </p:cTn>
+              <p:prevCondLst>
+                <p:cond evt="onPrev" delay="0">
+                  <p:tgtEl>
+                    <p:sldTgt/>
+                  </p:tgtEl>
+                </p:cond>
+              </p:prevCondLst>
+              <p:nextCondLst>
+                <p:cond evt="onNext" delay="0">
+                  <p:tgtEl>
+                    <p:sldTgt/>
+                  </p:tgtEl>
+                </p:cond>
+              </p:nextCondLst>
+            </p:seq>
+          </p:childTnLst>
+        </p:cTn>
+      </p:par>
+    </p:tnLst>
+  </p:timing>
 </p:sld>
 </file>
 
@@ -6882,8 +8382,8 @@
           </a:p>
         </p:txBody>
       </p:sp>
-      <mc:AlternateContent xmlns:mc="http://schemas.openxmlformats.org/markup-compatibility/2006" xmlns:a14="http://schemas.microsoft.com/office/drawing/2010/main">
-        <mc:Choice Requires="a14">
+      <mc:AlternateContent xmlns:mc="http://schemas.openxmlformats.org/markup-compatibility/2006">
+        <mc:Choice xmlns:a14="http://schemas.microsoft.com/office/drawing/2010/main" Requires="a14">
           <p:sp>
             <p:nvSpPr>
               <p:cNvPr id="4" name="Content Placeholder 3"/>
@@ -6999,6 +8499,12 @@
                         </m:r>
                       </m:num>
                       <m:den>
+                        <m:r>
+                          <a:rPr lang="en-US" b="0" i="1" smtClean="0">
+                            <a:latin typeface="Cambria Math" panose="02040503050406030204" pitchFamily="18" charset="0"/>
+                          </a:rPr>
+                          <m:t>(2</m:t>
+                        </m:r>
                         <m:sSub>
                           <m:sSubPr>
                             <m:ctrlPr>
@@ -7028,6 +8534,12 @@
                           <a:rPr lang="en-US" b="0" i="1" smtClean="0">
                             <a:latin typeface="Cambria Math" panose="02040503050406030204" pitchFamily="18" charset="0"/>
                           </a:rPr>
+                          <m:t>)</m:t>
+                        </m:r>
+                        <m:r>
+                          <a:rPr lang="en-US" b="0" i="1" smtClean="0">
+                            <a:latin typeface="Cambria Math" panose="02040503050406030204" pitchFamily="18" charset="0"/>
+                          </a:rPr>
                           <m:t>=</m:t>
                         </m:r>
                       </m:den>
@@ -7036,7 +8548,19 @@
                       <a:rPr lang="en-US" b="0" i="1" smtClean="0">
                         <a:latin typeface="Cambria Math" panose="02040503050406030204" pitchFamily="18" charset="0"/>
                       </a:rPr>
-                      <m:t>0.1 </m:t>
+                      <m:t>0.</m:t>
+                    </m:r>
+                    <m:r>
+                      <a:rPr lang="en-US" b="0" i="1" smtClean="0">
+                        <a:latin typeface="Cambria Math" panose="02040503050406030204" pitchFamily="18" charset="0"/>
+                      </a:rPr>
+                      <m:t>05</m:t>
+                    </m:r>
+                    <m:r>
+                      <a:rPr lang="en-US" b="0" i="1" smtClean="0">
+                        <a:latin typeface="Cambria Math" panose="02040503050406030204" pitchFamily="18" charset="0"/>
+                      </a:rPr>
+                      <m:t> </m:t>
                     </m:r>
                   </m:oMath>
                 </a14:m>
@@ -7049,7 +8573,7 @@
                 <a:pPr lvl="1"/>
                 <a:r>
                   <a:rPr lang="en-US" dirty="0"/>
-                  <a:t>Four transmissions takes &gt; 400 </a:t>
+                  <a:t>Four transmissions takes &gt; 200 </a:t>
                 </a:r>
                 <a:r>
                   <a:rPr lang="en-US" dirty="0" err="1"/>
@@ -7305,7 +8829,7 @@
             </p:txBody>
           </p:sp>
         </mc:Choice>
-        <mc:Fallback xmlns="">
+        <mc:Fallback>
           <p:sp>
             <p:nvSpPr>
               <p:cNvPr id="4" name="Content Placeholder 3"/>
@@ -7349,6 +8873,382 @@
   <p:clrMapOvr>
     <a:masterClrMapping/>
   </p:clrMapOvr>
+  <p:timing>
+    <p:tnLst>
+      <p:par>
+        <p:cTn id="1" dur="indefinite" restart="never" nodeType="tmRoot">
+          <p:childTnLst>
+            <p:seq concurrent="1" nextAc="seek">
+              <p:cTn id="2" dur="indefinite" nodeType="mainSeq">
+                <p:childTnLst>
+                  <p:par>
+                    <p:cTn id="3" fill="hold">
+                      <p:stCondLst>
+                        <p:cond delay="indefinite"/>
+                      </p:stCondLst>
+                      <p:childTnLst>
+                        <p:par>
+                          <p:cTn id="4" fill="hold">
+                            <p:stCondLst>
+                              <p:cond delay="0"/>
+                            </p:stCondLst>
+                            <p:childTnLst>
+                              <p:par>
+                                <p:cTn id="5" presetID="1" presetClass="entr" presetSubtype="0" fill="hold" nodeType="clickEffect">
+                                  <p:stCondLst>
+                                    <p:cond delay="0"/>
+                                  </p:stCondLst>
+                                  <p:childTnLst>
+                                    <p:set>
+                                      <p:cBhvr>
+                                        <p:cTn id="6" dur="1" fill="hold">
+                                          <p:stCondLst>
+                                            <p:cond delay="0"/>
+                                          </p:stCondLst>
+                                        </p:cTn>
+                                        <p:tgtEl>
+                                          <p:spTgt spid="4">
+                                            <p:txEl>
+                                              <p:pRg st="0" end="0"/>
+                                            </p:txEl>
+                                          </p:spTgt>
+                                        </p:tgtEl>
+                                        <p:attrNameLst>
+                                          <p:attrName>style.visibility</p:attrName>
+                                        </p:attrNameLst>
+                                      </p:cBhvr>
+                                      <p:to>
+                                        <p:strVal val="visible"/>
+                                      </p:to>
+                                    </p:set>
+                                  </p:childTnLst>
+                                </p:cTn>
+                              </p:par>
+                              <p:par>
+                                <p:cTn id="7" presetID="1" presetClass="entr" presetSubtype="0" fill="hold" nodeType="withEffect">
+                                  <p:stCondLst>
+                                    <p:cond delay="0"/>
+                                  </p:stCondLst>
+                                  <p:childTnLst>
+                                    <p:set>
+                                      <p:cBhvr>
+                                        <p:cTn id="8" dur="1" fill="hold">
+                                          <p:stCondLst>
+                                            <p:cond delay="0"/>
+                                          </p:stCondLst>
+                                        </p:cTn>
+                                        <p:tgtEl>
+                                          <p:spTgt spid="4">
+                                            <p:txEl>
+                                              <p:pRg st="1" end="1"/>
+                                            </p:txEl>
+                                          </p:spTgt>
+                                        </p:tgtEl>
+                                        <p:attrNameLst>
+                                          <p:attrName>style.visibility</p:attrName>
+                                        </p:attrNameLst>
+                                      </p:cBhvr>
+                                      <p:to>
+                                        <p:strVal val="visible"/>
+                                      </p:to>
+                                    </p:set>
+                                  </p:childTnLst>
+                                </p:cTn>
+                              </p:par>
+                              <p:par>
+                                <p:cTn id="9" presetID="1" presetClass="entr" presetSubtype="0" fill="hold" nodeType="withEffect">
+                                  <p:stCondLst>
+                                    <p:cond delay="0"/>
+                                  </p:stCondLst>
+                                  <p:childTnLst>
+                                    <p:set>
+                                      <p:cBhvr>
+                                        <p:cTn id="10" dur="1" fill="hold">
+                                          <p:stCondLst>
+                                            <p:cond delay="0"/>
+                                          </p:stCondLst>
+                                        </p:cTn>
+                                        <p:tgtEl>
+                                          <p:spTgt spid="4">
+                                            <p:txEl>
+                                              <p:pRg st="2" end="2"/>
+                                            </p:txEl>
+                                          </p:spTgt>
+                                        </p:tgtEl>
+                                        <p:attrNameLst>
+                                          <p:attrName>style.visibility</p:attrName>
+                                        </p:attrNameLst>
+                                      </p:cBhvr>
+                                      <p:to>
+                                        <p:strVal val="visible"/>
+                                      </p:to>
+                                    </p:set>
+                                  </p:childTnLst>
+                                </p:cTn>
+                              </p:par>
+                              <p:par>
+                                <p:cTn id="11" presetID="1" presetClass="entr" presetSubtype="0" fill="hold" nodeType="withEffect">
+                                  <p:stCondLst>
+                                    <p:cond delay="0"/>
+                                  </p:stCondLst>
+                                  <p:childTnLst>
+                                    <p:set>
+                                      <p:cBhvr>
+                                        <p:cTn id="12" dur="1" fill="hold">
+                                          <p:stCondLst>
+                                            <p:cond delay="0"/>
+                                          </p:stCondLst>
+                                        </p:cTn>
+                                        <p:tgtEl>
+                                          <p:spTgt spid="4">
+                                            <p:txEl>
+                                              <p:pRg st="3" end="3"/>
+                                            </p:txEl>
+                                          </p:spTgt>
+                                        </p:tgtEl>
+                                        <p:attrNameLst>
+                                          <p:attrName>style.visibility</p:attrName>
+                                        </p:attrNameLst>
+                                      </p:cBhvr>
+                                      <p:to>
+                                        <p:strVal val="visible"/>
+                                      </p:to>
+                                    </p:set>
+                                  </p:childTnLst>
+                                </p:cTn>
+                              </p:par>
+                              <p:par>
+                                <p:cTn id="13" presetID="1" presetClass="entr" presetSubtype="0" fill="hold" nodeType="withEffect">
+                                  <p:stCondLst>
+                                    <p:cond delay="0"/>
+                                  </p:stCondLst>
+                                  <p:childTnLst>
+                                    <p:set>
+                                      <p:cBhvr>
+                                        <p:cTn id="14" dur="1" fill="hold">
+                                          <p:stCondLst>
+                                            <p:cond delay="0"/>
+                                          </p:stCondLst>
+                                        </p:cTn>
+                                        <p:tgtEl>
+                                          <p:spTgt spid="4">
+                                            <p:txEl>
+                                              <p:pRg st="4" end="4"/>
+                                            </p:txEl>
+                                          </p:spTgt>
+                                        </p:tgtEl>
+                                        <p:attrNameLst>
+                                          <p:attrName>style.visibility</p:attrName>
+                                        </p:attrNameLst>
+                                      </p:cBhvr>
+                                      <p:to>
+                                        <p:strVal val="visible"/>
+                                      </p:to>
+                                    </p:set>
+                                  </p:childTnLst>
+                                </p:cTn>
+                              </p:par>
+                            </p:childTnLst>
+                          </p:cTn>
+                        </p:par>
+                      </p:childTnLst>
+                    </p:cTn>
+                  </p:par>
+                  <p:par>
+                    <p:cTn id="15" fill="hold">
+                      <p:stCondLst>
+                        <p:cond delay="indefinite"/>
+                      </p:stCondLst>
+                      <p:childTnLst>
+                        <p:par>
+                          <p:cTn id="16" fill="hold">
+                            <p:stCondLst>
+                              <p:cond delay="0"/>
+                            </p:stCondLst>
+                            <p:childTnLst>
+                              <p:par>
+                                <p:cTn id="17" presetID="1" presetClass="entr" presetSubtype="0" fill="hold" nodeType="clickEffect">
+                                  <p:stCondLst>
+                                    <p:cond delay="0"/>
+                                  </p:stCondLst>
+                                  <p:childTnLst>
+                                    <p:set>
+                                      <p:cBhvr>
+                                        <p:cTn id="18" dur="1" fill="hold">
+                                          <p:stCondLst>
+                                            <p:cond delay="0"/>
+                                          </p:stCondLst>
+                                        </p:cTn>
+                                        <p:tgtEl>
+                                          <p:spTgt spid="4">
+                                            <p:txEl>
+                                              <p:pRg st="6" end="6"/>
+                                            </p:txEl>
+                                          </p:spTgt>
+                                        </p:tgtEl>
+                                        <p:attrNameLst>
+                                          <p:attrName>style.visibility</p:attrName>
+                                        </p:attrNameLst>
+                                      </p:cBhvr>
+                                      <p:to>
+                                        <p:strVal val="visible"/>
+                                      </p:to>
+                                    </p:set>
+                                  </p:childTnLst>
+                                </p:cTn>
+                              </p:par>
+                              <p:par>
+                                <p:cTn id="19" presetID="1" presetClass="entr" presetSubtype="0" fill="hold" nodeType="withEffect">
+                                  <p:stCondLst>
+                                    <p:cond delay="0"/>
+                                  </p:stCondLst>
+                                  <p:childTnLst>
+                                    <p:set>
+                                      <p:cBhvr>
+                                        <p:cTn id="20" dur="1" fill="hold">
+                                          <p:stCondLst>
+                                            <p:cond delay="0"/>
+                                          </p:stCondLst>
+                                        </p:cTn>
+                                        <p:tgtEl>
+                                          <p:spTgt spid="4">
+                                            <p:txEl>
+                                              <p:pRg st="7" end="7"/>
+                                            </p:txEl>
+                                          </p:spTgt>
+                                        </p:tgtEl>
+                                        <p:attrNameLst>
+                                          <p:attrName>style.visibility</p:attrName>
+                                        </p:attrNameLst>
+                                      </p:cBhvr>
+                                      <p:to>
+                                        <p:strVal val="visible"/>
+                                      </p:to>
+                                    </p:set>
+                                  </p:childTnLst>
+                                </p:cTn>
+                              </p:par>
+                              <p:par>
+                                <p:cTn id="21" presetID="1" presetClass="entr" presetSubtype="0" fill="hold" nodeType="withEffect">
+                                  <p:stCondLst>
+                                    <p:cond delay="0"/>
+                                  </p:stCondLst>
+                                  <p:childTnLst>
+                                    <p:set>
+                                      <p:cBhvr>
+                                        <p:cTn id="22" dur="1" fill="hold">
+                                          <p:stCondLst>
+                                            <p:cond delay="0"/>
+                                          </p:stCondLst>
+                                        </p:cTn>
+                                        <p:tgtEl>
+                                          <p:spTgt spid="4">
+                                            <p:txEl>
+                                              <p:pRg st="8" end="8"/>
+                                            </p:txEl>
+                                          </p:spTgt>
+                                        </p:tgtEl>
+                                        <p:attrNameLst>
+                                          <p:attrName>style.visibility</p:attrName>
+                                        </p:attrNameLst>
+                                      </p:cBhvr>
+                                      <p:to>
+                                        <p:strVal val="visible"/>
+                                      </p:to>
+                                    </p:set>
+                                  </p:childTnLst>
+                                </p:cTn>
+                              </p:par>
+                              <p:par>
+                                <p:cTn id="23" presetID="1" presetClass="entr" presetSubtype="0" fill="hold" nodeType="withEffect">
+                                  <p:stCondLst>
+                                    <p:cond delay="0"/>
+                                  </p:stCondLst>
+                                  <p:childTnLst>
+                                    <p:set>
+                                      <p:cBhvr>
+                                        <p:cTn id="24" dur="1" fill="hold">
+                                          <p:stCondLst>
+                                            <p:cond delay="0"/>
+                                          </p:stCondLst>
+                                        </p:cTn>
+                                        <p:tgtEl>
+                                          <p:spTgt spid="4">
+                                            <p:txEl>
+                                              <p:pRg st="9" end="9"/>
+                                            </p:txEl>
+                                          </p:spTgt>
+                                        </p:tgtEl>
+                                        <p:attrNameLst>
+                                          <p:attrName>style.visibility</p:attrName>
+                                        </p:attrNameLst>
+                                      </p:cBhvr>
+                                      <p:to>
+                                        <p:strVal val="visible"/>
+                                      </p:to>
+                                    </p:set>
+                                  </p:childTnLst>
+                                </p:cTn>
+                              </p:par>
+                              <p:par>
+                                <p:cTn id="25" presetID="1" presetClass="entr" presetSubtype="0" fill="hold" nodeType="withEffect">
+                                  <p:stCondLst>
+                                    <p:cond delay="0"/>
+                                  </p:stCondLst>
+                                  <p:childTnLst>
+                                    <p:set>
+                                      <p:cBhvr>
+                                        <p:cTn id="26" dur="1" fill="hold">
+                                          <p:stCondLst>
+                                            <p:cond delay="0"/>
+                                          </p:stCondLst>
+                                        </p:cTn>
+                                        <p:tgtEl>
+                                          <p:spTgt spid="4">
+                                            <p:txEl>
+                                              <p:pRg st="10" end="10"/>
+                                            </p:txEl>
+                                          </p:spTgt>
+                                        </p:tgtEl>
+                                        <p:attrNameLst>
+                                          <p:attrName>style.visibility</p:attrName>
+                                        </p:attrNameLst>
+                                      </p:cBhvr>
+                                      <p:to>
+                                        <p:strVal val="visible"/>
+                                      </p:to>
+                                    </p:set>
+                                  </p:childTnLst>
+                                </p:cTn>
+                              </p:par>
+                            </p:childTnLst>
+                          </p:cTn>
+                        </p:par>
+                      </p:childTnLst>
+                    </p:cTn>
+                  </p:par>
+                </p:childTnLst>
+              </p:cTn>
+              <p:prevCondLst>
+                <p:cond evt="onPrev" delay="0">
+                  <p:tgtEl>
+                    <p:sldTgt/>
+                  </p:tgtEl>
+                </p:cond>
+              </p:prevCondLst>
+              <p:nextCondLst>
+                <p:cond evt="onNext" delay="0">
+                  <p:tgtEl>
+                    <p:sldTgt/>
+                  </p:tgtEl>
+                </p:cond>
+              </p:nextCondLst>
+            </p:seq>
+          </p:childTnLst>
+        </p:cTn>
+      </p:par>
+    </p:tnLst>
+  </p:timing>
 </p:sld>
 </file>
 
@@ -8638,6 +10538,240 @@
   <p:clrMapOvr>
     <a:masterClrMapping/>
   </p:clrMapOvr>
+  <p:timing>
+    <p:tnLst>
+      <p:par>
+        <p:cTn id="1" dur="indefinite" restart="never" nodeType="tmRoot">
+          <p:childTnLst>
+            <p:seq concurrent="1" nextAc="seek">
+              <p:cTn id="2" dur="indefinite" nodeType="mainSeq">
+                <p:childTnLst>
+                  <p:par>
+                    <p:cTn id="3" fill="hold">
+                      <p:stCondLst>
+                        <p:cond delay="indefinite"/>
+                      </p:stCondLst>
+                      <p:childTnLst>
+                        <p:par>
+                          <p:cTn id="4" fill="hold">
+                            <p:stCondLst>
+                              <p:cond delay="0"/>
+                            </p:stCondLst>
+                            <p:childTnLst>
+                              <p:par>
+                                <p:cTn id="5" presetID="1" presetClass="entr" presetSubtype="0" fill="hold" nodeType="clickEffect">
+                                  <p:stCondLst>
+                                    <p:cond delay="0"/>
+                                  </p:stCondLst>
+                                  <p:childTnLst>
+                                    <p:set>
+                                      <p:cBhvr>
+                                        <p:cTn id="6" dur="1" fill="hold">
+                                          <p:stCondLst>
+                                            <p:cond delay="0"/>
+                                          </p:stCondLst>
+                                        </p:cTn>
+                                        <p:tgtEl>
+                                          <p:spTgt spid="29699">
+                                            <p:txEl>
+                                              <p:pRg st="1" end="1"/>
+                                            </p:txEl>
+                                          </p:spTgt>
+                                        </p:tgtEl>
+                                        <p:attrNameLst>
+                                          <p:attrName>style.visibility</p:attrName>
+                                        </p:attrNameLst>
+                                      </p:cBhvr>
+                                      <p:to>
+                                        <p:strVal val="visible"/>
+                                      </p:to>
+                                    </p:set>
+                                  </p:childTnLst>
+                                </p:cTn>
+                              </p:par>
+                              <p:par>
+                                <p:cTn id="7" presetID="1" presetClass="entr" presetSubtype="0" fill="hold" nodeType="withEffect">
+                                  <p:stCondLst>
+                                    <p:cond delay="0"/>
+                                  </p:stCondLst>
+                                  <p:childTnLst>
+                                    <p:set>
+                                      <p:cBhvr>
+                                        <p:cTn id="8" dur="1" fill="hold">
+                                          <p:stCondLst>
+                                            <p:cond delay="0"/>
+                                          </p:stCondLst>
+                                        </p:cTn>
+                                        <p:tgtEl>
+                                          <p:spTgt spid="29699">
+                                            <p:txEl>
+                                              <p:pRg st="2" end="2"/>
+                                            </p:txEl>
+                                          </p:spTgt>
+                                        </p:tgtEl>
+                                        <p:attrNameLst>
+                                          <p:attrName>style.visibility</p:attrName>
+                                        </p:attrNameLst>
+                                      </p:cBhvr>
+                                      <p:to>
+                                        <p:strVal val="visible"/>
+                                      </p:to>
+                                    </p:set>
+                                  </p:childTnLst>
+                                </p:cTn>
+                              </p:par>
+                              <p:par>
+                                <p:cTn id="9" presetID="1" presetClass="entr" presetSubtype="0" fill="hold" nodeType="withEffect">
+                                  <p:stCondLst>
+                                    <p:cond delay="0"/>
+                                  </p:stCondLst>
+                                  <p:childTnLst>
+                                    <p:set>
+                                      <p:cBhvr>
+                                        <p:cTn id="10" dur="1" fill="hold">
+                                          <p:stCondLst>
+                                            <p:cond delay="0"/>
+                                          </p:stCondLst>
+                                        </p:cTn>
+                                        <p:tgtEl>
+                                          <p:spTgt spid="29699">
+                                            <p:txEl>
+                                              <p:pRg st="3" end="3"/>
+                                            </p:txEl>
+                                          </p:spTgt>
+                                        </p:tgtEl>
+                                        <p:attrNameLst>
+                                          <p:attrName>style.visibility</p:attrName>
+                                        </p:attrNameLst>
+                                      </p:cBhvr>
+                                      <p:to>
+                                        <p:strVal val="visible"/>
+                                      </p:to>
+                                    </p:set>
+                                  </p:childTnLst>
+                                </p:cTn>
+                              </p:par>
+                              <p:par>
+                                <p:cTn id="11" presetID="1" presetClass="entr" presetSubtype="0" fill="hold" nodeType="withEffect">
+                                  <p:stCondLst>
+                                    <p:cond delay="0"/>
+                                  </p:stCondLst>
+                                  <p:childTnLst>
+                                    <p:set>
+                                      <p:cBhvr>
+                                        <p:cTn id="12" dur="1" fill="hold">
+                                          <p:stCondLst>
+                                            <p:cond delay="0"/>
+                                          </p:stCondLst>
+                                        </p:cTn>
+                                        <p:tgtEl>
+                                          <p:spTgt spid="29699">
+                                            <p:txEl>
+                                              <p:pRg st="4" end="4"/>
+                                            </p:txEl>
+                                          </p:spTgt>
+                                        </p:tgtEl>
+                                        <p:attrNameLst>
+                                          <p:attrName>style.visibility</p:attrName>
+                                        </p:attrNameLst>
+                                      </p:cBhvr>
+                                      <p:to>
+                                        <p:strVal val="visible"/>
+                                      </p:to>
+                                    </p:set>
+                                  </p:childTnLst>
+                                </p:cTn>
+                              </p:par>
+                              <p:par>
+                                <p:cTn id="13" presetID="1" presetClass="entr" presetSubtype="0" fill="hold" nodeType="withEffect">
+                                  <p:stCondLst>
+                                    <p:cond delay="0"/>
+                                  </p:stCondLst>
+                                  <p:childTnLst>
+                                    <p:set>
+                                      <p:cBhvr>
+                                        <p:cTn id="14" dur="1" fill="hold">
+                                          <p:stCondLst>
+                                            <p:cond delay="0"/>
+                                          </p:stCondLst>
+                                        </p:cTn>
+                                        <p:tgtEl>
+                                          <p:spTgt spid="29699">
+                                            <p:txEl>
+                                              <p:pRg st="5" end="5"/>
+                                            </p:txEl>
+                                          </p:spTgt>
+                                        </p:tgtEl>
+                                        <p:attrNameLst>
+                                          <p:attrName>style.visibility</p:attrName>
+                                        </p:attrNameLst>
+                                      </p:cBhvr>
+                                      <p:to>
+                                        <p:strVal val="visible"/>
+                                      </p:to>
+                                    </p:set>
+                                  </p:childTnLst>
+                                </p:cTn>
+                              </p:par>
+                              <p:par>
+                                <p:cTn id="15" presetID="1" presetClass="entr" presetSubtype="0" fill="hold" nodeType="withEffect">
+                                  <p:stCondLst>
+                                    <p:cond delay="0"/>
+                                  </p:stCondLst>
+                                  <p:childTnLst>
+                                    <p:set>
+                                      <p:cBhvr>
+                                        <p:cTn id="16" dur="1" fill="hold">
+                                          <p:stCondLst>
+                                            <p:cond delay="0"/>
+                                          </p:stCondLst>
+                                        </p:cTn>
+                                        <p:tgtEl>
+                                          <p:spTgt spid="29699">
+                                            <p:txEl>
+                                              <p:pRg st="6" end="6"/>
+                                            </p:txEl>
+                                          </p:spTgt>
+                                        </p:tgtEl>
+                                        <p:attrNameLst>
+                                          <p:attrName>style.visibility</p:attrName>
+                                        </p:attrNameLst>
+                                      </p:cBhvr>
+                                      <p:to>
+                                        <p:strVal val="visible"/>
+                                      </p:to>
+                                    </p:set>
+                                  </p:childTnLst>
+                                </p:cTn>
+                              </p:par>
+                            </p:childTnLst>
+                          </p:cTn>
+                        </p:par>
+                      </p:childTnLst>
+                    </p:cTn>
+                  </p:par>
+                </p:childTnLst>
+              </p:cTn>
+              <p:prevCondLst>
+                <p:cond evt="onPrev" delay="0">
+                  <p:tgtEl>
+                    <p:sldTgt/>
+                  </p:tgtEl>
+                </p:cond>
+              </p:prevCondLst>
+              <p:nextCondLst>
+                <p:cond evt="onNext" delay="0">
+                  <p:tgtEl>
+                    <p:sldTgt/>
+                  </p:tgtEl>
+                </p:cond>
+              </p:nextCondLst>
+            </p:seq>
+          </p:childTnLst>
+        </p:cTn>
+      </p:par>
+    </p:tnLst>
+  </p:timing>
 </p:sld>
 </file>
 
@@ -8720,7 +10854,18 @@
           <a:p>
             <a:r>
               <a:rPr lang="en-US" dirty="0"/>
-              <a:t>ACK sent within Short Interframe Space</a:t>
+              <a:t>ACK sent within </a:t>
+            </a:r>
+            <a:r>
+              <a:rPr lang="en-US" dirty="0">
+                <a:solidFill>
+                  <a:schemeClr val="accent1">
+                    <a:lumMod val="60000"/>
+                    <a:lumOff val="40000"/>
+                  </a:schemeClr>
+                </a:solidFill>
+              </a:rPr>
+              <a:t>Short Interframe Space</a:t>
             </a:r>
           </a:p>
           <a:p>
@@ -8839,58 +10984,6 @@
       </p:sp>
       <p:sp>
         <p:nvSpPr>
-          <p:cNvPr id="6" name="Rectangle 5">
-            <a:extLst>
-              <a:ext uri="{FF2B5EF4-FFF2-40B4-BE49-F238E27FC236}">
-                <a16:creationId xmlns:a16="http://schemas.microsoft.com/office/drawing/2014/main" id="{042F25E5-6B99-4D37-BF54-B180F5B6E0FD}"/>
-              </a:ext>
-            </a:extLst>
-          </p:cNvPr>
-          <p:cNvSpPr/>
-          <p:nvPr/>
-        </p:nvSpPr>
-        <p:spPr>
-          <a:xfrm>
-            <a:off x="8161074" y="2762228"/>
-            <a:ext cx="2080414" cy="338466"/>
-          </a:xfrm>
-          <a:prstGeom prst="rect">
-            <a:avLst/>
-          </a:prstGeom>
-          <a:solidFill>
-            <a:schemeClr val="accent1">
-              <a:lumMod val="20000"/>
-              <a:lumOff val="80000"/>
-            </a:schemeClr>
-          </a:solidFill>
-        </p:spPr>
-        <p:style>
-          <a:lnRef idx="2">
-            <a:schemeClr val="accent1">
-              <a:shade val="50000"/>
-            </a:schemeClr>
-          </a:lnRef>
-          <a:fillRef idx="1">
-            <a:schemeClr val="accent1"/>
-          </a:fillRef>
-          <a:effectRef idx="0">
-            <a:schemeClr val="accent1"/>
-          </a:effectRef>
-          <a:fontRef idx="minor">
-            <a:schemeClr val="lt1"/>
-          </a:fontRef>
-        </p:style>
-        <p:txBody>
-          <a:bodyPr rtlCol="0" anchor="ctr"/>
-          <a:lstStyle/>
-          <a:p>
-            <a:pPr algn="ctr"/>
-            <a:endParaRPr lang="en-US"/>
-          </a:p>
-        </p:txBody>
-      </p:sp>
-      <p:sp>
-        <p:nvSpPr>
           <p:cNvPr id="7" name="TextBox 6">
             <a:extLst>
               <a:ext uri="{FF2B5EF4-FFF2-40B4-BE49-F238E27FC236}">
@@ -8920,48 +11013,6 @@
             <a:r>
               <a:rPr lang="en-US" dirty="0"/>
               <a:t>RX packet</a:t>
-            </a:r>
-          </a:p>
-        </p:txBody>
-      </p:sp>
-      <p:sp>
-        <p:nvSpPr>
-          <p:cNvPr id="8" name="TextBox 7">
-            <a:extLst>
-              <a:ext uri="{FF2B5EF4-FFF2-40B4-BE49-F238E27FC236}">
-                <a16:creationId xmlns:a16="http://schemas.microsoft.com/office/drawing/2014/main" id="{73F00A23-E2DE-45C4-B146-1A6F4D692678}"/>
-              </a:ext>
-            </a:extLst>
-          </p:cNvPr>
-          <p:cNvSpPr txBox="1"/>
-          <p:nvPr/>
-        </p:nvSpPr>
-        <p:spPr>
-          <a:xfrm>
-            <a:off x="6877047" y="2631467"/>
-            <a:ext cx="1045158" cy="646331"/>
-          </a:xfrm>
-          <a:prstGeom prst="rect">
-            <a:avLst/>
-          </a:prstGeom>
-          <a:noFill/>
-        </p:spPr>
-        <p:txBody>
-          <a:bodyPr wrap="none" rtlCol="0">
-            <a:spAutoFit/>
-          </a:bodyPr>
-          <a:lstStyle/>
-          <a:p>
-            <a:r>
-              <a:rPr lang="en-US" dirty="0"/>
-              <a:t>Conv </a:t>
-            </a:r>
-            <a:br>
-              <a:rPr lang="en-US" dirty="0"/>
-            </a:br>
-            <a:r>
-              <a:rPr lang="en-US" dirty="0"/>
-              <a:t>decoding</a:t>
             </a:r>
           </a:p>
         </p:txBody>
@@ -9020,91 +11071,206 @@
           </a:p>
         </p:txBody>
       </p:sp>
-      <p:cxnSp>
-        <p:nvCxnSpPr>
-          <p:cNvPr id="11" name="Straight Arrow Connector 10">
+      <p:grpSp>
+        <p:nvGrpSpPr>
+          <p:cNvPr id="12" name="Group 11">
             <a:extLst>
               <a:ext uri="{FF2B5EF4-FFF2-40B4-BE49-F238E27FC236}">
-                <a16:creationId xmlns:a16="http://schemas.microsoft.com/office/drawing/2014/main" id="{40BB272C-B467-4522-8A92-9A7A3EF9CE46}"/>
+                <a16:creationId xmlns:a16="http://schemas.microsoft.com/office/drawing/2014/main" id="{1A836F85-A874-47F4-9800-A6BAE3916451}"/>
               </a:ext>
             </a:extLst>
           </p:cNvPr>
-          <p:cNvCxnSpPr>
-            <a:stCxn id="6" idx="3"/>
-            <a:endCxn id="9" idx="1"/>
-          </p:cNvCxnSpPr>
+          <p:cNvGrpSpPr/>
           <p:nvPr/>
-        </p:nvCxnSpPr>
-        <p:spPr>
-          <a:xfrm flipV="1">
-            <a:off x="10241488" y="2371192"/>
-            <a:ext cx="190407" cy="560269"/>
+        </p:nvGrpSpPr>
+        <p:grpSpPr>
+          <a:xfrm>
+            <a:off x="6877047" y="2371192"/>
+            <a:ext cx="3554848" cy="906606"/>
+            <a:chOff x="6877047" y="2371192"/>
+            <a:chExt cx="3554848" cy="906606"/>
           </a:xfrm>
-          <a:prstGeom prst="straightConnector1">
-            <a:avLst/>
-          </a:prstGeom>
-          <a:ln>
-            <a:tailEnd type="triangle"/>
-          </a:ln>
-        </p:spPr>
-        <p:style>
-          <a:lnRef idx="1">
-            <a:schemeClr val="accent1"/>
-          </a:lnRef>
-          <a:fillRef idx="0">
-            <a:schemeClr val="accent1"/>
-          </a:fillRef>
-          <a:effectRef idx="0">
-            <a:schemeClr val="accent1"/>
-          </a:effectRef>
-          <a:fontRef idx="minor">
-            <a:schemeClr val="tx1"/>
-          </a:fontRef>
-        </p:style>
-      </p:cxnSp>
-      <p:cxnSp>
-        <p:nvCxnSpPr>
-          <p:cNvPr id="13" name="Straight Arrow Connector 12">
-            <a:extLst>
-              <a:ext uri="{FF2B5EF4-FFF2-40B4-BE49-F238E27FC236}">
-                <a16:creationId xmlns:a16="http://schemas.microsoft.com/office/drawing/2014/main" id="{32C9947F-4329-4C07-B901-2EDDA9D8D3F8}"/>
-              </a:ext>
-            </a:extLst>
-          </p:cNvPr>
-          <p:cNvCxnSpPr>
-            <a:cxnSpLocks/>
-            <a:stCxn id="5" idx="2"/>
-            <a:endCxn id="6" idx="0"/>
-          </p:cNvCxnSpPr>
-          <p:nvPr/>
-        </p:nvCxnSpPr>
-        <p:spPr>
-          <a:xfrm>
-            <a:off x="9018196" y="2540425"/>
-            <a:ext cx="183085" cy="221803"/>
-          </a:xfrm>
-          <a:prstGeom prst="straightConnector1">
-            <a:avLst/>
-          </a:prstGeom>
-          <a:ln>
-            <a:tailEnd type="triangle"/>
-          </a:ln>
-        </p:spPr>
-        <p:style>
-          <a:lnRef idx="1">
-            <a:schemeClr val="accent1"/>
-          </a:lnRef>
-          <a:fillRef idx="0">
-            <a:schemeClr val="accent1"/>
-          </a:fillRef>
-          <a:effectRef idx="0">
-            <a:schemeClr val="accent1"/>
-          </a:effectRef>
-          <a:fontRef idx="minor">
-            <a:schemeClr val="tx1"/>
-          </a:fontRef>
-        </p:style>
-      </p:cxnSp>
+        </p:grpSpPr>
+        <p:sp>
+          <p:nvSpPr>
+            <p:cNvPr id="8" name="TextBox 7">
+              <a:extLst>
+                <a:ext uri="{FF2B5EF4-FFF2-40B4-BE49-F238E27FC236}">
+                  <a16:creationId xmlns:a16="http://schemas.microsoft.com/office/drawing/2014/main" id="{73F00A23-E2DE-45C4-B146-1A6F4D692678}"/>
+                </a:ext>
+              </a:extLst>
+            </p:cNvPr>
+            <p:cNvSpPr txBox="1"/>
+            <p:nvPr/>
+          </p:nvSpPr>
+          <p:spPr>
+            <a:xfrm>
+              <a:off x="6877047" y="2631467"/>
+              <a:ext cx="1045158" cy="646331"/>
+            </a:xfrm>
+            <a:prstGeom prst="rect">
+              <a:avLst/>
+            </a:prstGeom>
+            <a:noFill/>
+          </p:spPr>
+          <p:txBody>
+            <a:bodyPr wrap="none" rtlCol="0">
+              <a:spAutoFit/>
+            </a:bodyPr>
+            <a:lstStyle/>
+            <a:p>
+              <a:r>
+                <a:rPr lang="en-US" dirty="0"/>
+                <a:t>Conv </a:t>
+              </a:r>
+              <a:br>
+                <a:rPr lang="en-US" dirty="0"/>
+              </a:br>
+              <a:r>
+                <a:rPr lang="en-US" dirty="0"/>
+                <a:t>decoding</a:t>
+              </a:r>
+            </a:p>
+          </p:txBody>
+        </p:sp>
+        <p:sp>
+          <p:nvSpPr>
+            <p:cNvPr id="6" name="Rectangle 5">
+              <a:extLst>
+                <a:ext uri="{FF2B5EF4-FFF2-40B4-BE49-F238E27FC236}">
+                  <a16:creationId xmlns:a16="http://schemas.microsoft.com/office/drawing/2014/main" id="{042F25E5-6B99-4D37-BF54-B180F5B6E0FD}"/>
+                </a:ext>
+              </a:extLst>
+            </p:cNvPr>
+            <p:cNvSpPr/>
+            <p:nvPr/>
+          </p:nvSpPr>
+          <p:spPr>
+            <a:xfrm>
+              <a:off x="8161074" y="2762228"/>
+              <a:ext cx="2080414" cy="338466"/>
+            </a:xfrm>
+            <a:prstGeom prst="rect">
+              <a:avLst/>
+            </a:prstGeom>
+            <a:solidFill>
+              <a:schemeClr val="accent1">
+                <a:lumMod val="20000"/>
+                <a:lumOff val="80000"/>
+              </a:schemeClr>
+            </a:solidFill>
+          </p:spPr>
+          <p:style>
+            <a:lnRef idx="2">
+              <a:schemeClr val="accent1">
+                <a:shade val="50000"/>
+              </a:schemeClr>
+            </a:lnRef>
+            <a:fillRef idx="1">
+              <a:schemeClr val="accent1"/>
+            </a:fillRef>
+            <a:effectRef idx="0">
+              <a:schemeClr val="accent1"/>
+            </a:effectRef>
+            <a:fontRef idx="minor">
+              <a:schemeClr val="lt1"/>
+            </a:fontRef>
+          </p:style>
+          <p:txBody>
+            <a:bodyPr rtlCol="0" anchor="ctr"/>
+            <a:lstStyle/>
+            <a:p>
+              <a:pPr algn="ctr"/>
+              <a:endParaRPr lang="en-US"/>
+            </a:p>
+          </p:txBody>
+        </p:sp>
+        <p:cxnSp>
+          <p:nvCxnSpPr>
+            <p:cNvPr id="11" name="Straight Arrow Connector 10">
+              <a:extLst>
+                <a:ext uri="{FF2B5EF4-FFF2-40B4-BE49-F238E27FC236}">
+                  <a16:creationId xmlns:a16="http://schemas.microsoft.com/office/drawing/2014/main" id="{40BB272C-B467-4522-8A92-9A7A3EF9CE46}"/>
+                </a:ext>
+              </a:extLst>
+            </p:cNvPr>
+            <p:cNvCxnSpPr>
+              <a:stCxn id="6" idx="3"/>
+              <a:endCxn id="9" idx="1"/>
+            </p:cNvCxnSpPr>
+            <p:nvPr/>
+          </p:nvCxnSpPr>
+          <p:spPr>
+            <a:xfrm flipV="1">
+              <a:off x="10241488" y="2371192"/>
+              <a:ext cx="190407" cy="560269"/>
+            </a:xfrm>
+            <a:prstGeom prst="straightConnector1">
+              <a:avLst/>
+            </a:prstGeom>
+            <a:ln>
+              <a:tailEnd type="triangle"/>
+            </a:ln>
+          </p:spPr>
+          <p:style>
+            <a:lnRef idx="1">
+              <a:schemeClr val="accent1"/>
+            </a:lnRef>
+            <a:fillRef idx="0">
+              <a:schemeClr val="accent1"/>
+            </a:fillRef>
+            <a:effectRef idx="0">
+              <a:schemeClr val="accent1"/>
+            </a:effectRef>
+            <a:fontRef idx="minor">
+              <a:schemeClr val="tx1"/>
+            </a:fontRef>
+          </p:style>
+        </p:cxnSp>
+        <p:cxnSp>
+          <p:nvCxnSpPr>
+            <p:cNvPr id="13" name="Straight Arrow Connector 12">
+              <a:extLst>
+                <a:ext uri="{FF2B5EF4-FFF2-40B4-BE49-F238E27FC236}">
+                  <a16:creationId xmlns:a16="http://schemas.microsoft.com/office/drawing/2014/main" id="{32C9947F-4329-4C07-B901-2EDDA9D8D3F8}"/>
+                </a:ext>
+              </a:extLst>
+            </p:cNvPr>
+            <p:cNvCxnSpPr>
+              <a:cxnSpLocks/>
+              <a:stCxn id="5" idx="2"/>
+              <a:endCxn id="6" idx="0"/>
+            </p:cNvCxnSpPr>
+            <p:nvPr/>
+          </p:nvCxnSpPr>
+          <p:spPr>
+            <a:xfrm>
+              <a:off x="9018196" y="2540425"/>
+              <a:ext cx="183085" cy="221803"/>
+            </a:xfrm>
+            <a:prstGeom prst="straightConnector1">
+              <a:avLst/>
+            </a:prstGeom>
+            <a:ln>
+              <a:tailEnd type="triangle"/>
+            </a:ln>
+          </p:spPr>
+          <p:style>
+            <a:lnRef idx="1">
+              <a:schemeClr val="accent1"/>
+            </a:lnRef>
+            <a:fillRef idx="0">
+              <a:schemeClr val="accent1"/>
+            </a:fillRef>
+            <a:effectRef idx="0">
+              <a:schemeClr val="accent1"/>
+            </a:effectRef>
+            <a:fontRef idx="minor">
+              <a:schemeClr val="tx1"/>
+            </a:fontRef>
+          </p:style>
+        </p:cxnSp>
+      </p:grpSp>
       <p:sp>
         <p:nvSpPr>
           <p:cNvPr id="15" name="TextBox 14">
@@ -9294,8 +11460,8 @@
           </a:fontRef>
         </p:style>
       </p:cxnSp>
-      <mc:AlternateContent xmlns:mc="http://schemas.openxmlformats.org/markup-compatibility/2006">
-        <mc:Choice xmlns:a14="http://schemas.microsoft.com/office/drawing/2010/main" Requires="a14">
+      <mc:AlternateContent xmlns:mc="http://schemas.openxmlformats.org/markup-compatibility/2006" xmlns:a14="http://schemas.microsoft.com/office/drawing/2010/main">
+        <mc:Choice Requires="a14">
           <p:sp>
             <p:nvSpPr>
               <p:cNvPr id="23" name="TextBox 22">
@@ -9342,7 +11508,7 @@
             </p:txBody>
           </p:sp>
         </mc:Choice>
-        <mc:Fallback>
+        <mc:Fallback xmlns="">
           <p:sp>
             <p:nvSpPr>
               <p:cNvPr id="23" name="TextBox 22">
@@ -9427,6 +11593,322 @@
   <p:clrMapOvr>
     <a:masterClrMapping/>
   </p:clrMapOvr>
+  <p:timing>
+    <p:tnLst>
+      <p:par>
+        <p:cTn id="1" dur="indefinite" restart="never" nodeType="tmRoot">
+          <p:childTnLst>
+            <p:seq concurrent="1" nextAc="seek">
+              <p:cTn id="2" dur="indefinite" nodeType="mainSeq">
+                <p:childTnLst>
+                  <p:par>
+                    <p:cTn id="3" fill="hold">
+                      <p:stCondLst>
+                        <p:cond delay="indefinite"/>
+                      </p:stCondLst>
+                      <p:childTnLst>
+                        <p:par>
+                          <p:cTn id="4" fill="hold">
+                            <p:stCondLst>
+                              <p:cond delay="0"/>
+                            </p:stCondLst>
+                            <p:childTnLst>
+                              <p:par>
+                                <p:cTn id="5" presetID="10" presetClass="entr" presetSubtype="0" fill="hold" nodeType="clickEffect">
+                                  <p:stCondLst>
+                                    <p:cond delay="0"/>
+                                  </p:stCondLst>
+                                  <p:childTnLst>
+                                    <p:set>
+                                      <p:cBhvr>
+                                        <p:cTn id="6" dur="1" fill="hold">
+                                          <p:stCondLst>
+                                            <p:cond delay="0"/>
+                                          </p:stCondLst>
+                                        </p:cTn>
+                                        <p:tgtEl>
+                                          <p:spTgt spid="3">
+                                            <p:txEl>
+                                              <p:pRg st="1" end="1"/>
+                                            </p:txEl>
+                                          </p:spTgt>
+                                        </p:tgtEl>
+                                        <p:attrNameLst>
+                                          <p:attrName>style.visibility</p:attrName>
+                                        </p:attrNameLst>
+                                      </p:cBhvr>
+                                      <p:to>
+                                        <p:strVal val="visible"/>
+                                      </p:to>
+                                    </p:set>
+                                    <p:animEffect transition="in" filter="fade">
+                                      <p:cBhvr>
+                                        <p:cTn id="7" dur="500"/>
+                                        <p:tgtEl>
+                                          <p:spTgt spid="3">
+                                            <p:txEl>
+                                              <p:pRg st="1" end="1"/>
+                                            </p:txEl>
+                                          </p:spTgt>
+                                        </p:tgtEl>
+                                      </p:cBhvr>
+                                    </p:animEffect>
+                                  </p:childTnLst>
+                                </p:cTn>
+                              </p:par>
+                              <p:par>
+                                <p:cTn id="8" presetID="10" presetClass="entr" presetSubtype="0" fill="hold" nodeType="withEffect">
+                                  <p:stCondLst>
+                                    <p:cond delay="0"/>
+                                  </p:stCondLst>
+                                  <p:childTnLst>
+                                    <p:set>
+                                      <p:cBhvr>
+                                        <p:cTn id="9" dur="1" fill="hold">
+                                          <p:stCondLst>
+                                            <p:cond delay="0"/>
+                                          </p:stCondLst>
+                                        </p:cTn>
+                                        <p:tgtEl>
+                                          <p:spTgt spid="3">
+                                            <p:txEl>
+                                              <p:pRg st="2" end="2"/>
+                                            </p:txEl>
+                                          </p:spTgt>
+                                        </p:tgtEl>
+                                        <p:attrNameLst>
+                                          <p:attrName>style.visibility</p:attrName>
+                                        </p:attrNameLst>
+                                      </p:cBhvr>
+                                      <p:to>
+                                        <p:strVal val="visible"/>
+                                      </p:to>
+                                    </p:set>
+                                    <p:animEffect transition="in" filter="fade">
+                                      <p:cBhvr>
+                                        <p:cTn id="10" dur="500"/>
+                                        <p:tgtEl>
+                                          <p:spTgt spid="3">
+                                            <p:txEl>
+                                              <p:pRg st="2" end="2"/>
+                                            </p:txEl>
+                                          </p:spTgt>
+                                        </p:tgtEl>
+                                      </p:cBhvr>
+                                    </p:animEffect>
+                                  </p:childTnLst>
+                                </p:cTn>
+                              </p:par>
+                              <p:par>
+                                <p:cTn id="11" presetID="10" presetClass="entr" presetSubtype="0" fill="hold" nodeType="withEffect">
+                                  <p:stCondLst>
+                                    <p:cond delay="0"/>
+                                  </p:stCondLst>
+                                  <p:childTnLst>
+                                    <p:set>
+                                      <p:cBhvr>
+                                        <p:cTn id="12" dur="1" fill="hold">
+                                          <p:stCondLst>
+                                            <p:cond delay="0"/>
+                                          </p:stCondLst>
+                                        </p:cTn>
+                                        <p:tgtEl>
+                                          <p:spTgt spid="3">
+                                            <p:txEl>
+                                              <p:pRg st="3" end="3"/>
+                                            </p:txEl>
+                                          </p:spTgt>
+                                        </p:tgtEl>
+                                        <p:attrNameLst>
+                                          <p:attrName>style.visibility</p:attrName>
+                                        </p:attrNameLst>
+                                      </p:cBhvr>
+                                      <p:to>
+                                        <p:strVal val="visible"/>
+                                      </p:to>
+                                    </p:set>
+                                    <p:animEffect transition="in" filter="fade">
+                                      <p:cBhvr>
+                                        <p:cTn id="13" dur="500"/>
+                                        <p:tgtEl>
+                                          <p:spTgt spid="3">
+                                            <p:txEl>
+                                              <p:pRg st="3" end="3"/>
+                                            </p:txEl>
+                                          </p:spTgt>
+                                        </p:tgtEl>
+                                      </p:cBhvr>
+                                    </p:animEffect>
+                                  </p:childTnLst>
+                                </p:cTn>
+                              </p:par>
+                            </p:childTnLst>
+                          </p:cTn>
+                        </p:par>
+                      </p:childTnLst>
+                    </p:cTn>
+                  </p:par>
+                  <p:par>
+                    <p:cTn id="14" fill="hold">
+                      <p:stCondLst>
+                        <p:cond delay="indefinite"/>
+                      </p:stCondLst>
+                      <p:childTnLst>
+                        <p:par>
+                          <p:cTn id="15" fill="hold">
+                            <p:stCondLst>
+                              <p:cond delay="0"/>
+                            </p:stCondLst>
+                            <p:childTnLst>
+                              <p:par>
+                                <p:cTn id="16" presetID="10" presetClass="entr" presetSubtype="0" fill="hold" nodeType="clickEffect">
+                                  <p:stCondLst>
+                                    <p:cond delay="0"/>
+                                  </p:stCondLst>
+                                  <p:childTnLst>
+                                    <p:set>
+                                      <p:cBhvr>
+                                        <p:cTn id="17" dur="1" fill="hold">
+                                          <p:stCondLst>
+                                            <p:cond delay="0"/>
+                                          </p:stCondLst>
+                                        </p:cTn>
+                                        <p:tgtEl>
+                                          <p:spTgt spid="3">
+                                            <p:txEl>
+                                              <p:pRg st="4" end="4"/>
+                                            </p:txEl>
+                                          </p:spTgt>
+                                        </p:tgtEl>
+                                        <p:attrNameLst>
+                                          <p:attrName>style.visibility</p:attrName>
+                                        </p:attrNameLst>
+                                      </p:cBhvr>
+                                      <p:to>
+                                        <p:strVal val="visible"/>
+                                      </p:to>
+                                    </p:set>
+                                    <p:animEffect transition="in" filter="fade">
+                                      <p:cBhvr>
+                                        <p:cTn id="18" dur="500"/>
+                                        <p:tgtEl>
+                                          <p:spTgt spid="3">
+                                            <p:txEl>
+                                              <p:pRg st="4" end="4"/>
+                                            </p:txEl>
+                                          </p:spTgt>
+                                        </p:tgtEl>
+                                      </p:cBhvr>
+                                    </p:animEffect>
+                                  </p:childTnLst>
+                                </p:cTn>
+                              </p:par>
+                              <p:par>
+                                <p:cTn id="19" presetID="10" presetClass="entr" presetSubtype="0" fill="hold" nodeType="withEffect">
+                                  <p:stCondLst>
+                                    <p:cond delay="0"/>
+                                  </p:stCondLst>
+                                  <p:childTnLst>
+                                    <p:set>
+                                      <p:cBhvr>
+                                        <p:cTn id="20" dur="1" fill="hold">
+                                          <p:stCondLst>
+                                            <p:cond delay="0"/>
+                                          </p:stCondLst>
+                                        </p:cTn>
+                                        <p:tgtEl>
+                                          <p:spTgt spid="3">
+                                            <p:txEl>
+                                              <p:pRg st="5" end="5"/>
+                                            </p:txEl>
+                                          </p:spTgt>
+                                        </p:tgtEl>
+                                        <p:attrNameLst>
+                                          <p:attrName>style.visibility</p:attrName>
+                                        </p:attrNameLst>
+                                      </p:cBhvr>
+                                      <p:to>
+                                        <p:strVal val="visible"/>
+                                      </p:to>
+                                    </p:set>
+                                    <p:animEffect transition="in" filter="fade">
+                                      <p:cBhvr>
+                                        <p:cTn id="21" dur="500"/>
+                                        <p:tgtEl>
+                                          <p:spTgt spid="3">
+                                            <p:txEl>
+                                              <p:pRg st="5" end="5"/>
+                                            </p:txEl>
+                                          </p:spTgt>
+                                        </p:tgtEl>
+                                      </p:cBhvr>
+                                    </p:animEffect>
+                                  </p:childTnLst>
+                                </p:cTn>
+                              </p:par>
+                              <p:par>
+                                <p:cTn id="22" presetID="10" presetClass="entr" presetSubtype="0" fill="hold" nodeType="withEffect">
+                                  <p:stCondLst>
+                                    <p:cond delay="0"/>
+                                  </p:stCondLst>
+                                  <p:childTnLst>
+                                    <p:set>
+                                      <p:cBhvr>
+                                        <p:cTn id="23" dur="1" fill="hold">
+                                          <p:stCondLst>
+                                            <p:cond delay="0"/>
+                                          </p:stCondLst>
+                                        </p:cTn>
+                                        <p:tgtEl>
+                                          <p:spTgt spid="12"/>
+                                        </p:tgtEl>
+                                        <p:attrNameLst>
+                                          <p:attrName>style.visibility</p:attrName>
+                                        </p:attrNameLst>
+                                      </p:cBhvr>
+                                      <p:to>
+                                        <p:strVal val="visible"/>
+                                      </p:to>
+                                    </p:set>
+                                    <p:animEffect transition="in" filter="fade">
+                                      <p:cBhvr>
+                                        <p:cTn id="24" dur="500"/>
+                                        <p:tgtEl>
+                                          <p:spTgt spid="12"/>
+                                        </p:tgtEl>
+                                      </p:cBhvr>
+                                    </p:animEffect>
+                                  </p:childTnLst>
+                                </p:cTn>
+                              </p:par>
+                            </p:childTnLst>
+                          </p:cTn>
+                        </p:par>
+                      </p:childTnLst>
+                    </p:cTn>
+                  </p:par>
+                </p:childTnLst>
+              </p:cTn>
+              <p:prevCondLst>
+                <p:cond evt="onPrev" delay="0">
+                  <p:tgtEl>
+                    <p:sldTgt/>
+                  </p:tgtEl>
+                </p:cond>
+              </p:prevCondLst>
+              <p:nextCondLst>
+                <p:cond evt="onNext" delay="0">
+                  <p:tgtEl>
+                    <p:sldTgt/>
+                  </p:tgtEl>
+                </p:cond>
+              </p:nextCondLst>
+            </p:seq>
+          </p:childTnLst>
+        </p:cTn>
+      </p:par>
+    </p:tnLst>
+  </p:timing>
 </p:sld>
 </file>
 
@@ -11259,7 +13741,7 @@
             <a:pPr lvl="1"/>
             <a:r>
               <a:rPr lang="en-US" dirty="0"/>
-              <a:t>How does the TX know the MCS to select?</a:t>
+              <a:t>How does the TX select the MCS?</a:t>
             </a:r>
           </a:p>
           <a:p>
@@ -11532,6 +14014,445 @@
   <p:clrMapOvr>
     <a:masterClrMapping/>
   </p:clrMapOvr>
+  <p:timing>
+    <p:tnLst>
+      <p:par>
+        <p:cTn id="1" dur="indefinite" restart="never" nodeType="tmRoot">
+          <p:childTnLst>
+            <p:seq concurrent="1" nextAc="seek">
+              <p:cTn id="2" dur="indefinite" nodeType="mainSeq">
+                <p:childTnLst>
+                  <p:par>
+                    <p:cTn id="3" fill="hold">
+                      <p:stCondLst>
+                        <p:cond delay="indefinite"/>
+                      </p:stCondLst>
+                      <p:childTnLst>
+                        <p:par>
+                          <p:cTn id="4" fill="hold">
+                            <p:stCondLst>
+                              <p:cond delay="0"/>
+                            </p:stCondLst>
+                            <p:childTnLst>
+                              <p:par>
+                                <p:cTn id="5" presetID="10" presetClass="entr" presetSubtype="0" fill="hold" nodeType="clickEffect">
+                                  <p:stCondLst>
+                                    <p:cond delay="0"/>
+                                  </p:stCondLst>
+                                  <p:childTnLst>
+                                    <p:set>
+                                      <p:cBhvr>
+                                        <p:cTn id="6" dur="1" fill="hold">
+                                          <p:stCondLst>
+                                            <p:cond delay="0"/>
+                                          </p:stCondLst>
+                                        </p:cTn>
+                                        <p:tgtEl>
+                                          <p:spTgt spid="3">
+                                            <p:txEl>
+                                              <p:pRg st="0" end="0"/>
+                                            </p:txEl>
+                                          </p:spTgt>
+                                        </p:tgtEl>
+                                        <p:attrNameLst>
+                                          <p:attrName>style.visibility</p:attrName>
+                                        </p:attrNameLst>
+                                      </p:cBhvr>
+                                      <p:to>
+                                        <p:strVal val="visible"/>
+                                      </p:to>
+                                    </p:set>
+                                    <p:animEffect transition="in" filter="fade">
+                                      <p:cBhvr>
+                                        <p:cTn id="7" dur="500"/>
+                                        <p:tgtEl>
+                                          <p:spTgt spid="3">
+                                            <p:txEl>
+                                              <p:pRg st="0" end="0"/>
+                                            </p:txEl>
+                                          </p:spTgt>
+                                        </p:tgtEl>
+                                      </p:cBhvr>
+                                    </p:animEffect>
+                                  </p:childTnLst>
+                                </p:cTn>
+                              </p:par>
+                              <p:par>
+                                <p:cTn id="8" presetID="10" presetClass="entr" presetSubtype="0" fill="hold" nodeType="withEffect">
+                                  <p:stCondLst>
+                                    <p:cond delay="0"/>
+                                  </p:stCondLst>
+                                  <p:childTnLst>
+                                    <p:set>
+                                      <p:cBhvr>
+                                        <p:cTn id="9" dur="1" fill="hold">
+                                          <p:stCondLst>
+                                            <p:cond delay="0"/>
+                                          </p:stCondLst>
+                                        </p:cTn>
+                                        <p:tgtEl>
+                                          <p:spTgt spid="3">
+                                            <p:txEl>
+                                              <p:pRg st="1" end="1"/>
+                                            </p:txEl>
+                                          </p:spTgt>
+                                        </p:tgtEl>
+                                        <p:attrNameLst>
+                                          <p:attrName>style.visibility</p:attrName>
+                                        </p:attrNameLst>
+                                      </p:cBhvr>
+                                      <p:to>
+                                        <p:strVal val="visible"/>
+                                      </p:to>
+                                    </p:set>
+                                    <p:animEffect transition="in" filter="fade">
+                                      <p:cBhvr>
+                                        <p:cTn id="10" dur="500"/>
+                                        <p:tgtEl>
+                                          <p:spTgt spid="3">
+                                            <p:txEl>
+                                              <p:pRg st="1" end="1"/>
+                                            </p:txEl>
+                                          </p:spTgt>
+                                        </p:tgtEl>
+                                      </p:cBhvr>
+                                    </p:animEffect>
+                                  </p:childTnLst>
+                                </p:cTn>
+                              </p:par>
+                            </p:childTnLst>
+                          </p:cTn>
+                        </p:par>
+                      </p:childTnLst>
+                    </p:cTn>
+                  </p:par>
+                  <p:par>
+                    <p:cTn id="11" fill="hold">
+                      <p:stCondLst>
+                        <p:cond delay="indefinite"/>
+                      </p:stCondLst>
+                      <p:childTnLst>
+                        <p:par>
+                          <p:cTn id="12" fill="hold">
+                            <p:stCondLst>
+                              <p:cond delay="0"/>
+                            </p:stCondLst>
+                            <p:childTnLst>
+                              <p:par>
+                                <p:cTn id="13" presetID="10" presetClass="entr" presetSubtype="0" fill="hold" nodeType="clickEffect">
+                                  <p:stCondLst>
+                                    <p:cond delay="0"/>
+                                  </p:stCondLst>
+                                  <p:childTnLst>
+                                    <p:set>
+                                      <p:cBhvr>
+                                        <p:cTn id="14" dur="1" fill="hold">
+                                          <p:stCondLst>
+                                            <p:cond delay="0"/>
+                                          </p:stCondLst>
+                                        </p:cTn>
+                                        <p:tgtEl>
+                                          <p:spTgt spid="3">
+                                            <p:txEl>
+                                              <p:pRg st="2" end="2"/>
+                                            </p:txEl>
+                                          </p:spTgt>
+                                        </p:tgtEl>
+                                        <p:attrNameLst>
+                                          <p:attrName>style.visibility</p:attrName>
+                                        </p:attrNameLst>
+                                      </p:cBhvr>
+                                      <p:to>
+                                        <p:strVal val="visible"/>
+                                      </p:to>
+                                    </p:set>
+                                    <p:animEffect transition="in" filter="fade">
+                                      <p:cBhvr>
+                                        <p:cTn id="15" dur="500"/>
+                                        <p:tgtEl>
+                                          <p:spTgt spid="3">
+                                            <p:txEl>
+                                              <p:pRg st="2" end="2"/>
+                                            </p:txEl>
+                                          </p:spTgt>
+                                        </p:tgtEl>
+                                      </p:cBhvr>
+                                    </p:animEffect>
+                                  </p:childTnLst>
+                                </p:cTn>
+                              </p:par>
+                            </p:childTnLst>
+                          </p:cTn>
+                        </p:par>
+                      </p:childTnLst>
+                    </p:cTn>
+                  </p:par>
+                  <p:par>
+                    <p:cTn id="16" fill="hold">
+                      <p:stCondLst>
+                        <p:cond delay="indefinite"/>
+                      </p:stCondLst>
+                      <p:childTnLst>
+                        <p:par>
+                          <p:cTn id="17" fill="hold">
+                            <p:stCondLst>
+                              <p:cond delay="0"/>
+                            </p:stCondLst>
+                            <p:childTnLst>
+                              <p:par>
+                                <p:cTn id="18" presetID="10" presetClass="entr" presetSubtype="0" fill="hold" nodeType="clickEffect">
+                                  <p:stCondLst>
+                                    <p:cond delay="0"/>
+                                  </p:stCondLst>
+                                  <p:childTnLst>
+                                    <p:set>
+                                      <p:cBhvr>
+                                        <p:cTn id="19" dur="1" fill="hold">
+                                          <p:stCondLst>
+                                            <p:cond delay="0"/>
+                                          </p:stCondLst>
+                                        </p:cTn>
+                                        <p:tgtEl>
+                                          <p:spTgt spid="3">
+                                            <p:txEl>
+                                              <p:pRg st="3" end="3"/>
+                                            </p:txEl>
+                                          </p:spTgt>
+                                        </p:tgtEl>
+                                        <p:attrNameLst>
+                                          <p:attrName>style.visibility</p:attrName>
+                                        </p:attrNameLst>
+                                      </p:cBhvr>
+                                      <p:to>
+                                        <p:strVal val="visible"/>
+                                      </p:to>
+                                    </p:set>
+                                    <p:animEffect transition="in" filter="fade">
+                                      <p:cBhvr>
+                                        <p:cTn id="20" dur="500"/>
+                                        <p:tgtEl>
+                                          <p:spTgt spid="3">
+                                            <p:txEl>
+                                              <p:pRg st="3" end="3"/>
+                                            </p:txEl>
+                                          </p:spTgt>
+                                        </p:tgtEl>
+                                      </p:cBhvr>
+                                    </p:animEffect>
+                                  </p:childTnLst>
+                                </p:cTn>
+                              </p:par>
+                            </p:childTnLst>
+                          </p:cTn>
+                        </p:par>
+                      </p:childTnLst>
+                    </p:cTn>
+                  </p:par>
+                  <p:par>
+                    <p:cTn id="21" fill="hold">
+                      <p:stCondLst>
+                        <p:cond delay="indefinite"/>
+                      </p:stCondLst>
+                      <p:childTnLst>
+                        <p:par>
+                          <p:cTn id="22" fill="hold">
+                            <p:stCondLst>
+                              <p:cond delay="0"/>
+                            </p:stCondLst>
+                            <p:childTnLst>
+                              <p:par>
+                                <p:cTn id="23" presetID="10" presetClass="entr" presetSubtype="0" fill="hold" nodeType="clickEffect">
+                                  <p:stCondLst>
+                                    <p:cond delay="0"/>
+                                  </p:stCondLst>
+                                  <p:childTnLst>
+                                    <p:set>
+                                      <p:cBhvr>
+                                        <p:cTn id="24" dur="1" fill="hold">
+                                          <p:stCondLst>
+                                            <p:cond delay="0"/>
+                                          </p:stCondLst>
+                                        </p:cTn>
+                                        <p:tgtEl>
+                                          <p:spTgt spid="3">
+                                            <p:txEl>
+                                              <p:pRg st="4" end="4"/>
+                                            </p:txEl>
+                                          </p:spTgt>
+                                        </p:tgtEl>
+                                        <p:attrNameLst>
+                                          <p:attrName>style.visibility</p:attrName>
+                                        </p:attrNameLst>
+                                      </p:cBhvr>
+                                      <p:to>
+                                        <p:strVal val="visible"/>
+                                      </p:to>
+                                    </p:set>
+                                    <p:animEffect transition="in" filter="fade">
+                                      <p:cBhvr>
+                                        <p:cTn id="25" dur="500"/>
+                                        <p:tgtEl>
+                                          <p:spTgt spid="3">
+                                            <p:txEl>
+                                              <p:pRg st="4" end="4"/>
+                                            </p:txEl>
+                                          </p:spTgt>
+                                        </p:tgtEl>
+                                      </p:cBhvr>
+                                    </p:animEffect>
+                                  </p:childTnLst>
+                                </p:cTn>
+                              </p:par>
+                            </p:childTnLst>
+                          </p:cTn>
+                        </p:par>
+                      </p:childTnLst>
+                    </p:cTn>
+                  </p:par>
+                  <p:par>
+                    <p:cTn id="26" fill="hold">
+                      <p:stCondLst>
+                        <p:cond delay="indefinite"/>
+                      </p:stCondLst>
+                      <p:childTnLst>
+                        <p:par>
+                          <p:cTn id="27" fill="hold">
+                            <p:stCondLst>
+                              <p:cond delay="0"/>
+                            </p:stCondLst>
+                            <p:childTnLst>
+                              <p:par>
+                                <p:cTn id="28" presetID="10" presetClass="entr" presetSubtype="0" fill="hold" nodeType="clickEffect">
+                                  <p:stCondLst>
+                                    <p:cond delay="0"/>
+                                  </p:stCondLst>
+                                  <p:childTnLst>
+                                    <p:set>
+                                      <p:cBhvr>
+                                        <p:cTn id="29" dur="1" fill="hold">
+                                          <p:stCondLst>
+                                            <p:cond delay="0"/>
+                                          </p:stCondLst>
+                                        </p:cTn>
+                                        <p:tgtEl>
+                                          <p:spTgt spid="3">
+                                            <p:txEl>
+                                              <p:pRg st="5" end="5"/>
+                                            </p:txEl>
+                                          </p:spTgt>
+                                        </p:tgtEl>
+                                        <p:attrNameLst>
+                                          <p:attrName>style.visibility</p:attrName>
+                                        </p:attrNameLst>
+                                      </p:cBhvr>
+                                      <p:to>
+                                        <p:strVal val="visible"/>
+                                      </p:to>
+                                    </p:set>
+                                    <p:animEffect transition="in" filter="fade">
+                                      <p:cBhvr>
+                                        <p:cTn id="30" dur="500"/>
+                                        <p:tgtEl>
+                                          <p:spTgt spid="3">
+                                            <p:txEl>
+                                              <p:pRg st="5" end="5"/>
+                                            </p:txEl>
+                                          </p:spTgt>
+                                        </p:tgtEl>
+                                      </p:cBhvr>
+                                    </p:animEffect>
+                                  </p:childTnLst>
+                                </p:cTn>
+                              </p:par>
+                            </p:childTnLst>
+                          </p:cTn>
+                        </p:par>
+                      </p:childTnLst>
+                    </p:cTn>
+                  </p:par>
+                  <p:par>
+                    <p:cTn id="31" fill="hold">
+                      <p:stCondLst>
+                        <p:cond delay="indefinite"/>
+                      </p:stCondLst>
+                      <p:childTnLst>
+                        <p:par>
+                          <p:cTn id="32" fill="hold">
+                            <p:stCondLst>
+                              <p:cond delay="0"/>
+                            </p:stCondLst>
+                            <p:childTnLst>
+                              <p:par>
+                                <p:cTn id="33" presetID="10" presetClass="entr" presetSubtype="0" fill="hold" nodeType="clickEffect">
+                                  <p:stCondLst>
+                                    <p:cond delay="0"/>
+                                  </p:stCondLst>
+                                  <p:childTnLst>
+                                    <p:set>
+                                      <p:cBhvr>
+                                        <p:cTn id="34" dur="1" fill="hold">
+                                          <p:stCondLst>
+                                            <p:cond delay="0"/>
+                                          </p:stCondLst>
+                                        </p:cTn>
+                                        <p:tgtEl>
+                                          <p:spTgt spid="3">
+                                            <p:txEl>
+                                              <p:pRg st="6" end="6"/>
+                                            </p:txEl>
+                                          </p:spTgt>
+                                        </p:tgtEl>
+                                        <p:attrNameLst>
+                                          <p:attrName>style.visibility</p:attrName>
+                                        </p:attrNameLst>
+                                      </p:cBhvr>
+                                      <p:to>
+                                        <p:strVal val="visible"/>
+                                      </p:to>
+                                    </p:set>
+                                    <p:animEffect transition="in" filter="fade">
+                                      <p:cBhvr>
+                                        <p:cTn id="35" dur="500"/>
+                                        <p:tgtEl>
+                                          <p:spTgt spid="3">
+                                            <p:txEl>
+                                              <p:pRg st="6" end="6"/>
+                                            </p:txEl>
+                                          </p:spTgt>
+                                        </p:tgtEl>
+                                      </p:cBhvr>
+                                    </p:animEffect>
+                                  </p:childTnLst>
+                                </p:cTn>
+                              </p:par>
+                            </p:childTnLst>
+                          </p:cTn>
+                        </p:par>
+                      </p:childTnLst>
+                    </p:cTn>
+                  </p:par>
+                </p:childTnLst>
+              </p:cTn>
+              <p:prevCondLst>
+                <p:cond evt="onPrev" delay="0">
+                  <p:tgtEl>
+                    <p:sldTgt/>
+                  </p:tgtEl>
+                </p:cond>
+              </p:prevCondLst>
+              <p:nextCondLst>
+                <p:cond evt="onNext" delay="0">
+                  <p:tgtEl>
+                    <p:sldTgt/>
+                  </p:tgtEl>
+                </p:cond>
+              </p:nextCondLst>
+            </p:seq>
+          </p:childTnLst>
+        </p:cTn>
+      </p:par>
+    </p:tnLst>
+  </p:timing>
 </p:sld>
 </file>
 
@@ -13612,8 +16533,8 @@
           </a:p>
         </p:txBody>
       </p:sp>
-      <mc:AlternateContent xmlns:mc="http://schemas.openxmlformats.org/markup-compatibility/2006">
-        <mc:Choice xmlns:a14="http://schemas.microsoft.com/office/drawing/2010/main" Requires="a14">
+      <mc:AlternateContent xmlns:mc="http://schemas.openxmlformats.org/markup-compatibility/2006" xmlns:a14="http://schemas.microsoft.com/office/drawing/2010/main">
+        <mc:Choice Requires="a14">
           <p:sp>
             <p:nvSpPr>
               <p:cNvPr id="3" name="Content Placeholder 2">
@@ -13937,13 +16858,7 @@
                           <a:rPr lang="en-US" b="0" i="1" smtClean="0">
                             <a:latin typeface="Cambria Math" panose="02040503050406030204" pitchFamily="18" charset="0"/>
                           </a:rPr>
-                          <m:t>12</m:t>
-                        </m:r>
-                        <m:r>
-                          <a:rPr lang="en-US" b="0" i="1" smtClean="0">
-                            <a:latin typeface="Cambria Math" panose="02040503050406030204" pitchFamily="18" charset="0"/>
-                          </a:rPr>
-                          <m:t>5</m:t>
+                          <m:t>125</m:t>
                         </m:r>
                         <m:sSup>
                           <m:sSupPr>
@@ -13999,7 +16914,7 @@
             </p:txBody>
           </p:sp>
         </mc:Choice>
-        <mc:Fallback>
+        <mc:Fallback xmlns="">
           <p:sp>
             <p:nvSpPr>
               <p:cNvPr id="3" name="Content Placeholder 2">
@@ -18907,7 +21822,7 @@
           <a:p>
             <a:r>
               <a:rPr lang="en-US" dirty="0"/>
-              <a:t>Implement and analyze a simple trial-and-error MCS selection system</a:t>
+              <a:t>Implement and simulate a simple trial-and-error MCS selection system</a:t>
             </a:r>
           </a:p>
           <a:p>
@@ -18950,7 +21865,7 @@
           <a:p>
             <a:r>
               <a:rPr lang="en-US" dirty="0"/>
-              <a:t>Implement and simulate a simulate multi-process HARQ process over a fading channel</a:t>
+              <a:t>Implement and simulate multi-process HARQ process over a fading channel</a:t>
             </a:r>
           </a:p>
           <a:p>
@@ -18968,6 +21883,513 @@
   <p:clrMapOvr>
     <a:masterClrMapping/>
   </p:clrMapOvr>
+  <p:timing>
+    <p:tnLst>
+      <p:par>
+        <p:cTn id="1" dur="indefinite" restart="never" nodeType="tmRoot">
+          <p:childTnLst>
+            <p:seq concurrent="1" nextAc="seek">
+              <p:cTn id="2" dur="indefinite" nodeType="mainSeq">
+                <p:childTnLst>
+                  <p:par>
+                    <p:cTn id="3" fill="hold">
+                      <p:stCondLst>
+                        <p:cond delay="indefinite"/>
+                      </p:stCondLst>
+                      <p:childTnLst>
+                        <p:par>
+                          <p:cTn id="4" fill="hold">
+                            <p:stCondLst>
+                              <p:cond delay="0"/>
+                            </p:stCondLst>
+                            <p:childTnLst>
+                              <p:par>
+                                <p:cTn id="5" presetID="10" presetClass="entr" presetSubtype="0" fill="hold" nodeType="clickEffect">
+                                  <p:stCondLst>
+                                    <p:cond delay="0"/>
+                                  </p:stCondLst>
+                                  <p:childTnLst>
+                                    <p:set>
+                                      <p:cBhvr>
+                                        <p:cTn id="6" dur="1" fill="hold">
+                                          <p:stCondLst>
+                                            <p:cond delay="0"/>
+                                          </p:stCondLst>
+                                        </p:cTn>
+                                        <p:tgtEl>
+                                          <p:spTgt spid="7">
+                                            <p:txEl>
+                                              <p:pRg st="0" end="0"/>
+                                            </p:txEl>
+                                          </p:spTgt>
+                                        </p:tgtEl>
+                                        <p:attrNameLst>
+                                          <p:attrName>style.visibility</p:attrName>
+                                        </p:attrNameLst>
+                                      </p:cBhvr>
+                                      <p:to>
+                                        <p:strVal val="visible"/>
+                                      </p:to>
+                                    </p:set>
+                                    <p:animEffect transition="in" filter="fade">
+                                      <p:cBhvr>
+                                        <p:cTn id="7" dur="500"/>
+                                        <p:tgtEl>
+                                          <p:spTgt spid="7">
+                                            <p:txEl>
+                                              <p:pRg st="0" end="0"/>
+                                            </p:txEl>
+                                          </p:spTgt>
+                                        </p:tgtEl>
+                                      </p:cBhvr>
+                                    </p:animEffect>
+                                  </p:childTnLst>
+                                </p:cTn>
+                              </p:par>
+                              <p:par>
+                                <p:cTn id="8" presetID="10" presetClass="entr" presetSubtype="0" fill="hold" nodeType="withEffect">
+                                  <p:stCondLst>
+                                    <p:cond delay="0"/>
+                                  </p:stCondLst>
+                                  <p:childTnLst>
+                                    <p:set>
+                                      <p:cBhvr>
+                                        <p:cTn id="9" dur="1" fill="hold">
+                                          <p:stCondLst>
+                                            <p:cond delay="0"/>
+                                          </p:stCondLst>
+                                        </p:cTn>
+                                        <p:tgtEl>
+                                          <p:spTgt spid="7">
+                                            <p:txEl>
+                                              <p:pRg st="1" end="1"/>
+                                            </p:txEl>
+                                          </p:spTgt>
+                                        </p:tgtEl>
+                                        <p:attrNameLst>
+                                          <p:attrName>style.visibility</p:attrName>
+                                        </p:attrNameLst>
+                                      </p:cBhvr>
+                                      <p:to>
+                                        <p:strVal val="visible"/>
+                                      </p:to>
+                                    </p:set>
+                                    <p:animEffect transition="in" filter="fade">
+                                      <p:cBhvr>
+                                        <p:cTn id="10" dur="500"/>
+                                        <p:tgtEl>
+                                          <p:spTgt spid="7">
+                                            <p:txEl>
+                                              <p:pRg st="1" end="1"/>
+                                            </p:txEl>
+                                          </p:spTgt>
+                                        </p:tgtEl>
+                                      </p:cBhvr>
+                                    </p:animEffect>
+                                  </p:childTnLst>
+                                </p:cTn>
+                              </p:par>
+                            </p:childTnLst>
+                          </p:cTn>
+                        </p:par>
+                      </p:childTnLst>
+                    </p:cTn>
+                  </p:par>
+                  <p:par>
+                    <p:cTn id="11" fill="hold">
+                      <p:stCondLst>
+                        <p:cond delay="indefinite"/>
+                      </p:stCondLst>
+                      <p:childTnLst>
+                        <p:par>
+                          <p:cTn id="12" fill="hold">
+                            <p:stCondLst>
+                              <p:cond delay="0"/>
+                            </p:stCondLst>
+                            <p:childTnLst>
+                              <p:par>
+                                <p:cTn id="13" presetID="10" presetClass="entr" presetSubtype="0" fill="hold" nodeType="clickEffect">
+                                  <p:stCondLst>
+                                    <p:cond delay="0"/>
+                                  </p:stCondLst>
+                                  <p:childTnLst>
+                                    <p:set>
+                                      <p:cBhvr>
+                                        <p:cTn id="14" dur="1" fill="hold">
+                                          <p:stCondLst>
+                                            <p:cond delay="0"/>
+                                          </p:stCondLst>
+                                        </p:cTn>
+                                        <p:tgtEl>
+                                          <p:spTgt spid="7">
+                                            <p:txEl>
+                                              <p:pRg st="2" end="2"/>
+                                            </p:txEl>
+                                          </p:spTgt>
+                                        </p:tgtEl>
+                                        <p:attrNameLst>
+                                          <p:attrName>style.visibility</p:attrName>
+                                        </p:attrNameLst>
+                                      </p:cBhvr>
+                                      <p:to>
+                                        <p:strVal val="visible"/>
+                                      </p:to>
+                                    </p:set>
+                                    <p:animEffect transition="in" filter="fade">
+                                      <p:cBhvr>
+                                        <p:cTn id="15" dur="500"/>
+                                        <p:tgtEl>
+                                          <p:spTgt spid="7">
+                                            <p:txEl>
+                                              <p:pRg st="2" end="2"/>
+                                            </p:txEl>
+                                          </p:spTgt>
+                                        </p:tgtEl>
+                                      </p:cBhvr>
+                                    </p:animEffect>
+                                  </p:childTnLst>
+                                </p:cTn>
+                              </p:par>
+                              <p:par>
+                                <p:cTn id="16" presetID="10" presetClass="entr" presetSubtype="0" fill="hold" nodeType="withEffect">
+                                  <p:stCondLst>
+                                    <p:cond delay="0"/>
+                                  </p:stCondLst>
+                                  <p:childTnLst>
+                                    <p:set>
+                                      <p:cBhvr>
+                                        <p:cTn id="17" dur="1" fill="hold">
+                                          <p:stCondLst>
+                                            <p:cond delay="0"/>
+                                          </p:stCondLst>
+                                        </p:cTn>
+                                        <p:tgtEl>
+                                          <p:spTgt spid="7">
+                                            <p:txEl>
+                                              <p:pRg st="3" end="3"/>
+                                            </p:txEl>
+                                          </p:spTgt>
+                                        </p:tgtEl>
+                                        <p:attrNameLst>
+                                          <p:attrName>style.visibility</p:attrName>
+                                        </p:attrNameLst>
+                                      </p:cBhvr>
+                                      <p:to>
+                                        <p:strVal val="visible"/>
+                                      </p:to>
+                                    </p:set>
+                                    <p:animEffect transition="in" filter="fade">
+                                      <p:cBhvr>
+                                        <p:cTn id="18" dur="500"/>
+                                        <p:tgtEl>
+                                          <p:spTgt spid="7">
+                                            <p:txEl>
+                                              <p:pRg st="3" end="3"/>
+                                            </p:txEl>
+                                          </p:spTgt>
+                                        </p:tgtEl>
+                                      </p:cBhvr>
+                                    </p:animEffect>
+                                  </p:childTnLst>
+                                </p:cTn>
+                              </p:par>
+                              <p:par>
+                                <p:cTn id="19" presetID="10" presetClass="entr" presetSubtype="0" fill="hold" nodeType="withEffect">
+                                  <p:stCondLst>
+                                    <p:cond delay="0"/>
+                                  </p:stCondLst>
+                                  <p:childTnLst>
+                                    <p:set>
+                                      <p:cBhvr>
+                                        <p:cTn id="20" dur="1" fill="hold">
+                                          <p:stCondLst>
+                                            <p:cond delay="0"/>
+                                          </p:stCondLst>
+                                        </p:cTn>
+                                        <p:tgtEl>
+                                          <p:spTgt spid="7">
+                                            <p:txEl>
+                                              <p:pRg st="4" end="4"/>
+                                            </p:txEl>
+                                          </p:spTgt>
+                                        </p:tgtEl>
+                                        <p:attrNameLst>
+                                          <p:attrName>style.visibility</p:attrName>
+                                        </p:attrNameLst>
+                                      </p:cBhvr>
+                                      <p:to>
+                                        <p:strVal val="visible"/>
+                                      </p:to>
+                                    </p:set>
+                                    <p:animEffect transition="in" filter="fade">
+                                      <p:cBhvr>
+                                        <p:cTn id="21" dur="500"/>
+                                        <p:tgtEl>
+                                          <p:spTgt spid="7">
+                                            <p:txEl>
+                                              <p:pRg st="4" end="4"/>
+                                            </p:txEl>
+                                          </p:spTgt>
+                                        </p:tgtEl>
+                                      </p:cBhvr>
+                                    </p:animEffect>
+                                  </p:childTnLst>
+                                </p:cTn>
+                              </p:par>
+                            </p:childTnLst>
+                          </p:cTn>
+                        </p:par>
+                      </p:childTnLst>
+                    </p:cTn>
+                  </p:par>
+                  <p:par>
+                    <p:cTn id="22" fill="hold">
+                      <p:stCondLst>
+                        <p:cond delay="indefinite"/>
+                      </p:stCondLst>
+                      <p:childTnLst>
+                        <p:par>
+                          <p:cTn id="23" fill="hold">
+                            <p:stCondLst>
+                              <p:cond delay="0"/>
+                            </p:stCondLst>
+                            <p:childTnLst>
+                              <p:par>
+                                <p:cTn id="24" presetID="10" presetClass="entr" presetSubtype="0" fill="hold" nodeType="clickEffect">
+                                  <p:stCondLst>
+                                    <p:cond delay="0"/>
+                                  </p:stCondLst>
+                                  <p:childTnLst>
+                                    <p:set>
+                                      <p:cBhvr>
+                                        <p:cTn id="25" dur="1" fill="hold">
+                                          <p:stCondLst>
+                                            <p:cond delay="0"/>
+                                          </p:stCondLst>
+                                        </p:cTn>
+                                        <p:tgtEl>
+                                          <p:spTgt spid="7">
+                                            <p:txEl>
+                                              <p:pRg st="5" end="5"/>
+                                            </p:txEl>
+                                          </p:spTgt>
+                                        </p:tgtEl>
+                                        <p:attrNameLst>
+                                          <p:attrName>style.visibility</p:attrName>
+                                        </p:attrNameLst>
+                                      </p:cBhvr>
+                                      <p:to>
+                                        <p:strVal val="visible"/>
+                                      </p:to>
+                                    </p:set>
+                                    <p:animEffect transition="in" filter="fade">
+                                      <p:cBhvr>
+                                        <p:cTn id="26" dur="500"/>
+                                        <p:tgtEl>
+                                          <p:spTgt spid="7">
+                                            <p:txEl>
+                                              <p:pRg st="5" end="5"/>
+                                            </p:txEl>
+                                          </p:spTgt>
+                                        </p:tgtEl>
+                                      </p:cBhvr>
+                                    </p:animEffect>
+                                  </p:childTnLst>
+                                </p:cTn>
+                              </p:par>
+                              <p:par>
+                                <p:cTn id="27" presetID="10" presetClass="entr" presetSubtype="0" fill="hold" nodeType="withEffect">
+                                  <p:stCondLst>
+                                    <p:cond delay="0"/>
+                                  </p:stCondLst>
+                                  <p:childTnLst>
+                                    <p:set>
+                                      <p:cBhvr>
+                                        <p:cTn id="28" dur="1" fill="hold">
+                                          <p:stCondLst>
+                                            <p:cond delay="0"/>
+                                          </p:stCondLst>
+                                        </p:cTn>
+                                        <p:tgtEl>
+                                          <p:spTgt spid="7">
+                                            <p:txEl>
+                                              <p:pRg st="6" end="6"/>
+                                            </p:txEl>
+                                          </p:spTgt>
+                                        </p:tgtEl>
+                                        <p:attrNameLst>
+                                          <p:attrName>style.visibility</p:attrName>
+                                        </p:attrNameLst>
+                                      </p:cBhvr>
+                                      <p:to>
+                                        <p:strVal val="visible"/>
+                                      </p:to>
+                                    </p:set>
+                                    <p:animEffect transition="in" filter="fade">
+                                      <p:cBhvr>
+                                        <p:cTn id="29" dur="500"/>
+                                        <p:tgtEl>
+                                          <p:spTgt spid="7">
+                                            <p:txEl>
+                                              <p:pRg st="6" end="6"/>
+                                            </p:txEl>
+                                          </p:spTgt>
+                                        </p:tgtEl>
+                                      </p:cBhvr>
+                                    </p:animEffect>
+                                  </p:childTnLst>
+                                </p:cTn>
+                              </p:par>
+                            </p:childTnLst>
+                          </p:cTn>
+                        </p:par>
+                      </p:childTnLst>
+                    </p:cTn>
+                  </p:par>
+                  <p:par>
+                    <p:cTn id="30" fill="hold">
+                      <p:stCondLst>
+                        <p:cond delay="indefinite"/>
+                      </p:stCondLst>
+                      <p:childTnLst>
+                        <p:par>
+                          <p:cTn id="31" fill="hold">
+                            <p:stCondLst>
+                              <p:cond delay="0"/>
+                            </p:stCondLst>
+                            <p:childTnLst>
+                              <p:par>
+                                <p:cTn id="32" presetID="10" presetClass="entr" presetSubtype="0" fill="hold" nodeType="clickEffect">
+                                  <p:stCondLst>
+                                    <p:cond delay="0"/>
+                                  </p:stCondLst>
+                                  <p:childTnLst>
+                                    <p:set>
+                                      <p:cBhvr>
+                                        <p:cTn id="33" dur="1" fill="hold">
+                                          <p:stCondLst>
+                                            <p:cond delay="0"/>
+                                          </p:stCondLst>
+                                        </p:cTn>
+                                        <p:tgtEl>
+                                          <p:spTgt spid="7">
+                                            <p:txEl>
+                                              <p:pRg st="7" end="7"/>
+                                            </p:txEl>
+                                          </p:spTgt>
+                                        </p:tgtEl>
+                                        <p:attrNameLst>
+                                          <p:attrName>style.visibility</p:attrName>
+                                        </p:attrNameLst>
+                                      </p:cBhvr>
+                                      <p:to>
+                                        <p:strVal val="visible"/>
+                                      </p:to>
+                                    </p:set>
+                                    <p:animEffect transition="in" filter="fade">
+                                      <p:cBhvr>
+                                        <p:cTn id="34" dur="500"/>
+                                        <p:tgtEl>
+                                          <p:spTgt spid="7">
+                                            <p:txEl>
+                                              <p:pRg st="7" end="7"/>
+                                            </p:txEl>
+                                          </p:spTgt>
+                                        </p:tgtEl>
+                                      </p:cBhvr>
+                                    </p:animEffect>
+                                  </p:childTnLst>
+                                </p:cTn>
+                              </p:par>
+                            </p:childTnLst>
+                          </p:cTn>
+                        </p:par>
+                      </p:childTnLst>
+                    </p:cTn>
+                  </p:par>
+                  <p:par>
+                    <p:cTn id="35" fill="hold">
+                      <p:stCondLst>
+                        <p:cond delay="indefinite"/>
+                      </p:stCondLst>
+                      <p:childTnLst>
+                        <p:par>
+                          <p:cTn id="36" fill="hold">
+                            <p:stCondLst>
+                              <p:cond delay="0"/>
+                            </p:stCondLst>
+                            <p:childTnLst>
+                              <p:par>
+                                <p:cTn id="37" presetID="10" presetClass="entr" presetSubtype="0" fill="hold" nodeType="clickEffect">
+                                  <p:stCondLst>
+                                    <p:cond delay="0"/>
+                                  </p:stCondLst>
+                                  <p:childTnLst>
+                                    <p:set>
+                                      <p:cBhvr>
+                                        <p:cTn id="38" dur="1" fill="hold">
+                                          <p:stCondLst>
+                                            <p:cond delay="0"/>
+                                          </p:stCondLst>
+                                        </p:cTn>
+                                        <p:tgtEl>
+                                          <p:spTgt spid="7">
+                                            <p:txEl>
+                                              <p:pRg st="8" end="8"/>
+                                            </p:txEl>
+                                          </p:spTgt>
+                                        </p:tgtEl>
+                                        <p:attrNameLst>
+                                          <p:attrName>style.visibility</p:attrName>
+                                        </p:attrNameLst>
+                                      </p:cBhvr>
+                                      <p:to>
+                                        <p:strVal val="visible"/>
+                                      </p:to>
+                                    </p:set>
+                                    <p:animEffect transition="in" filter="fade">
+                                      <p:cBhvr>
+                                        <p:cTn id="39" dur="500"/>
+                                        <p:tgtEl>
+                                          <p:spTgt spid="7">
+                                            <p:txEl>
+                                              <p:pRg st="8" end="8"/>
+                                            </p:txEl>
+                                          </p:spTgt>
+                                        </p:tgtEl>
+                                      </p:cBhvr>
+                                    </p:animEffect>
+                                  </p:childTnLst>
+                                </p:cTn>
+                              </p:par>
+                            </p:childTnLst>
+                          </p:cTn>
+                        </p:par>
+                      </p:childTnLst>
+                    </p:cTn>
+                  </p:par>
+                </p:childTnLst>
+              </p:cTn>
+              <p:prevCondLst>
+                <p:cond evt="onPrev" delay="0">
+                  <p:tgtEl>
+                    <p:sldTgt/>
+                  </p:tgtEl>
+                </p:cond>
+              </p:prevCondLst>
+              <p:nextCondLst>
+                <p:cond evt="onNext" delay="0">
+                  <p:tgtEl>
+                    <p:sldTgt/>
+                  </p:tgtEl>
+                </p:cond>
+              </p:nextCondLst>
+            </p:seq>
+          </p:childTnLst>
+        </p:cTn>
+      </p:par>
+    </p:tnLst>
+  </p:timing>
 </p:sld>
 </file>
 
@@ -22731,8 +26153,8 @@
           </a:p>
         </p:txBody>
       </p:sp>
-      <mc:AlternateContent xmlns:mc="http://schemas.openxmlformats.org/markup-compatibility/2006">
-        <mc:Choice xmlns:a14="http://schemas.microsoft.com/office/drawing/2010/main" Requires="a14">
+      <mc:AlternateContent xmlns:mc="http://schemas.openxmlformats.org/markup-compatibility/2006" xmlns:a14="http://schemas.microsoft.com/office/drawing/2010/main">
+        <mc:Choice Requires="a14">
           <p:sp>
             <p:nvSpPr>
               <p:cNvPr id="3" name="Content Placeholder 2">
@@ -22855,7 +26277,7 @@
             </p:txBody>
           </p:sp>
         </mc:Choice>
-        <mc:Fallback>
+        <mc:Fallback xmlns="">
           <p:sp>
             <p:nvSpPr>
               <p:cNvPr id="3" name="Content Placeholder 2">
@@ -23263,8 +26685,8 @@
           </a:p>
         </p:txBody>
       </p:sp>
-      <mc:AlternateContent xmlns:mc="http://schemas.openxmlformats.org/markup-compatibility/2006">
-        <mc:Choice xmlns:a14="http://schemas.microsoft.com/office/drawing/2010/main" Requires="a14">
+      <mc:AlternateContent xmlns:mc="http://schemas.openxmlformats.org/markup-compatibility/2006" xmlns:a14="http://schemas.microsoft.com/office/drawing/2010/main">
+        <mc:Choice Requires="a14">
           <p:sp>
             <p:nvSpPr>
               <p:cNvPr id="3" name="Content Placeholder 2">
@@ -24333,7 +27755,7 @@
             </p:txBody>
           </p:sp>
         </mc:Choice>
-        <mc:Fallback>
+        <mc:Fallback xmlns="">
           <p:sp>
             <p:nvSpPr>
               <p:cNvPr id="3" name="Content Placeholder 2">
@@ -24460,8 +27882,8 @@
           </a:p>
         </p:txBody>
       </p:sp>
-      <mc:AlternateContent xmlns:mc="http://schemas.openxmlformats.org/markup-compatibility/2006">
-        <mc:Choice xmlns:a14="http://schemas.microsoft.com/office/drawing/2010/main" Requires="a14">
+      <mc:AlternateContent xmlns:mc="http://schemas.openxmlformats.org/markup-compatibility/2006" xmlns:a14="http://schemas.microsoft.com/office/drawing/2010/main">
+        <mc:Choice Requires="a14">
           <p:sp>
             <p:nvSpPr>
               <p:cNvPr id="3" name="Content Placeholder 2">
@@ -25013,7 +28435,7 @@
             </p:txBody>
           </p:sp>
         </mc:Choice>
-        <mc:Fallback>
+        <mc:Fallback xmlns="">
           <p:sp>
             <p:nvSpPr>
               <p:cNvPr id="3" name="Content Placeholder 2">
@@ -26195,8 +29617,8 @@
           </a:p>
         </p:txBody>
       </p:sp>
-      <mc:AlternateContent xmlns:mc="http://schemas.openxmlformats.org/markup-compatibility/2006">
-        <mc:Choice xmlns:a14="http://schemas.microsoft.com/office/drawing/2010/main" Requires="a14">
+      <mc:AlternateContent xmlns:mc="http://schemas.openxmlformats.org/markup-compatibility/2006" xmlns:a14="http://schemas.microsoft.com/office/drawing/2010/main">
+        <mc:Choice Requires="a14">
           <p:sp>
             <p:nvSpPr>
               <p:cNvPr id="3" name="Content Placeholder 2">
@@ -26390,7 +29812,7 @@
             </p:txBody>
           </p:sp>
         </mc:Choice>
-        <mc:Fallback>
+        <mc:Fallback xmlns="">
           <p:sp>
             <p:nvSpPr>
               <p:cNvPr id="3" name="Content Placeholder 2">
@@ -26829,8 +30251,8 @@
           </a:p>
         </p:txBody>
       </p:sp>
-      <mc:AlternateContent xmlns:mc="http://schemas.openxmlformats.org/markup-compatibility/2006">
-        <mc:Choice xmlns:a14="http://schemas.microsoft.com/office/drawing/2010/main" Requires="a14">
+      <mc:AlternateContent xmlns:mc="http://schemas.openxmlformats.org/markup-compatibility/2006" xmlns:a14="http://schemas.microsoft.com/office/drawing/2010/main">
+        <mc:Choice Requires="a14">
           <p:sp>
             <p:nvSpPr>
               <p:cNvPr id="21" name="TextBox 20">
@@ -26892,7 +30314,7 @@
             </p:txBody>
           </p:sp>
         </mc:Choice>
-        <mc:Fallback>
+        <mc:Fallback xmlns="">
           <p:sp>
             <p:nvSpPr>
               <p:cNvPr id="21" name="TextBox 20">
@@ -27269,8 +30691,8 @@
           </a:fontRef>
         </p:style>
       </p:cxnSp>
-      <mc:AlternateContent xmlns:mc="http://schemas.openxmlformats.org/markup-compatibility/2006">
-        <mc:Choice xmlns:a14="http://schemas.microsoft.com/office/drawing/2010/main" Requires="a14">
+      <mc:AlternateContent xmlns:mc="http://schemas.openxmlformats.org/markup-compatibility/2006" xmlns:a14="http://schemas.microsoft.com/office/drawing/2010/main">
+        <mc:Choice Requires="a14">
           <p:sp>
             <p:nvSpPr>
               <p:cNvPr id="38" name="TextBox 37">
@@ -27390,7 +30812,7 @@
             </p:txBody>
           </p:sp>
         </mc:Choice>
-        <mc:Fallback>
+        <mc:Fallback xmlns="">
           <p:sp>
             <p:nvSpPr>
               <p:cNvPr id="38" name="TextBox 37">
@@ -27689,8 +31111,8 @@
           </a:fontRef>
         </p:style>
       </p:cxnSp>
-      <mc:AlternateContent xmlns:mc="http://schemas.openxmlformats.org/markup-compatibility/2006">
-        <mc:Choice xmlns:a14="http://schemas.microsoft.com/office/drawing/2010/main" Requires="a14">
+      <mc:AlternateContent xmlns:mc="http://schemas.openxmlformats.org/markup-compatibility/2006" xmlns:a14="http://schemas.microsoft.com/office/drawing/2010/main">
+        <mc:Choice Requires="a14">
           <p:sp>
             <p:nvSpPr>
               <p:cNvPr id="58" name="TextBox 57">
@@ -27796,7 +31218,7 @@
             </p:txBody>
           </p:sp>
         </mc:Choice>
-        <mc:Fallback>
+        <mc:Fallback xmlns="">
           <p:sp>
             <p:nvSpPr>
               <p:cNvPr id="58" name="TextBox 57">
@@ -27841,8 +31263,8 @@
           </p:sp>
         </mc:Fallback>
       </mc:AlternateContent>
-      <mc:AlternateContent xmlns:mc="http://schemas.openxmlformats.org/markup-compatibility/2006">
-        <mc:Choice xmlns:a14="http://schemas.microsoft.com/office/drawing/2010/main" Requires="a14">
+      <mc:AlternateContent xmlns:mc="http://schemas.openxmlformats.org/markup-compatibility/2006" xmlns:a14="http://schemas.microsoft.com/office/drawing/2010/main">
+        <mc:Choice Requires="a14">
           <p:sp>
             <p:nvSpPr>
               <p:cNvPr id="63" name="TextBox 62">
@@ -27899,7 +31321,7 @@
             </p:txBody>
           </p:sp>
         </mc:Choice>
-        <mc:Fallback>
+        <mc:Fallback xmlns="">
           <p:sp>
             <p:nvSpPr>
               <p:cNvPr id="63" name="TextBox 62">
@@ -28002,8 +31424,8 @@
           </a:p>
         </p:txBody>
       </p:sp>
-      <mc:AlternateContent xmlns:mc="http://schemas.openxmlformats.org/markup-compatibility/2006">
-        <mc:Choice xmlns:a14="http://schemas.microsoft.com/office/drawing/2010/main" Requires="a14">
+      <mc:AlternateContent xmlns:mc="http://schemas.openxmlformats.org/markup-compatibility/2006" xmlns:a14="http://schemas.microsoft.com/office/drawing/2010/main">
+        <mc:Choice Requires="a14">
           <p:sp>
             <p:nvSpPr>
               <p:cNvPr id="3" name="Content Placeholder 2">
@@ -28086,7 +31508,7 @@
             </p:txBody>
           </p:sp>
         </mc:Choice>
-        <mc:Fallback>
+        <mc:Fallback xmlns="">
           <p:sp>
             <p:nvSpPr>
               <p:cNvPr id="3" name="Content Placeholder 2">
@@ -28247,8 +31669,8 @@
           </a:p>
         </p:txBody>
       </p:sp>
-      <mc:AlternateContent xmlns:mc="http://schemas.openxmlformats.org/markup-compatibility/2006">
-        <mc:Choice xmlns:a14="http://schemas.microsoft.com/office/drawing/2010/main" Requires="a14">
+      <mc:AlternateContent xmlns:mc="http://schemas.openxmlformats.org/markup-compatibility/2006" xmlns:a14="http://schemas.microsoft.com/office/drawing/2010/main">
+        <mc:Choice Requires="a14">
           <p:sp>
             <p:nvSpPr>
               <p:cNvPr id="3" name="Content Placeholder 2">
@@ -28520,7 +31942,7 @@
                         <m:sSub>
                           <m:sSubPr>
                             <m:ctrlPr>
-                              <a:rPr lang="en-US" b="0" i="0" smtClean="0">
+                              <a:rPr lang="en-US" b="0" i="1" smtClean="0">
                                 <a:latin typeface="Cambria Math" panose="02040503050406030204" pitchFamily="18" charset="0"/>
                               </a:rPr>
                             </m:ctrlPr>
@@ -28595,7 +32017,7 @@
                     <m:sSub>
                       <m:sSubPr>
                         <m:ctrlPr>
-                          <a:rPr lang="en-US" b="0" i="0" smtClean="0">
+                          <a:rPr lang="en-US" b="0" i="1" smtClean="0">
                             <a:latin typeface="Cambria Math" panose="02040503050406030204" pitchFamily="18" charset="0"/>
                           </a:rPr>
                         </m:ctrlPr>
@@ -28702,7 +32124,7 @@
                     <m:sSub>
                       <m:sSubPr>
                         <m:ctrlPr>
-                          <a:rPr lang="en-US" b="0" i="0" smtClean="0">
+                          <a:rPr lang="en-US" b="0" i="1" smtClean="0">
                             <a:latin typeface="Cambria Math" panose="02040503050406030204" pitchFamily="18" charset="0"/>
                           </a:rPr>
                         </m:ctrlPr>
@@ -28901,7 +32323,7 @@
             </p:txBody>
           </p:sp>
         </mc:Choice>
-        <mc:Fallback>
+        <mc:Fallback xmlns="">
           <p:sp>
             <p:nvSpPr>
               <p:cNvPr id="3" name="Content Placeholder 2">
@@ -29752,8 +33174,8 @@
           </a:p>
         </p:txBody>
       </p:sp>
-      <mc:AlternateContent xmlns:mc="http://schemas.openxmlformats.org/markup-compatibility/2006">
-        <mc:Choice xmlns:a14="http://schemas.microsoft.com/office/drawing/2010/main" Requires="a14">
+      <mc:AlternateContent xmlns:mc="http://schemas.openxmlformats.org/markup-compatibility/2006" xmlns:a14="http://schemas.microsoft.com/office/drawing/2010/main">
+        <mc:Choice Requires="a14">
           <p:sp>
             <p:nvSpPr>
               <p:cNvPr id="3" name="Content Placeholder 2">
@@ -31076,7 +34498,7 @@
             </p:txBody>
           </p:sp>
         </mc:Choice>
-        <mc:Fallback>
+        <mc:Fallback xmlns="">
           <p:sp>
             <p:nvSpPr>
               <p:cNvPr id="3" name="Content Placeholder 2">
@@ -31207,8 +34629,8 @@
           </a:p>
         </p:txBody>
       </p:sp>
-      <mc:AlternateContent xmlns:mc="http://schemas.openxmlformats.org/markup-compatibility/2006">
-        <mc:Choice xmlns:a14="http://schemas.microsoft.com/office/drawing/2010/main" Requires="a14">
+      <mc:AlternateContent xmlns:mc="http://schemas.openxmlformats.org/markup-compatibility/2006" xmlns:a14="http://schemas.microsoft.com/office/drawing/2010/main">
+        <mc:Choice Requires="a14">
           <p:sp>
             <p:nvSpPr>
               <p:cNvPr id="3" name="Content Placeholder 2">
@@ -31803,13 +35225,7 @@
                                   <a:rPr lang="en-US" i="1">
                                     <a:latin typeface="Cambria Math" panose="02040503050406030204" pitchFamily="18" charset="0"/>
                                   </a:rPr>
-                                  <m:t>=</m:t>
-                                </m:r>
-                                <m:r>
-                                  <a:rPr lang="en-US" i="1">
-                                    <a:latin typeface="Cambria Math" panose="02040503050406030204" pitchFamily="18" charset="0"/>
-                                  </a:rPr>
-                                  <m:t>0</m:t>
+                                  <m:t>=0</m:t>
                                 </m:r>
                               </m:e>
                             </m:d>
@@ -32764,7 +36180,7 @@
             </p:txBody>
           </p:sp>
         </mc:Choice>
-        <mc:Fallback>
+        <mc:Fallback xmlns="">
           <p:sp>
             <p:nvSpPr>
               <p:cNvPr id="3" name="Content Placeholder 2">
@@ -33112,8 +36528,8 @@
           </a:p>
         </p:txBody>
       </p:sp>
-      <mc:AlternateContent xmlns:mc="http://schemas.openxmlformats.org/markup-compatibility/2006">
-        <mc:Choice xmlns:a14="http://schemas.microsoft.com/office/drawing/2010/main" Requires="a14">
+      <mc:AlternateContent xmlns:mc="http://schemas.openxmlformats.org/markup-compatibility/2006" xmlns:a14="http://schemas.microsoft.com/office/drawing/2010/main">
+        <mc:Choice Requires="a14">
           <p:sp>
             <p:nvSpPr>
               <p:cNvPr id="4" name="Content Placeholder 3"/>
@@ -33244,7 +36660,7 @@
             </p:txBody>
           </p:sp>
         </mc:Choice>
-        <mc:Fallback>
+        <mc:Fallback xmlns="">
           <p:sp>
             <p:nvSpPr>
               <p:cNvPr id="4" name="Content Placeholder 3"/>
@@ -33328,8 +36744,8 @@
           </a:p>
         </p:txBody>
       </p:sp>
-      <mc:AlternateContent xmlns:mc="http://schemas.openxmlformats.org/markup-compatibility/2006">
-        <mc:Choice xmlns:a14="http://schemas.microsoft.com/office/drawing/2010/main" Requires="a14">
+      <mc:AlternateContent xmlns:mc="http://schemas.openxmlformats.org/markup-compatibility/2006" xmlns:a14="http://schemas.microsoft.com/office/drawing/2010/main">
+        <mc:Choice Requires="a14">
           <p:sp>
             <p:nvSpPr>
               <p:cNvPr id="6" name="TextBox 5"/>
@@ -33373,7 +36789,7 @@
             </p:txBody>
           </p:sp>
         </mc:Choice>
-        <mc:Fallback>
+        <mc:Fallback xmlns="">
           <p:sp>
             <p:nvSpPr>
               <p:cNvPr id="6" name="TextBox 5"/>
@@ -33598,8 +37014,8 @@
           </a:fontRef>
         </p:style>
       </p:cxnSp>
-      <mc:AlternateContent xmlns:mc="http://schemas.openxmlformats.org/markup-compatibility/2006">
-        <mc:Choice xmlns:a14="http://schemas.microsoft.com/office/drawing/2010/main" Requires="a14">
+      <mc:AlternateContent xmlns:mc="http://schemas.openxmlformats.org/markup-compatibility/2006" xmlns:a14="http://schemas.microsoft.com/office/drawing/2010/main">
+        <mc:Choice Requires="a14">
           <p:sp>
             <p:nvSpPr>
               <p:cNvPr id="58" name="TextBox 57"/>
@@ -33662,7 +37078,7 @@
             </p:txBody>
           </p:sp>
         </mc:Choice>
-        <mc:Fallback>
+        <mc:Fallback xmlns="">
           <p:sp>
             <p:nvSpPr>
               <p:cNvPr id="58" name="TextBox 57"/>
@@ -33729,7 +37145,6 @@
           </a:bodyPr>
           <a:lstStyle/>
           <a:p>
-            <a:pPr/>
             <a:r>
               <a:rPr lang="en-US" dirty="0"/>
               <a:t>LLRs</a:t>
@@ -34080,8 +37495,8 @@
           </a:p>
         </p:txBody>
       </p:sp>
-      <mc:AlternateContent xmlns:mc="http://schemas.openxmlformats.org/markup-compatibility/2006">
-        <mc:Choice xmlns:a14="http://schemas.microsoft.com/office/drawing/2010/main" Requires="a14">
+      <mc:AlternateContent xmlns:mc="http://schemas.openxmlformats.org/markup-compatibility/2006" xmlns:a14="http://schemas.microsoft.com/office/drawing/2010/main">
+        <mc:Choice Requires="a14">
           <p:sp>
             <p:nvSpPr>
               <p:cNvPr id="59" name="TextBox 58">
@@ -34131,7 +37546,7 @@
             </p:txBody>
           </p:sp>
         </mc:Choice>
-        <mc:Fallback>
+        <mc:Fallback xmlns="">
           <p:sp>
             <p:nvSpPr>
               <p:cNvPr id="59" name="TextBox 58">
@@ -34312,8 +37727,8 @@
           </a:p>
         </p:txBody>
       </p:sp>
-      <mc:AlternateContent xmlns:mc="http://schemas.openxmlformats.org/markup-compatibility/2006">
-        <mc:Choice xmlns:a14="http://schemas.microsoft.com/office/drawing/2010/main" Requires="a14">
+      <mc:AlternateContent xmlns:mc="http://schemas.openxmlformats.org/markup-compatibility/2006" xmlns:a14="http://schemas.microsoft.com/office/drawing/2010/main">
+        <mc:Choice Requires="a14">
           <p:sp>
             <p:nvSpPr>
               <p:cNvPr id="66" name="TextBox 65">
@@ -34382,7 +37797,7 @@
             </p:txBody>
           </p:sp>
         </mc:Choice>
-        <mc:Fallback>
+        <mc:Fallback xmlns="">
           <p:sp>
             <p:nvSpPr>
               <p:cNvPr id="66" name="TextBox 65">
@@ -34800,7 +38215,6 @@
           </a:bodyPr>
           <a:lstStyle/>
           <a:p>
-            <a:pPr/>
             <a:r>
               <a:rPr lang="en-US" sz="1600" dirty="0"/>
               <a:t>Add LLRs</a:t>
@@ -34884,8 +38298,8 @@
           </a:p>
         </p:txBody>
       </p:sp>
-      <mc:AlternateContent xmlns:mc="http://schemas.openxmlformats.org/markup-compatibility/2006">
-        <mc:Choice xmlns:a14="http://schemas.microsoft.com/office/drawing/2010/main" Requires="a14">
+      <mc:AlternateContent xmlns:mc="http://schemas.openxmlformats.org/markup-compatibility/2006" xmlns:a14="http://schemas.microsoft.com/office/drawing/2010/main">
+        <mc:Choice Requires="a14">
           <p:sp>
             <p:nvSpPr>
               <p:cNvPr id="4" name="Content Placeholder 3"/>
@@ -35263,7 +38677,7 @@
             </p:txBody>
           </p:sp>
         </mc:Choice>
-        <mc:Fallback>
+        <mc:Fallback xmlns="">
           <p:sp>
             <p:nvSpPr>
               <p:cNvPr id="4" name="Content Placeholder 3"/>
@@ -35326,8 +38740,8 @@
           </a:prstGeom>
         </p:spPr>
       </p:pic>
-      <mc:AlternateContent xmlns:mc="http://schemas.openxmlformats.org/markup-compatibility/2006">
-        <mc:Choice xmlns:a14="http://schemas.microsoft.com/office/drawing/2010/main" Requires="a14">
+      <mc:AlternateContent xmlns:mc="http://schemas.openxmlformats.org/markup-compatibility/2006" xmlns:a14="http://schemas.microsoft.com/office/drawing/2010/main">
+        <mc:Choice Requires="a14">
           <p:sp>
             <p:nvSpPr>
               <p:cNvPr id="6" name="TextBox 5">
@@ -35395,7 +38809,7 @@
             </p:txBody>
           </p:sp>
         </mc:Choice>
-        <mc:Fallback>
+        <mc:Fallback xmlns="">
           <p:sp>
             <p:nvSpPr>
               <p:cNvPr id="6" name="TextBox 5">
@@ -35440,8 +38854,8 @@
           </p:sp>
         </mc:Fallback>
       </mc:AlternateContent>
-      <mc:AlternateContent xmlns:mc="http://schemas.openxmlformats.org/markup-compatibility/2006">
-        <mc:Choice xmlns:a14="http://schemas.microsoft.com/office/drawing/2010/main" Requires="a14">
+      <mc:AlternateContent xmlns:mc="http://schemas.openxmlformats.org/markup-compatibility/2006" xmlns:a14="http://schemas.microsoft.com/office/drawing/2010/main">
+        <mc:Choice Requires="a14">
           <p:sp>
             <p:nvSpPr>
               <p:cNvPr id="7" name="TextBox 6">
@@ -35540,7 +38954,7 @@
             </p:txBody>
           </p:sp>
         </mc:Choice>
-        <mc:Fallback>
+        <mc:Fallback xmlns="">
           <p:sp>
             <p:nvSpPr>
               <p:cNvPr id="7" name="TextBox 6">
@@ -35661,8 +39075,8 @@
           </a:p>
         </p:txBody>
       </p:sp>
-      <mc:AlternateContent xmlns:mc="http://schemas.openxmlformats.org/markup-compatibility/2006">
-        <mc:Choice xmlns:a14="http://schemas.microsoft.com/office/drawing/2010/main" Requires="a14">
+      <mc:AlternateContent xmlns:mc="http://schemas.openxmlformats.org/markup-compatibility/2006" xmlns:a14="http://schemas.microsoft.com/office/drawing/2010/main">
+        <mc:Choice Requires="a14">
           <p:sp>
             <p:nvSpPr>
               <p:cNvPr id="4" name="Content Placeholder 3"/>
@@ -36685,16 +40099,7 @@
                             </a:solidFill>
                             <a:latin typeface="Cambria Math" panose="02040503050406030204" pitchFamily="18" charset="0"/>
                           </a:rPr>
-                          <m:t>=</m:t>
-                        </m:r>
-                        <m:r>
-                          <a:rPr lang="en-US" b="0" i="1" smtClean="0">
-                            <a:solidFill>
-                              <a:schemeClr val="tx1"/>
-                            </a:solidFill>
-                            <a:latin typeface="Cambria Math" panose="02040503050406030204" pitchFamily="18" charset="0"/>
-                          </a:rPr>
-                          <m:t>1</m:t>
+                          <m:t>=1</m:t>
                         </m:r>
                       </m:e>
                     </m:d>
@@ -36788,7 +40193,7 @@
             </p:txBody>
           </p:sp>
         </mc:Choice>
-        <mc:Fallback>
+        <mc:Fallback xmlns="">
           <p:sp>
             <p:nvSpPr>
               <p:cNvPr id="4" name="Content Placeholder 3"/>
@@ -36898,8 +40303,8 @@
           </a:p>
         </p:txBody>
       </p:sp>
-      <mc:AlternateContent xmlns:mc="http://schemas.openxmlformats.org/markup-compatibility/2006">
-        <mc:Choice xmlns:a14="http://schemas.microsoft.com/office/drawing/2010/main" Requires="a14">
+      <mc:AlternateContent xmlns:mc="http://schemas.openxmlformats.org/markup-compatibility/2006" xmlns:a14="http://schemas.microsoft.com/office/drawing/2010/main">
+        <mc:Choice Requires="a14">
           <p:sp>
             <p:nvSpPr>
               <p:cNvPr id="4" name="Content Placeholder 3"/>
@@ -37561,7 +40966,7 @@
             </p:txBody>
           </p:sp>
         </mc:Choice>
-        <mc:Fallback>
+        <mc:Fallback xmlns="">
           <p:sp>
             <p:nvSpPr>
               <p:cNvPr id="4" name="Content Placeholder 3"/>
@@ -37675,8 +41080,8 @@
           </a:p>
         </p:txBody>
       </p:sp>
-      <mc:AlternateContent xmlns:mc="http://schemas.openxmlformats.org/markup-compatibility/2006">
-        <mc:Choice xmlns:a14="http://schemas.microsoft.com/office/drawing/2010/main" Requires="a14">
+      <mc:AlternateContent xmlns:mc="http://schemas.openxmlformats.org/markup-compatibility/2006" xmlns:a14="http://schemas.microsoft.com/office/drawing/2010/main">
+        <mc:Choice Requires="a14">
           <p:sp>
             <p:nvSpPr>
               <p:cNvPr id="4" name="Content Placeholder 3"/>
@@ -38134,7 +41539,7 @@
             </p:txBody>
           </p:sp>
         </mc:Choice>
-        <mc:Fallback>
+        <mc:Fallback xmlns="">
           <p:sp>
             <p:nvSpPr>
               <p:cNvPr id="4" name="Content Placeholder 3"/>
@@ -38508,8 +41913,8 @@
           </a:fontRef>
         </p:style>
       </p:cxnSp>
-      <mc:AlternateContent xmlns:mc="http://schemas.openxmlformats.org/markup-compatibility/2006">
-        <mc:Choice xmlns:a14="http://schemas.microsoft.com/office/drawing/2010/main" Requires="a14">
+      <mc:AlternateContent xmlns:mc="http://schemas.openxmlformats.org/markup-compatibility/2006" xmlns:a14="http://schemas.microsoft.com/office/drawing/2010/main">
+        <mc:Choice Requires="a14">
           <p:sp>
             <p:nvSpPr>
               <p:cNvPr id="116" name="Content Placeholder 3"/>
@@ -38670,7 +42075,7 @@
             </p:txBody>
           </p:sp>
         </mc:Choice>
-        <mc:Fallback>
+        <mc:Fallback xmlns="">
           <p:sp>
             <p:nvSpPr>
               <p:cNvPr id="116" name="Content Placeholder 3"/>
@@ -38708,8 +42113,8 @@
           </p:sp>
         </mc:Fallback>
       </mc:AlternateContent>
-      <mc:AlternateContent xmlns:mc="http://schemas.openxmlformats.org/markup-compatibility/2006">
-        <mc:Choice xmlns:a14="http://schemas.microsoft.com/office/drawing/2010/main" Requires="a14">
+      <mc:AlternateContent xmlns:mc="http://schemas.openxmlformats.org/markup-compatibility/2006" xmlns:a14="http://schemas.microsoft.com/office/drawing/2010/main">
+        <mc:Choice Requires="a14">
           <p:sp>
             <p:nvSpPr>
               <p:cNvPr id="119" name="TextBox 118"/>
@@ -38750,7 +42155,7 @@
             </p:txBody>
           </p:sp>
         </mc:Choice>
-        <mc:Fallback>
+        <mc:Fallback xmlns="">
           <p:sp>
             <p:nvSpPr>
               <p:cNvPr id="119" name="TextBox 118"/>
@@ -39149,8 +42554,8 @@
           </a:fontRef>
         </p:style>
       </p:cxnSp>
-      <mc:AlternateContent xmlns:mc="http://schemas.openxmlformats.org/markup-compatibility/2006">
-        <mc:Choice xmlns:a14="http://schemas.microsoft.com/office/drawing/2010/main" Requires="a14">
+      <mc:AlternateContent xmlns:mc="http://schemas.openxmlformats.org/markup-compatibility/2006" xmlns:a14="http://schemas.microsoft.com/office/drawing/2010/main">
+        <mc:Choice Requires="a14">
           <p:sp>
             <p:nvSpPr>
               <p:cNvPr id="50" name="TextBox 49"/>
@@ -39198,7 +42603,7 @@
             </p:txBody>
           </p:sp>
         </mc:Choice>
-        <mc:Fallback>
+        <mc:Fallback xmlns="">
           <p:sp>
             <p:nvSpPr>
               <p:cNvPr id="50" name="TextBox 49"/>
@@ -39237,8 +42642,8 @@
           </p:sp>
         </mc:Fallback>
       </mc:AlternateContent>
-      <mc:AlternateContent xmlns:mc="http://schemas.openxmlformats.org/markup-compatibility/2006">
-        <mc:Choice xmlns:a14="http://schemas.microsoft.com/office/drawing/2010/main" Requires="a14">
+      <mc:AlternateContent xmlns:mc="http://schemas.openxmlformats.org/markup-compatibility/2006" xmlns:a14="http://schemas.microsoft.com/office/drawing/2010/main">
+        <mc:Choice Requires="a14">
           <p:sp>
             <p:nvSpPr>
               <p:cNvPr id="51" name="TextBox 50"/>
@@ -39319,7 +42724,7 @@
             </p:txBody>
           </p:sp>
         </mc:Choice>
-        <mc:Fallback>
+        <mc:Fallback xmlns="">
           <p:sp>
             <p:nvSpPr>
               <p:cNvPr id="51" name="TextBox 50"/>
@@ -39358,8 +42763,8 @@
           </p:sp>
         </mc:Fallback>
       </mc:AlternateContent>
-      <mc:AlternateContent xmlns:mc="http://schemas.openxmlformats.org/markup-compatibility/2006">
-        <mc:Choice xmlns:a14="http://schemas.microsoft.com/office/drawing/2010/main" Requires="a14">
+      <mc:AlternateContent xmlns:mc="http://schemas.openxmlformats.org/markup-compatibility/2006" xmlns:a14="http://schemas.microsoft.com/office/drawing/2010/main">
+        <mc:Choice Requires="a14">
           <p:sp>
             <p:nvSpPr>
               <p:cNvPr id="52" name="TextBox 51"/>
@@ -39446,7 +42851,7 @@
             </p:txBody>
           </p:sp>
         </mc:Choice>
-        <mc:Fallback>
+        <mc:Fallback xmlns="">
           <p:sp>
             <p:nvSpPr>
               <p:cNvPr id="52" name="TextBox 51"/>
@@ -39485,8 +42890,8 @@
           </p:sp>
         </mc:Fallback>
       </mc:AlternateContent>
-      <mc:AlternateContent xmlns:mc="http://schemas.openxmlformats.org/markup-compatibility/2006">
-        <mc:Choice xmlns:a14="http://schemas.microsoft.com/office/drawing/2010/main" Requires="a14">
+      <mc:AlternateContent xmlns:mc="http://schemas.openxmlformats.org/markup-compatibility/2006" xmlns:a14="http://schemas.microsoft.com/office/drawing/2010/main">
+        <mc:Choice Requires="a14">
           <p:sp>
             <p:nvSpPr>
               <p:cNvPr id="53" name="TextBox 52"/>
@@ -39573,7 +42978,7 @@
             </p:txBody>
           </p:sp>
         </mc:Choice>
-        <mc:Fallback>
+        <mc:Fallback xmlns="">
           <p:sp>
             <p:nvSpPr>
               <p:cNvPr id="53" name="TextBox 52"/>
@@ -39659,7 +43064,15 @@
           <a:p>
             <a:r>
               <a:rPr lang="en-US" dirty="0"/>
-              <a:t>IR Illustrated</a:t>
+              <a:t>Practical </a:t>
+            </a:r>
+            <a:r>
+              <a:rPr lang="en-US" dirty="0" err="1"/>
+              <a:t>Rateless</a:t>
+            </a:r>
+            <a:r>
+              <a:rPr lang="en-US" dirty="0"/>
+              <a:t> Codes</a:t>
             </a:r>
           </a:p>
         </p:txBody>
@@ -39690,1004 +43103,136 @@
       </p:sp>
       <p:sp>
         <p:nvSpPr>
-          <p:cNvPr id="10" name="TextBox 9"/>
+          <p:cNvPr id="4" name="Content Placeholder 3"/>
+          <p:cNvSpPr>
+            <a:spLocks noGrp="1"/>
+          </p:cNvSpPr>
+          <p:nvPr>
+            <p:ph sz="quarter" idx="1"/>
+          </p:nvPr>
+        </p:nvSpPr>
+        <p:spPr/>
+        <p:txBody>
+          <a:bodyPr/>
+          <a:lstStyle/>
+          <a:p>
+            <a:r>
+              <a:rPr lang="en-US" dirty="0"/>
+              <a:t>Incremental redundancy</a:t>
+            </a:r>
+          </a:p>
+          <a:p>
+            <a:pPr lvl="1"/>
+            <a:r>
+              <a:rPr lang="en-US" dirty="0"/>
+              <a:t>Code data with low rate “mother code” </a:t>
+            </a:r>
+            <a:br>
+              <a:rPr lang="en-US" dirty="0"/>
+            </a:br>
+            <a:r>
+              <a:rPr lang="en-US" dirty="0"/>
+              <a:t>(Usually rate 1/3 or 1/5)</a:t>
+            </a:r>
+          </a:p>
+          <a:p>
+            <a:pPr lvl="1"/>
+            <a:r>
+              <a:rPr lang="en-US" dirty="0"/>
+              <a:t>In first TX send systematic bits + some parity</a:t>
+            </a:r>
+          </a:p>
+          <a:p>
+            <a:pPr lvl="1"/>
+            <a:r>
+              <a:rPr lang="en-US" dirty="0"/>
+              <a:t>Decoder treats missing bits as erasures.</a:t>
+            </a:r>
+          </a:p>
+          <a:p>
+            <a:pPr lvl="1"/>
+            <a:r>
+              <a:rPr lang="en-US" dirty="0"/>
+              <a:t>If fail, TX sends more parity bits</a:t>
+            </a:r>
+          </a:p>
+          <a:p>
+            <a:pPr lvl="1"/>
+            <a:r>
+              <a:rPr lang="en-US" dirty="0"/>
+              <a:t>Continue until it passes</a:t>
+            </a:r>
+          </a:p>
+          <a:p>
+            <a:r>
+              <a:rPr lang="en-US" dirty="0"/>
+              <a:t>In 3GPP codes, each TX is called a </a:t>
+            </a:r>
+            <a:r>
+              <a:rPr lang="en-US" dirty="0">
+                <a:solidFill>
+                  <a:schemeClr val="accent1">
+                    <a:lumMod val="60000"/>
+                    <a:lumOff val="40000"/>
+                  </a:schemeClr>
+                </a:solidFill>
+              </a:rPr>
+              <a:t>redundancy version</a:t>
+            </a:r>
+          </a:p>
+          <a:p>
+            <a:r>
+              <a:rPr lang="en-US" dirty="0"/>
+              <a:t>First proposed by Mandelbaum 1974</a:t>
+            </a:r>
+          </a:p>
+        </p:txBody>
+      </p:sp>
+      <p:pic>
+        <p:nvPicPr>
+          <p:cNvPr id="6" name="Picture 5">
+            <a:extLst>
+              <a:ext uri="{FF2B5EF4-FFF2-40B4-BE49-F238E27FC236}">
+                <a16:creationId xmlns:a16="http://schemas.microsoft.com/office/drawing/2014/main" id="{291081D5-602B-4A8E-83CB-BBA75149B070}"/>
+              </a:ext>
+            </a:extLst>
+          </p:cNvPr>
+          <p:cNvPicPr>
+            <a:picLocks noChangeAspect="1"/>
+          </p:cNvPicPr>
+          <p:nvPr/>
+        </p:nvPicPr>
+        <p:blipFill rotWithShape="1">
+          <a:blip r:embed="rId2"/>
+          <a:srcRect l="15674" t="27930"/>
+          <a:stretch/>
+        </p:blipFill>
+        <p:spPr>
+          <a:xfrm>
+            <a:off x="7035636" y="1771990"/>
+            <a:ext cx="4120044" cy="2770757"/>
+          </a:xfrm>
+          <a:prstGeom prst="rect">
+            <a:avLst/>
+          </a:prstGeom>
+        </p:spPr>
+      </p:pic>
+      <p:sp>
+        <p:nvSpPr>
+          <p:cNvPr id="7" name="TextBox 6">
+            <a:extLst>
+              <a:ext uri="{FF2B5EF4-FFF2-40B4-BE49-F238E27FC236}">
+                <a16:creationId xmlns:a16="http://schemas.microsoft.com/office/drawing/2014/main" id="{41CFDDB5-76EF-4367-83CB-A6DE20D564FC}"/>
+              </a:ext>
+            </a:extLst>
+          </p:cNvPr>
           <p:cNvSpPr txBox="1"/>
           <p:nvPr/>
         </p:nvSpPr>
         <p:spPr>
           <a:xfrm>
-            <a:off x="1797872" y="3326213"/>
-            <a:ext cx="826409" cy="307777"/>
-          </a:xfrm>
-          <a:prstGeom prst="rect">
-            <a:avLst/>
-          </a:prstGeom>
-          <a:noFill/>
-        </p:spPr>
-        <p:txBody>
-          <a:bodyPr wrap="square" rtlCol="0">
-            <a:spAutoFit/>
-          </a:bodyPr>
-          <a:lstStyle/>
-          <a:p>
-            <a:r>
-              <a:rPr lang="en-US" sz="1400" dirty="0"/>
-              <a:t>TX1</a:t>
-            </a:r>
-          </a:p>
-        </p:txBody>
-      </p:sp>
-      <p:sp>
-        <p:nvSpPr>
-          <p:cNvPr id="11" name="TextBox 10"/>
-          <p:cNvSpPr txBox="1"/>
-          <p:nvPr/>
-        </p:nvSpPr>
-        <p:spPr>
-          <a:xfrm>
-            <a:off x="2892525" y="3986314"/>
-            <a:ext cx="922692" cy="523220"/>
-          </a:xfrm>
-          <a:prstGeom prst="rect">
-            <a:avLst/>
-          </a:prstGeom>
-          <a:noFill/>
-        </p:spPr>
-        <p:txBody>
-          <a:bodyPr wrap="square" rtlCol="0">
-            <a:spAutoFit/>
-          </a:bodyPr>
-          <a:lstStyle/>
-          <a:p>
-            <a:r>
-              <a:rPr lang="en-US" sz="1400" dirty="0"/>
-              <a:t>Decode w/ part 1</a:t>
-            </a:r>
-          </a:p>
-        </p:txBody>
-      </p:sp>
-      <p:sp>
-        <p:nvSpPr>
-          <p:cNvPr id="59" name="Rectangle 58"/>
-          <p:cNvSpPr/>
-          <p:nvPr/>
-        </p:nvSpPr>
-        <p:spPr>
-          <a:xfrm>
-            <a:off x="2117428" y="1650554"/>
-            <a:ext cx="1356056" cy="319953"/>
-          </a:xfrm>
-          <a:prstGeom prst="rect">
-            <a:avLst/>
-          </a:prstGeom>
-          <a:solidFill>
-            <a:schemeClr val="accent3">
-              <a:lumMod val="50000"/>
-            </a:schemeClr>
-          </a:solidFill>
-        </p:spPr>
-        <p:style>
-          <a:lnRef idx="2">
-            <a:schemeClr val="accent1">
-              <a:shade val="50000"/>
-            </a:schemeClr>
-          </a:lnRef>
-          <a:fillRef idx="1">
-            <a:schemeClr val="accent1"/>
-          </a:fillRef>
-          <a:effectRef idx="0">
-            <a:schemeClr val="accent1"/>
-          </a:effectRef>
-          <a:fontRef idx="minor">
-            <a:schemeClr val="lt1"/>
-          </a:fontRef>
-        </p:style>
-        <p:txBody>
-          <a:bodyPr rtlCol="0" anchor="ctr"/>
-          <a:lstStyle/>
-          <a:p>
-            <a:pPr algn="ctr"/>
-            <a:endParaRPr lang="en-US"/>
-          </a:p>
-        </p:txBody>
-      </p:sp>
-      <p:sp>
-        <p:nvSpPr>
-          <p:cNvPr id="60" name="Rectangle 59"/>
-          <p:cNvSpPr/>
-          <p:nvPr/>
-        </p:nvSpPr>
-        <p:spPr>
-          <a:xfrm>
-            <a:off x="2103857" y="1656976"/>
-            <a:ext cx="432816" cy="307109"/>
-          </a:xfrm>
-          <a:prstGeom prst="rect">
-            <a:avLst/>
-          </a:prstGeom>
-          <a:solidFill>
-            <a:schemeClr val="accent3">
-              <a:lumMod val="20000"/>
-              <a:lumOff val="80000"/>
-            </a:schemeClr>
-          </a:solidFill>
-        </p:spPr>
-        <p:style>
-          <a:lnRef idx="2">
-            <a:schemeClr val="accent1">
-              <a:shade val="50000"/>
-            </a:schemeClr>
-          </a:lnRef>
-          <a:fillRef idx="1">
-            <a:schemeClr val="accent1"/>
-          </a:fillRef>
-          <a:effectRef idx="0">
-            <a:schemeClr val="accent1"/>
-          </a:effectRef>
-          <a:fontRef idx="minor">
-            <a:schemeClr val="lt1"/>
-          </a:fontRef>
-        </p:style>
-        <p:txBody>
-          <a:bodyPr rtlCol="0" anchor="ctr"/>
-          <a:lstStyle/>
-          <a:p>
-            <a:pPr algn="ctr"/>
-            <a:endParaRPr lang="en-US"/>
-          </a:p>
-        </p:txBody>
-      </p:sp>
-      <p:sp>
-        <p:nvSpPr>
-          <p:cNvPr id="61" name="Rectangle 60"/>
-          <p:cNvSpPr/>
-          <p:nvPr/>
-        </p:nvSpPr>
-        <p:spPr>
-          <a:xfrm>
-            <a:off x="2528105" y="1654304"/>
-            <a:ext cx="432816" cy="307109"/>
-          </a:xfrm>
-          <a:prstGeom prst="rect">
-            <a:avLst/>
-          </a:prstGeom>
-          <a:solidFill>
-            <a:schemeClr val="accent3">
-              <a:lumMod val="60000"/>
-              <a:lumOff val="40000"/>
-            </a:schemeClr>
-          </a:solidFill>
-        </p:spPr>
-        <p:style>
-          <a:lnRef idx="2">
-            <a:schemeClr val="accent1">
-              <a:shade val="50000"/>
-            </a:schemeClr>
-          </a:lnRef>
-          <a:fillRef idx="1">
-            <a:schemeClr val="accent1"/>
-          </a:fillRef>
-          <a:effectRef idx="0">
-            <a:schemeClr val="accent1"/>
-          </a:effectRef>
-          <a:fontRef idx="minor">
-            <a:schemeClr val="lt1"/>
-          </a:fontRef>
-        </p:style>
-        <p:txBody>
-          <a:bodyPr rtlCol="0" anchor="ctr"/>
-          <a:lstStyle/>
-          <a:p>
-            <a:pPr algn="ctr"/>
-            <a:endParaRPr lang="en-US"/>
-          </a:p>
-        </p:txBody>
-      </p:sp>
-      <p:sp>
-        <p:nvSpPr>
-          <p:cNvPr id="65" name="Rectangle 64"/>
-          <p:cNvSpPr/>
-          <p:nvPr/>
-        </p:nvSpPr>
-        <p:spPr>
-          <a:xfrm>
-            <a:off x="2134532" y="4559950"/>
-            <a:ext cx="1356056" cy="319953"/>
-          </a:xfrm>
-          <a:prstGeom prst="rect">
-            <a:avLst/>
-          </a:prstGeom>
-          <a:noFill/>
-        </p:spPr>
-        <p:style>
-          <a:lnRef idx="2">
-            <a:schemeClr val="accent1">
-              <a:shade val="50000"/>
-            </a:schemeClr>
-          </a:lnRef>
-          <a:fillRef idx="1">
-            <a:schemeClr val="accent1"/>
-          </a:fillRef>
-          <a:effectRef idx="0">
-            <a:schemeClr val="accent1"/>
-          </a:effectRef>
-          <a:fontRef idx="minor">
-            <a:schemeClr val="lt1"/>
-          </a:fontRef>
-        </p:style>
-        <p:txBody>
-          <a:bodyPr rtlCol="0" anchor="ctr"/>
-          <a:lstStyle/>
-          <a:p>
-            <a:pPr algn="ctr"/>
-            <a:endParaRPr lang="en-US"/>
-          </a:p>
-        </p:txBody>
-      </p:sp>
-      <p:sp>
-        <p:nvSpPr>
-          <p:cNvPr id="66" name="Rectangle 65"/>
-          <p:cNvSpPr/>
-          <p:nvPr/>
-        </p:nvSpPr>
-        <p:spPr>
-          <a:xfrm>
-            <a:off x="2122721" y="4566372"/>
-            <a:ext cx="432816" cy="307109"/>
-          </a:xfrm>
-          <a:prstGeom prst="rect">
-            <a:avLst/>
-          </a:prstGeom>
-          <a:solidFill>
-            <a:schemeClr val="accent3">
-              <a:lumMod val="20000"/>
-              <a:lumOff val="80000"/>
-            </a:schemeClr>
-          </a:solidFill>
-        </p:spPr>
-        <p:style>
-          <a:lnRef idx="2">
-            <a:schemeClr val="accent1">
-              <a:shade val="50000"/>
-            </a:schemeClr>
-          </a:lnRef>
-          <a:fillRef idx="1">
-            <a:schemeClr val="accent1"/>
-          </a:fillRef>
-          <a:effectRef idx="0">
-            <a:schemeClr val="accent1"/>
-          </a:effectRef>
-          <a:fontRef idx="minor">
-            <a:schemeClr val="lt1"/>
-          </a:fontRef>
-        </p:style>
-        <p:txBody>
-          <a:bodyPr rtlCol="0" anchor="ctr"/>
-          <a:lstStyle/>
-          <a:p>
-            <a:pPr algn="ctr"/>
-            <a:endParaRPr lang="en-US"/>
-          </a:p>
-        </p:txBody>
-      </p:sp>
-      <p:cxnSp>
-        <p:nvCxnSpPr>
-          <p:cNvPr id="71" name="Straight Arrow Connector 70"/>
-          <p:cNvCxnSpPr/>
-          <p:nvPr/>
-        </p:nvCxnSpPr>
-        <p:spPr>
-          <a:xfrm>
-            <a:off x="2326937" y="2714452"/>
-            <a:ext cx="0" cy="1806414"/>
-          </a:xfrm>
-          <a:prstGeom prst="straightConnector1">
-            <a:avLst/>
-          </a:prstGeom>
-          <a:ln>
-            <a:tailEnd type="triangle"/>
-          </a:ln>
-        </p:spPr>
-        <p:style>
-          <a:lnRef idx="1">
-            <a:schemeClr val="accent1"/>
-          </a:lnRef>
-          <a:fillRef idx="0">
-            <a:schemeClr val="accent1"/>
-          </a:fillRef>
-          <a:effectRef idx="0">
-            <a:schemeClr val="accent1"/>
-          </a:effectRef>
-          <a:fontRef idx="minor">
-            <a:schemeClr val="tx1"/>
-          </a:fontRef>
-        </p:style>
-      </p:cxnSp>
-      <p:sp>
-        <p:nvSpPr>
-          <p:cNvPr id="73" name="Rectangle 72"/>
-          <p:cNvSpPr/>
-          <p:nvPr/>
-        </p:nvSpPr>
-        <p:spPr>
-          <a:xfrm>
-            <a:off x="4392543" y="4519787"/>
-            <a:ext cx="1356056" cy="319953"/>
-          </a:xfrm>
-          <a:prstGeom prst="rect">
-            <a:avLst/>
-          </a:prstGeom>
-          <a:noFill/>
-        </p:spPr>
-        <p:style>
-          <a:lnRef idx="2">
-            <a:schemeClr val="accent1">
-              <a:shade val="50000"/>
-            </a:schemeClr>
-          </a:lnRef>
-          <a:fillRef idx="1">
-            <a:schemeClr val="accent1"/>
-          </a:fillRef>
-          <a:effectRef idx="0">
-            <a:schemeClr val="accent1"/>
-          </a:effectRef>
-          <a:fontRef idx="minor">
-            <a:schemeClr val="lt1"/>
-          </a:fontRef>
-        </p:style>
-        <p:txBody>
-          <a:bodyPr rtlCol="0" anchor="ctr"/>
-          <a:lstStyle/>
-          <a:p>
-            <a:pPr algn="ctr"/>
-            <a:endParaRPr lang="en-US"/>
-          </a:p>
-        </p:txBody>
-      </p:sp>
-      <p:sp>
-        <p:nvSpPr>
-          <p:cNvPr id="74" name="Rectangle 73"/>
-          <p:cNvSpPr/>
-          <p:nvPr/>
-        </p:nvSpPr>
-        <p:spPr>
-          <a:xfrm>
-            <a:off x="4380732" y="4517859"/>
-            <a:ext cx="432816" cy="307109"/>
-          </a:xfrm>
-          <a:prstGeom prst="rect">
-            <a:avLst/>
-          </a:prstGeom>
-          <a:solidFill>
-            <a:schemeClr val="accent3">
-              <a:lumMod val="20000"/>
-              <a:lumOff val="80000"/>
-            </a:schemeClr>
-          </a:solidFill>
-        </p:spPr>
-        <p:style>
-          <a:lnRef idx="2">
-            <a:schemeClr val="accent1">
-              <a:shade val="50000"/>
-            </a:schemeClr>
-          </a:lnRef>
-          <a:fillRef idx="1">
-            <a:schemeClr val="accent1"/>
-          </a:fillRef>
-          <a:effectRef idx="0">
-            <a:schemeClr val="accent1"/>
-          </a:effectRef>
-          <a:fontRef idx="minor">
-            <a:schemeClr val="lt1"/>
-          </a:fontRef>
-        </p:style>
-        <p:txBody>
-          <a:bodyPr rtlCol="0" anchor="ctr"/>
-          <a:lstStyle/>
-          <a:p>
-            <a:pPr algn="ctr"/>
-            <a:endParaRPr lang="en-US"/>
-          </a:p>
-        </p:txBody>
-      </p:sp>
-      <p:cxnSp>
-        <p:nvCxnSpPr>
-          <p:cNvPr id="76" name="Straight Arrow Connector 75"/>
-          <p:cNvCxnSpPr/>
-          <p:nvPr/>
-        </p:nvCxnSpPr>
-        <p:spPr>
-          <a:xfrm>
-            <a:off x="5046937" y="2612436"/>
-            <a:ext cx="0" cy="1897098"/>
-          </a:xfrm>
-          <a:prstGeom prst="straightConnector1">
-            <a:avLst/>
-          </a:prstGeom>
-          <a:ln>
-            <a:tailEnd type="triangle"/>
-          </a:ln>
-        </p:spPr>
-        <p:style>
-          <a:lnRef idx="1">
-            <a:schemeClr val="accent1"/>
-          </a:lnRef>
-          <a:fillRef idx="0">
-            <a:schemeClr val="accent1"/>
-          </a:fillRef>
-          <a:effectRef idx="0">
-            <a:schemeClr val="accent1"/>
-          </a:effectRef>
-          <a:fontRef idx="minor">
-            <a:schemeClr val="tx1"/>
-          </a:fontRef>
-        </p:style>
-      </p:cxnSp>
-      <p:sp>
-        <p:nvSpPr>
-          <p:cNvPr id="81" name="Rectangle 80"/>
-          <p:cNvSpPr/>
-          <p:nvPr/>
-        </p:nvSpPr>
-        <p:spPr>
-          <a:xfrm>
-            <a:off x="4813548" y="4520867"/>
-            <a:ext cx="432816" cy="307109"/>
-          </a:xfrm>
-          <a:prstGeom prst="rect">
-            <a:avLst/>
-          </a:prstGeom>
-          <a:solidFill>
-            <a:schemeClr val="accent3">
-              <a:lumMod val="60000"/>
-              <a:lumOff val="40000"/>
-            </a:schemeClr>
-          </a:solidFill>
-        </p:spPr>
-        <p:style>
-          <a:lnRef idx="2">
-            <a:schemeClr val="accent1">
-              <a:shade val="50000"/>
-            </a:schemeClr>
-          </a:lnRef>
-          <a:fillRef idx="1">
-            <a:schemeClr val="accent1"/>
-          </a:fillRef>
-          <a:effectRef idx="0">
-            <a:schemeClr val="accent1"/>
-          </a:effectRef>
-          <a:fontRef idx="minor">
-            <a:schemeClr val="lt1"/>
-          </a:fontRef>
-        </p:style>
-        <p:txBody>
-          <a:bodyPr rtlCol="0" anchor="ctr"/>
-          <a:lstStyle/>
-          <a:p>
-            <a:pPr algn="ctr"/>
-            <a:endParaRPr lang="en-US"/>
-          </a:p>
-        </p:txBody>
-      </p:sp>
-      <p:sp>
-        <p:nvSpPr>
-          <p:cNvPr id="84" name="Arc 83"/>
-          <p:cNvSpPr/>
-          <p:nvPr/>
-        </p:nvSpPr>
-        <p:spPr>
-          <a:xfrm rot="10800000">
-            <a:off x="2294218" y="4455748"/>
-            <a:ext cx="3102758" cy="812415"/>
-          </a:xfrm>
-          <a:prstGeom prst="arc">
-            <a:avLst>
-              <a:gd name="adj1" fmla="val 10855096"/>
-              <a:gd name="adj2" fmla="val 0"/>
-            </a:avLst>
-          </a:prstGeom>
-          <a:ln>
-            <a:headEnd type="triangle"/>
-            <a:tailEnd type="none"/>
-          </a:ln>
-        </p:spPr>
-        <p:style>
-          <a:lnRef idx="1">
-            <a:schemeClr val="accent1"/>
-          </a:lnRef>
-          <a:fillRef idx="0">
-            <a:schemeClr val="accent1"/>
-          </a:fillRef>
-          <a:effectRef idx="0">
-            <a:schemeClr val="accent1"/>
-          </a:effectRef>
-          <a:fontRef idx="minor">
-            <a:schemeClr val="tx1"/>
-          </a:fontRef>
-        </p:style>
-        <p:txBody>
-          <a:bodyPr rtlCol="0" anchor="ctr"/>
-          <a:lstStyle/>
-          <a:p>
-            <a:pPr algn="ctr"/>
-            <a:endParaRPr lang="en-US"/>
-          </a:p>
-        </p:txBody>
-      </p:sp>
-      <p:sp>
-        <p:nvSpPr>
-          <p:cNvPr id="85" name="TextBox 84"/>
-          <p:cNvSpPr txBox="1"/>
-          <p:nvPr/>
-        </p:nvSpPr>
-        <p:spPr>
-          <a:xfrm>
-            <a:off x="3455588" y="5306415"/>
-            <a:ext cx="1694539" cy="369332"/>
-          </a:xfrm>
-          <a:prstGeom prst="rect">
-            <a:avLst/>
-          </a:prstGeom>
-          <a:noFill/>
-        </p:spPr>
-        <p:txBody>
-          <a:bodyPr wrap="square" rtlCol="0">
-            <a:spAutoFit/>
-          </a:bodyPr>
-          <a:lstStyle/>
-          <a:p>
-            <a:r>
-              <a:rPr lang="en-US" dirty="0"/>
-              <a:t>LLR buffer</a:t>
-            </a:r>
-          </a:p>
-        </p:txBody>
-      </p:sp>
-      <p:sp>
-        <p:nvSpPr>
-          <p:cNvPr id="89" name="Rectangle 88"/>
-          <p:cNvSpPr/>
-          <p:nvPr/>
-        </p:nvSpPr>
-        <p:spPr>
-          <a:xfrm>
-            <a:off x="2104900" y="2407344"/>
-            <a:ext cx="432816" cy="307109"/>
-          </a:xfrm>
-          <a:prstGeom prst="rect">
-            <a:avLst/>
-          </a:prstGeom>
-          <a:solidFill>
-            <a:schemeClr val="accent3">
-              <a:lumMod val="20000"/>
-              <a:lumOff val="80000"/>
-            </a:schemeClr>
-          </a:solidFill>
-        </p:spPr>
-        <p:style>
-          <a:lnRef idx="2">
-            <a:schemeClr val="accent1">
-              <a:shade val="50000"/>
-            </a:schemeClr>
-          </a:lnRef>
-          <a:fillRef idx="1">
-            <a:schemeClr val="accent1"/>
-          </a:fillRef>
-          <a:effectRef idx="0">
-            <a:schemeClr val="accent1"/>
-          </a:effectRef>
-          <a:fontRef idx="minor">
-            <a:schemeClr val="lt1"/>
-          </a:fontRef>
-        </p:style>
-        <p:txBody>
-          <a:bodyPr rtlCol="0" anchor="ctr"/>
-          <a:lstStyle/>
-          <a:p>
-            <a:pPr algn="ctr"/>
-            <a:endParaRPr lang="en-US"/>
-          </a:p>
-        </p:txBody>
-      </p:sp>
-      <p:sp>
-        <p:nvSpPr>
-          <p:cNvPr id="90" name="Rectangle 89"/>
-          <p:cNvSpPr/>
-          <p:nvPr/>
-        </p:nvSpPr>
-        <p:spPr>
-          <a:xfrm>
-            <a:off x="4830529" y="2407343"/>
-            <a:ext cx="432816" cy="307109"/>
-          </a:xfrm>
-          <a:prstGeom prst="rect">
-            <a:avLst/>
-          </a:prstGeom>
-          <a:solidFill>
-            <a:schemeClr val="accent3">
-              <a:lumMod val="60000"/>
-              <a:lumOff val="40000"/>
-            </a:schemeClr>
-          </a:solidFill>
-        </p:spPr>
-        <p:style>
-          <a:lnRef idx="2">
-            <a:schemeClr val="accent1">
-              <a:shade val="50000"/>
-            </a:schemeClr>
-          </a:lnRef>
-          <a:fillRef idx="1">
-            <a:schemeClr val="accent1"/>
-          </a:fillRef>
-          <a:effectRef idx="0">
-            <a:schemeClr val="accent1"/>
-          </a:effectRef>
-          <a:fontRef idx="minor">
-            <a:schemeClr val="lt1"/>
-          </a:fontRef>
-        </p:style>
-        <p:txBody>
-          <a:bodyPr rtlCol="0" anchor="ctr"/>
-          <a:lstStyle/>
-          <a:p>
-            <a:pPr algn="ctr"/>
-            <a:endParaRPr lang="en-US"/>
-          </a:p>
-        </p:txBody>
-      </p:sp>
-      <p:cxnSp>
-        <p:nvCxnSpPr>
-          <p:cNvPr id="94" name="Straight Arrow Connector 93"/>
-          <p:cNvCxnSpPr>
-            <a:stCxn id="60" idx="2"/>
-          </p:cNvCxnSpPr>
-          <p:nvPr/>
-        </p:nvCxnSpPr>
-        <p:spPr>
-          <a:xfrm flipH="1">
-            <a:off x="2315827" y="1964084"/>
-            <a:ext cx="4439" cy="625274"/>
-          </a:xfrm>
-          <a:prstGeom prst="straightConnector1">
-            <a:avLst/>
-          </a:prstGeom>
-          <a:ln>
-            <a:tailEnd type="triangle"/>
-          </a:ln>
-        </p:spPr>
-        <p:style>
-          <a:lnRef idx="1">
-            <a:schemeClr val="accent1"/>
-          </a:lnRef>
-          <a:fillRef idx="0">
-            <a:schemeClr val="accent1"/>
-          </a:fillRef>
-          <a:effectRef idx="0">
-            <a:schemeClr val="accent1"/>
-          </a:effectRef>
-          <a:fontRef idx="minor">
-            <a:schemeClr val="tx1"/>
-          </a:fontRef>
-        </p:style>
-      </p:cxnSp>
-      <p:cxnSp>
-        <p:nvCxnSpPr>
-          <p:cNvPr id="98" name="Straight Arrow Connector 97"/>
-          <p:cNvCxnSpPr/>
-          <p:nvPr/>
-        </p:nvCxnSpPr>
-        <p:spPr>
-          <a:xfrm flipV="1">
-            <a:off x="3865604" y="2714454"/>
-            <a:ext cx="0" cy="2005473"/>
-          </a:xfrm>
-          <a:prstGeom prst="straightConnector1">
-            <a:avLst/>
-          </a:prstGeom>
-          <a:ln>
-            <a:tailEnd type="triangle"/>
-          </a:ln>
-        </p:spPr>
-        <p:style>
-          <a:lnRef idx="1">
-            <a:schemeClr val="accent1"/>
-          </a:lnRef>
-          <a:fillRef idx="0">
-            <a:schemeClr val="accent1"/>
-          </a:fillRef>
-          <a:effectRef idx="0">
-            <a:schemeClr val="accent1"/>
-          </a:effectRef>
-          <a:fontRef idx="minor">
-            <a:schemeClr val="tx1"/>
-          </a:fontRef>
-        </p:style>
-      </p:cxnSp>
-      <p:cxnSp>
-        <p:nvCxnSpPr>
-          <p:cNvPr id="100" name="Straight Connector 99"/>
-          <p:cNvCxnSpPr/>
-          <p:nvPr/>
-        </p:nvCxnSpPr>
-        <p:spPr>
-          <a:xfrm>
-            <a:off x="1601768" y="2714451"/>
-            <a:ext cx="4988764" cy="2"/>
-          </a:xfrm>
-          <a:prstGeom prst="line">
-            <a:avLst/>
-          </a:prstGeom>
-        </p:spPr>
-        <p:style>
-          <a:lnRef idx="1">
-            <a:schemeClr val="accent1"/>
-          </a:lnRef>
-          <a:fillRef idx="0">
-            <a:schemeClr val="accent1"/>
-          </a:fillRef>
-          <a:effectRef idx="0">
-            <a:schemeClr val="accent1"/>
-          </a:effectRef>
-          <a:fontRef idx="minor">
-            <a:schemeClr val="tx1"/>
-          </a:fontRef>
-        </p:style>
-      </p:cxnSp>
-      <p:cxnSp>
-        <p:nvCxnSpPr>
-          <p:cNvPr id="102" name="Straight Connector 101"/>
-          <p:cNvCxnSpPr>
-            <a:stCxn id="65" idx="3"/>
-          </p:cNvCxnSpPr>
-          <p:nvPr/>
-        </p:nvCxnSpPr>
-        <p:spPr>
-          <a:xfrm flipV="1">
-            <a:off x="3490588" y="4719926"/>
-            <a:ext cx="375016" cy="1"/>
-          </a:xfrm>
-          <a:prstGeom prst="line">
-            <a:avLst/>
-          </a:prstGeom>
-        </p:spPr>
-        <p:style>
-          <a:lnRef idx="1">
-            <a:schemeClr val="accent1"/>
-          </a:lnRef>
-          <a:fillRef idx="0">
-            <a:schemeClr val="accent1"/>
-          </a:fillRef>
-          <a:effectRef idx="0">
-            <a:schemeClr val="accent1"/>
-          </a:effectRef>
-          <a:fontRef idx="minor">
-            <a:schemeClr val="tx1"/>
-          </a:fontRef>
-        </p:style>
-      </p:cxnSp>
-      <p:sp>
-        <p:nvSpPr>
-          <p:cNvPr id="104" name="TextBox 103"/>
-          <p:cNvSpPr txBox="1"/>
-          <p:nvPr/>
-        </p:nvSpPr>
-        <p:spPr>
-          <a:xfrm>
-            <a:off x="3259818" y="2940346"/>
-            <a:ext cx="826409" cy="307777"/>
-          </a:xfrm>
-          <a:prstGeom prst="rect">
-            <a:avLst/>
-          </a:prstGeom>
-          <a:noFill/>
-        </p:spPr>
-        <p:txBody>
-          <a:bodyPr wrap="square" rtlCol="0">
-            <a:spAutoFit/>
-          </a:bodyPr>
-          <a:lstStyle/>
-          <a:p>
-            <a:r>
-              <a:rPr lang="en-US" sz="1400" dirty="0"/>
-              <a:t>NAK</a:t>
-            </a:r>
-          </a:p>
-        </p:txBody>
-      </p:sp>
-      <p:sp>
-        <p:nvSpPr>
-          <p:cNvPr id="105" name="Rectangle 104"/>
-          <p:cNvSpPr/>
-          <p:nvPr/>
-        </p:nvSpPr>
-        <p:spPr>
-          <a:xfrm>
-            <a:off x="4509618" y="3274941"/>
-            <a:ext cx="494046" cy="338554"/>
-          </a:xfrm>
-          <a:prstGeom prst="rect">
-            <a:avLst/>
-          </a:prstGeom>
-        </p:spPr>
-        <p:txBody>
-          <a:bodyPr wrap="none">
-            <a:spAutoFit/>
-          </a:bodyPr>
-          <a:lstStyle/>
-          <a:p>
-            <a:r>
-              <a:rPr lang="en-US" sz="1600" dirty="0"/>
-              <a:t>TX2</a:t>
-            </a:r>
-          </a:p>
-        </p:txBody>
-      </p:sp>
-      <p:sp>
-        <p:nvSpPr>
-          <p:cNvPr id="106" name="TextBox 105"/>
-          <p:cNvSpPr txBox="1"/>
-          <p:nvPr/>
-        </p:nvSpPr>
-        <p:spPr>
-          <a:xfrm>
-            <a:off x="5147635" y="3737625"/>
-            <a:ext cx="922692" cy="738664"/>
-          </a:xfrm>
-          <a:prstGeom prst="rect">
-            <a:avLst/>
-          </a:prstGeom>
-          <a:noFill/>
-        </p:spPr>
-        <p:txBody>
-          <a:bodyPr wrap="square" rtlCol="0">
-            <a:spAutoFit/>
-          </a:bodyPr>
-          <a:lstStyle/>
-          <a:p>
-            <a:r>
-              <a:rPr lang="en-US" sz="1400" dirty="0"/>
-              <a:t>Decode w/ parts 1 and 2 </a:t>
-            </a:r>
-          </a:p>
-        </p:txBody>
-      </p:sp>
-      <p:cxnSp>
-        <p:nvCxnSpPr>
-          <p:cNvPr id="107" name="Straight Arrow Connector 106"/>
-          <p:cNvCxnSpPr/>
-          <p:nvPr/>
-        </p:nvCxnSpPr>
-        <p:spPr>
-          <a:xfrm flipV="1">
-            <a:off x="6128511" y="2714451"/>
-            <a:ext cx="0" cy="2005473"/>
-          </a:xfrm>
-          <a:prstGeom prst="straightConnector1">
-            <a:avLst/>
-          </a:prstGeom>
-          <a:ln>
-            <a:tailEnd type="triangle"/>
-          </a:ln>
-        </p:spPr>
-        <p:style>
-          <a:lnRef idx="1">
-            <a:schemeClr val="accent1"/>
-          </a:lnRef>
-          <a:fillRef idx="0">
-            <a:schemeClr val="accent1"/>
-          </a:fillRef>
-          <a:effectRef idx="0">
-            <a:schemeClr val="accent1"/>
-          </a:effectRef>
-          <a:fontRef idx="minor">
-            <a:schemeClr val="tx1"/>
-          </a:fontRef>
-        </p:style>
-      </p:cxnSp>
-      <p:cxnSp>
-        <p:nvCxnSpPr>
-          <p:cNvPr id="108" name="Straight Connector 107"/>
-          <p:cNvCxnSpPr/>
-          <p:nvPr/>
-        </p:nvCxnSpPr>
-        <p:spPr>
-          <a:xfrm flipV="1">
-            <a:off x="5753495" y="4719923"/>
-            <a:ext cx="375016" cy="1"/>
-          </a:xfrm>
-          <a:prstGeom prst="line">
-            <a:avLst/>
-          </a:prstGeom>
-        </p:spPr>
-        <p:style>
-          <a:lnRef idx="1">
-            <a:schemeClr val="accent1"/>
-          </a:lnRef>
-          <a:fillRef idx="0">
-            <a:schemeClr val="accent1"/>
-          </a:fillRef>
-          <a:effectRef idx="0">
-            <a:schemeClr val="accent1"/>
-          </a:effectRef>
-          <a:fontRef idx="minor">
-            <a:schemeClr val="tx1"/>
-          </a:fontRef>
-        </p:style>
-      </p:cxnSp>
-      <p:sp>
-        <p:nvSpPr>
-          <p:cNvPr id="109" name="TextBox 108"/>
-          <p:cNvSpPr txBox="1"/>
-          <p:nvPr/>
-        </p:nvSpPr>
-        <p:spPr>
-          <a:xfrm>
-            <a:off x="5613479" y="2888246"/>
-            <a:ext cx="826409" cy="307777"/>
-          </a:xfrm>
-          <a:prstGeom prst="rect">
-            <a:avLst/>
-          </a:prstGeom>
-          <a:noFill/>
-        </p:spPr>
-        <p:txBody>
-          <a:bodyPr wrap="square" rtlCol="0">
-            <a:spAutoFit/>
-          </a:bodyPr>
-          <a:lstStyle/>
-          <a:p>
-            <a:r>
-              <a:rPr lang="en-US" sz="1400" dirty="0"/>
-              <a:t>ACK</a:t>
-            </a:r>
-          </a:p>
-        </p:txBody>
-      </p:sp>
-      <p:cxnSp>
-        <p:nvCxnSpPr>
-          <p:cNvPr id="111" name="Straight Arrow Connector 110"/>
-          <p:cNvCxnSpPr>
-            <a:stCxn id="61" idx="2"/>
-          </p:cNvCxnSpPr>
-          <p:nvPr/>
-        </p:nvCxnSpPr>
-        <p:spPr>
-          <a:xfrm>
-            <a:off x="2744513" y="1961412"/>
-            <a:ext cx="2324874" cy="579246"/>
-          </a:xfrm>
-          <a:prstGeom prst="straightConnector1">
-            <a:avLst/>
-          </a:prstGeom>
-          <a:ln>
-            <a:tailEnd type="triangle"/>
-          </a:ln>
-        </p:spPr>
-        <p:style>
-          <a:lnRef idx="1">
-            <a:schemeClr val="accent1"/>
-          </a:lnRef>
-          <a:fillRef idx="0">
-            <a:schemeClr val="accent1"/>
-          </a:fillRef>
-          <a:effectRef idx="0">
-            <a:schemeClr val="accent1"/>
-          </a:effectRef>
-          <a:fontRef idx="minor">
-            <a:schemeClr val="tx1"/>
-          </a:fontRef>
-        </p:style>
-      </p:cxnSp>
-      <p:sp>
-        <p:nvSpPr>
-          <p:cNvPr id="115" name="TextBox 114"/>
-          <p:cNvSpPr txBox="1"/>
-          <p:nvPr/>
-        </p:nvSpPr>
-        <p:spPr>
-          <a:xfrm>
-            <a:off x="3511054" y="1589072"/>
-            <a:ext cx="1405834" cy="369332"/>
+            <a:off x="4541316" y="5499764"/>
+            <a:ext cx="7176645" cy="369332"/>
           </a:xfrm>
           <a:prstGeom prst="rect">
             <a:avLst/>
@@ -40702,129 +43247,15 @@
           <a:p>
             <a:r>
               <a:rPr lang="en-US" dirty="0"/>
-              <a:t>Mother code</a:t>
-            </a:r>
-          </a:p>
-        </p:txBody>
-      </p:sp>
-      <p:sp>
-        <p:nvSpPr>
-          <p:cNvPr id="116" name="Content Placeholder 3"/>
-          <p:cNvSpPr>
-            <a:spLocks noGrp="1"/>
-          </p:cNvSpPr>
-          <p:nvPr>
-            <p:ph sz="quarter" idx="1"/>
-          </p:nvPr>
-        </p:nvSpPr>
-        <p:spPr>
-          <a:xfrm>
-            <a:off x="7203714" y="1719065"/>
-            <a:ext cx="3002002" cy="3630847"/>
-          </a:xfrm>
-        </p:spPr>
-        <p:txBody>
-          <a:bodyPr/>
-          <a:lstStyle/>
-          <a:p>
+              <a:t>Hamidi-</a:t>
+            </a:r>
+            <a:r>
+              <a:rPr lang="en-US" dirty="0" err="1"/>
+              <a:t>Sepeh</a:t>
+            </a:r>
             <a:r>
               <a:rPr lang="en-US" dirty="0"/>
-              <a:t>Decode 1:</a:t>
-            </a:r>
-          </a:p>
-          <a:p>
-            <a:pPr lvl="1"/>
-            <a:r>
-              <a:rPr lang="en-US" dirty="0"/>
-              <a:t>Use part 1</a:t>
-            </a:r>
-          </a:p>
-          <a:p>
-            <a:pPr lvl="1"/>
-            <a:r>
-              <a:rPr lang="en-US" dirty="0"/>
-              <a:t>Treat parts 2, 3 as erasures</a:t>
-            </a:r>
-          </a:p>
-          <a:p>
-            <a:endParaRPr lang="en-US" dirty="0"/>
-          </a:p>
-          <a:p>
-            <a:r>
-              <a:rPr lang="en-US" dirty="0"/>
-              <a:t>Decode 2:</a:t>
-            </a:r>
-          </a:p>
-          <a:p>
-            <a:pPr lvl="1"/>
-            <a:r>
-              <a:rPr lang="en-US" dirty="0"/>
-              <a:t>Use parts 1,2</a:t>
-            </a:r>
-          </a:p>
-          <a:p>
-            <a:pPr lvl="1"/>
-            <a:r>
-              <a:rPr lang="en-US" dirty="0"/>
-              <a:t>Treat part 3 as erasure</a:t>
-            </a:r>
-          </a:p>
-        </p:txBody>
-      </p:sp>
-      <p:sp>
-        <p:nvSpPr>
-          <p:cNvPr id="119" name="TextBox 118"/>
-          <p:cNvSpPr txBox="1"/>
-          <p:nvPr/>
-        </p:nvSpPr>
-        <p:spPr>
-          <a:xfrm>
-            <a:off x="1283043" y="2345121"/>
-            <a:ext cx="417102" cy="369332"/>
-          </a:xfrm>
-          <a:prstGeom prst="rect">
-            <a:avLst/>
-          </a:prstGeom>
-          <a:noFill/>
-        </p:spPr>
-        <p:txBody>
-          <a:bodyPr wrap="none" rtlCol="0">
-            <a:spAutoFit/>
-          </a:bodyPr>
-          <a:lstStyle/>
-          <a:p>
-            <a:r>
-              <a:rPr lang="en-US" dirty="0"/>
-              <a:t>TX</a:t>
-            </a:r>
-          </a:p>
-        </p:txBody>
-      </p:sp>
-      <p:sp>
-        <p:nvSpPr>
-          <p:cNvPr id="120" name="TextBox 119"/>
-          <p:cNvSpPr txBox="1"/>
-          <p:nvPr/>
-        </p:nvSpPr>
-        <p:spPr>
-          <a:xfrm>
-            <a:off x="1287661" y="4559949"/>
-            <a:ext cx="429926" cy="369332"/>
-          </a:xfrm>
-          <a:prstGeom prst="rect">
-            <a:avLst/>
-          </a:prstGeom>
-          <a:noFill/>
-        </p:spPr>
-        <p:txBody>
-          <a:bodyPr wrap="none" rtlCol="0">
-            <a:spAutoFit/>
-          </a:bodyPr>
-          <a:lstStyle/>
-          <a:p>
-            <a:r>
-              <a:rPr lang="en-US" dirty="0"/>
-              <a:t>RX</a:t>
+              <a:t> et al, Analysis of 5G LDPC Codes Rate-matching Design, 2018</a:t>
             </a:r>
           </a:p>
         </p:txBody>
@@ -40832,7 +43263,7 @@
     </p:spTree>
     <p:extLst>
       <p:ext uri="{BB962C8B-B14F-4D97-AF65-F5344CB8AC3E}">
-        <p14:creationId xmlns:p14="http://schemas.microsoft.com/office/powerpoint/2010/main" val="2734010495"/>
+        <p14:creationId xmlns:p14="http://schemas.microsoft.com/office/powerpoint/2010/main" val="2994298550"/>
       </p:ext>
     </p:extLst>
   </p:cSld>
@@ -40876,15 +43307,7 @@
           <a:p>
             <a:r>
               <a:rPr lang="en-US" dirty="0"/>
-              <a:t>Practical </a:t>
-            </a:r>
-            <a:r>
-              <a:rPr lang="en-US" dirty="0" err="1"/>
-              <a:t>Rateless</a:t>
-            </a:r>
-            <a:r>
-              <a:rPr lang="en-US" dirty="0"/>
-              <a:t> Codes</a:t>
+              <a:t>IR Illustrated</a:t>
             </a:r>
           </a:p>
         </p:txBody>
@@ -40915,136 +43338,1004 @@
       </p:sp>
       <p:sp>
         <p:nvSpPr>
-          <p:cNvPr id="4" name="Content Placeholder 3"/>
-          <p:cNvSpPr>
-            <a:spLocks noGrp="1"/>
-          </p:cNvSpPr>
-          <p:nvPr>
-            <p:ph sz="quarter" idx="1"/>
-          </p:nvPr>
+          <p:cNvPr id="10" name="TextBox 9"/>
+          <p:cNvSpPr txBox="1"/>
+          <p:nvPr/>
         </p:nvSpPr>
-        <p:spPr/>
+        <p:spPr>
+          <a:xfrm>
+            <a:off x="1797872" y="3326213"/>
+            <a:ext cx="826409" cy="307777"/>
+          </a:xfrm>
+          <a:prstGeom prst="rect">
+            <a:avLst/>
+          </a:prstGeom>
+          <a:noFill/>
+        </p:spPr>
         <p:txBody>
-          <a:bodyPr/>
+          <a:bodyPr wrap="square" rtlCol="0">
+            <a:spAutoFit/>
+          </a:bodyPr>
           <a:lstStyle/>
           <a:p>
             <a:r>
-              <a:rPr lang="en-US" dirty="0"/>
-              <a:t>Incremental redundancy</a:t>
-            </a:r>
-          </a:p>
-          <a:p>
-            <a:pPr lvl="1"/>
-            <a:r>
-              <a:rPr lang="en-US" dirty="0"/>
-              <a:t>Code data with low rate “mother code” </a:t>
-            </a:r>
-            <a:br>
-              <a:rPr lang="en-US" dirty="0"/>
-            </a:br>
-            <a:r>
-              <a:rPr lang="en-US" dirty="0"/>
-              <a:t>(Usually rate 1/3 or 1/5)</a:t>
-            </a:r>
-          </a:p>
-          <a:p>
-            <a:pPr lvl="1"/>
-            <a:r>
-              <a:rPr lang="en-US" dirty="0"/>
-              <a:t>In first TX send systematic bits + some parity</a:t>
-            </a:r>
-          </a:p>
-          <a:p>
-            <a:pPr lvl="1"/>
-            <a:r>
-              <a:rPr lang="en-US" dirty="0"/>
-              <a:t>Decoder treats missing bits as erasures.</a:t>
-            </a:r>
-          </a:p>
-          <a:p>
-            <a:pPr lvl="1"/>
-            <a:r>
-              <a:rPr lang="en-US" dirty="0"/>
-              <a:t>If fail, TX sends more parity bits</a:t>
-            </a:r>
-          </a:p>
-          <a:p>
-            <a:pPr lvl="1"/>
-            <a:r>
-              <a:rPr lang="en-US" dirty="0"/>
-              <a:t>Continue until it passes</a:t>
-            </a:r>
-          </a:p>
-          <a:p>
-            <a:r>
-              <a:rPr lang="en-US" dirty="0"/>
-              <a:t>In 3GPP codes, each TX is called a </a:t>
-            </a:r>
-            <a:r>
-              <a:rPr lang="en-US" dirty="0">
-                <a:solidFill>
-                  <a:schemeClr val="accent1">
-                    <a:lumMod val="60000"/>
-                    <a:lumOff val="40000"/>
-                  </a:schemeClr>
-                </a:solidFill>
-              </a:rPr>
-              <a:t>redundancy version</a:t>
-            </a:r>
-          </a:p>
-          <a:p>
-            <a:r>
-              <a:rPr lang="en-US" dirty="0"/>
-              <a:t>First proposed by Mandelbaum 1974</a:t>
+              <a:rPr lang="en-US" sz="1400" dirty="0"/>
+              <a:t>TX1</a:t>
             </a:r>
           </a:p>
         </p:txBody>
       </p:sp>
-      <p:pic>
-        <p:nvPicPr>
-          <p:cNvPr id="6" name="Picture 5">
-            <a:extLst>
-              <a:ext uri="{FF2B5EF4-FFF2-40B4-BE49-F238E27FC236}">
-                <a16:creationId xmlns:a16="http://schemas.microsoft.com/office/drawing/2014/main" id="{291081D5-602B-4A8E-83CB-BBA75149B070}"/>
-              </a:ext>
-            </a:extLst>
-          </p:cNvPr>
-          <p:cNvPicPr>
-            <a:picLocks noChangeAspect="1"/>
-          </p:cNvPicPr>
+      <p:sp>
+        <p:nvSpPr>
+          <p:cNvPr id="11" name="TextBox 10"/>
+          <p:cNvSpPr txBox="1"/>
           <p:nvPr/>
-        </p:nvPicPr>
-        <p:blipFill rotWithShape="1">
-          <a:blip r:embed="rId2"/>
-          <a:srcRect l="15674" t="27930"/>
-          <a:stretch/>
-        </p:blipFill>
+        </p:nvSpPr>
         <p:spPr>
           <a:xfrm>
-            <a:off x="7614682" y="1746652"/>
-            <a:ext cx="3540998" cy="2381345"/>
+            <a:off x="2892525" y="3986314"/>
+            <a:ext cx="922692" cy="523220"/>
+          </a:xfrm>
+          <a:prstGeom prst="rect">
+            <a:avLst/>
+          </a:prstGeom>
+          <a:noFill/>
+        </p:spPr>
+        <p:txBody>
+          <a:bodyPr wrap="square" rtlCol="0">
+            <a:spAutoFit/>
+          </a:bodyPr>
+          <a:lstStyle/>
+          <a:p>
+            <a:r>
+              <a:rPr lang="en-US" sz="1400" dirty="0"/>
+              <a:t>Decode w/ part 1</a:t>
+            </a:r>
+          </a:p>
+        </p:txBody>
+      </p:sp>
+      <p:sp>
+        <p:nvSpPr>
+          <p:cNvPr id="59" name="Rectangle 58"/>
+          <p:cNvSpPr/>
+          <p:nvPr/>
+        </p:nvSpPr>
+        <p:spPr>
+          <a:xfrm>
+            <a:off x="2117428" y="1650554"/>
+            <a:ext cx="1356056" cy="319953"/>
+          </a:xfrm>
+          <a:prstGeom prst="rect">
+            <a:avLst/>
+          </a:prstGeom>
+          <a:solidFill>
+            <a:schemeClr val="accent3">
+              <a:lumMod val="50000"/>
+            </a:schemeClr>
+          </a:solidFill>
+        </p:spPr>
+        <p:style>
+          <a:lnRef idx="2">
+            <a:schemeClr val="accent1">
+              <a:shade val="50000"/>
+            </a:schemeClr>
+          </a:lnRef>
+          <a:fillRef idx="1">
+            <a:schemeClr val="accent1"/>
+          </a:fillRef>
+          <a:effectRef idx="0">
+            <a:schemeClr val="accent1"/>
+          </a:effectRef>
+          <a:fontRef idx="minor">
+            <a:schemeClr val="lt1"/>
+          </a:fontRef>
+        </p:style>
+        <p:txBody>
+          <a:bodyPr rtlCol="0" anchor="ctr"/>
+          <a:lstStyle/>
+          <a:p>
+            <a:pPr algn="ctr"/>
+            <a:endParaRPr lang="en-US"/>
+          </a:p>
+        </p:txBody>
+      </p:sp>
+      <p:sp>
+        <p:nvSpPr>
+          <p:cNvPr id="60" name="Rectangle 59"/>
+          <p:cNvSpPr/>
+          <p:nvPr/>
+        </p:nvSpPr>
+        <p:spPr>
+          <a:xfrm>
+            <a:off x="2103857" y="1656976"/>
+            <a:ext cx="432816" cy="307109"/>
+          </a:xfrm>
+          <a:prstGeom prst="rect">
+            <a:avLst/>
+          </a:prstGeom>
+          <a:solidFill>
+            <a:schemeClr val="accent3">
+              <a:lumMod val="20000"/>
+              <a:lumOff val="80000"/>
+            </a:schemeClr>
+          </a:solidFill>
+        </p:spPr>
+        <p:style>
+          <a:lnRef idx="2">
+            <a:schemeClr val="accent1">
+              <a:shade val="50000"/>
+            </a:schemeClr>
+          </a:lnRef>
+          <a:fillRef idx="1">
+            <a:schemeClr val="accent1"/>
+          </a:fillRef>
+          <a:effectRef idx="0">
+            <a:schemeClr val="accent1"/>
+          </a:effectRef>
+          <a:fontRef idx="minor">
+            <a:schemeClr val="lt1"/>
+          </a:fontRef>
+        </p:style>
+        <p:txBody>
+          <a:bodyPr rtlCol="0" anchor="ctr"/>
+          <a:lstStyle/>
+          <a:p>
+            <a:pPr algn="ctr"/>
+            <a:endParaRPr lang="en-US"/>
+          </a:p>
+        </p:txBody>
+      </p:sp>
+      <p:sp>
+        <p:nvSpPr>
+          <p:cNvPr id="61" name="Rectangle 60"/>
+          <p:cNvSpPr/>
+          <p:nvPr/>
+        </p:nvSpPr>
+        <p:spPr>
+          <a:xfrm>
+            <a:off x="2528105" y="1654304"/>
+            <a:ext cx="432816" cy="307109"/>
+          </a:xfrm>
+          <a:prstGeom prst="rect">
+            <a:avLst/>
+          </a:prstGeom>
+          <a:solidFill>
+            <a:schemeClr val="accent3">
+              <a:lumMod val="60000"/>
+              <a:lumOff val="40000"/>
+            </a:schemeClr>
+          </a:solidFill>
+        </p:spPr>
+        <p:style>
+          <a:lnRef idx="2">
+            <a:schemeClr val="accent1">
+              <a:shade val="50000"/>
+            </a:schemeClr>
+          </a:lnRef>
+          <a:fillRef idx="1">
+            <a:schemeClr val="accent1"/>
+          </a:fillRef>
+          <a:effectRef idx="0">
+            <a:schemeClr val="accent1"/>
+          </a:effectRef>
+          <a:fontRef idx="minor">
+            <a:schemeClr val="lt1"/>
+          </a:fontRef>
+        </p:style>
+        <p:txBody>
+          <a:bodyPr rtlCol="0" anchor="ctr"/>
+          <a:lstStyle/>
+          <a:p>
+            <a:pPr algn="ctr"/>
+            <a:endParaRPr lang="en-US"/>
+          </a:p>
+        </p:txBody>
+      </p:sp>
+      <p:sp>
+        <p:nvSpPr>
+          <p:cNvPr id="65" name="Rectangle 64"/>
+          <p:cNvSpPr/>
+          <p:nvPr/>
+        </p:nvSpPr>
+        <p:spPr>
+          <a:xfrm>
+            <a:off x="2134532" y="4559950"/>
+            <a:ext cx="1356056" cy="319953"/>
+          </a:xfrm>
+          <a:prstGeom prst="rect">
+            <a:avLst/>
+          </a:prstGeom>
+          <a:noFill/>
+        </p:spPr>
+        <p:style>
+          <a:lnRef idx="2">
+            <a:schemeClr val="accent1">
+              <a:shade val="50000"/>
+            </a:schemeClr>
+          </a:lnRef>
+          <a:fillRef idx="1">
+            <a:schemeClr val="accent1"/>
+          </a:fillRef>
+          <a:effectRef idx="0">
+            <a:schemeClr val="accent1"/>
+          </a:effectRef>
+          <a:fontRef idx="minor">
+            <a:schemeClr val="lt1"/>
+          </a:fontRef>
+        </p:style>
+        <p:txBody>
+          <a:bodyPr rtlCol="0" anchor="ctr"/>
+          <a:lstStyle/>
+          <a:p>
+            <a:pPr algn="ctr"/>
+            <a:endParaRPr lang="en-US"/>
+          </a:p>
+        </p:txBody>
+      </p:sp>
+      <p:sp>
+        <p:nvSpPr>
+          <p:cNvPr id="66" name="Rectangle 65"/>
+          <p:cNvSpPr/>
+          <p:nvPr/>
+        </p:nvSpPr>
+        <p:spPr>
+          <a:xfrm>
+            <a:off x="2122721" y="4566372"/>
+            <a:ext cx="432816" cy="307109"/>
+          </a:xfrm>
+          <a:prstGeom prst="rect">
+            <a:avLst/>
+          </a:prstGeom>
+          <a:solidFill>
+            <a:schemeClr val="accent3">
+              <a:lumMod val="20000"/>
+              <a:lumOff val="80000"/>
+            </a:schemeClr>
+          </a:solidFill>
+        </p:spPr>
+        <p:style>
+          <a:lnRef idx="2">
+            <a:schemeClr val="accent1">
+              <a:shade val="50000"/>
+            </a:schemeClr>
+          </a:lnRef>
+          <a:fillRef idx="1">
+            <a:schemeClr val="accent1"/>
+          </a:fillRef>
+          <a:effectRef idx="0">
+            <a:schemeClr val="accent1"/>
+          </a:effectRef>
+          <a:fontRef idx="minor">
+            <a:schemeClr val="lt1"/>
+          </a:fontRef>
+        </p:style>
+        <p:txBody>
+          <a:bodyPr rtlCol="0" anchor="ctr"/>
+          <a:lstStyle/>
+          <a:p>
+            <a:pPr algn="ctr"/>
+            <a:endParaRPr lang="en-US"/>
+          </a:p>
+        </p:txBody>
+      </p:sp>
+      <p:cxnSp>
+        <p:nvCxnSpPr>
+          <p:cNvPr id="71" name="Straight Arrow Connector 70"/>
+          <p:cNvCxnSpPr/>
+          <p:nvPr/>
+        </p:nvCxnSpPr>
+        <p:spPr>
+          <a:xfrm>
+            <a:off x="2326937" y="2714452"/>
+            <a:ext cx="0" cy="1806414"/>
+          </a:xfrm>
+          <a:prstGeom prst="straightConnector1">
+            <a:avLst/>
+          </a:prstGeom>
+          <a:ln>
+            <a:tailEnd type="triangle"/>
+          </a:ln>
+        </p:spPr>
+        <p:style>
+          <a:lnRef idx="1">
+            <a:schemeClr val="accent1"/>
+          </a:lnRef>
+          <a:fillRef idx="0">
+            <a:schemeClr val="accent1"/>
+          </a:fillRef>
+          <a:effectRef idx="0">
+            <a:schemeClr val="accent1"/>
+          </a:effectRef>
+          <a:fontRef idx="minor">
+            <a:schemeClr val="tx1"/>
+          </a:fontRef>
+        </p:style>
+      </p:cxnSp>
+      <p:sp>
+        <p:nvSpPr>
+          <p:cNvPr id="73" name="Rectangle 72"/>
+          <p:cNvSpPr/>
+          <p:nvPr/>
+        </p:nvSpPr>
+        <p:spPr>
+          <a:xfrm>
+            <a:off x="4392543" y="4519787"/>
+            <a:ext cx="1356056" cy="319953"/>
+          </a:xfrm>
+          <a:prstGeom prst="rect">
+            <a:avLst/>
+          </a:prstGeom>
+          <a:noFill/>
+        </p:spPr>
+        <p:style>
+          <a:lnRef idx="2">
+            <a:schemeClr val="accent1">
+              <a:shade val="50000"/>
+            </a:schemeClr>
+          </a:lnRef>
+          <a:fillRef idx="1">
+            <a:schemeClr val="accent1"/>
+          </a:fillRef>
+          <a:effectRef idx="0">
+            <a:schemeClr val="accent1"/>
+          </a:effectRef>
+          <a:fontRef idx="minor">
+            <a:schemeClr val="lt1"/>
+          </a:fontRef>
+        </p:style>
+        <p:txBody>
+          <a:bodyPr rtlCol="0" anchor="ctr"/>
+          <a:lstStyle/>
+          <a:p>
+            <a:pPr algn="ctr"/>
+            <a:endParaRPr lang="en-US"/>
+          </a:p>
+        </p:txBody>
+      </p:sp>
+      <p:sp>
+        <p:nvSpPr>
+          <p:cNvPr id="74" name="Rectangle 73"/>
+          <p:cNvSpPr/>
+          <p:nvPr/>
+        </p:nvSpPr>
+        <p:spPr>
+          <a:xfrm>
+            <a:off x="4380732" y="4517859"/>
+            <a:ext cx="432816" cy="307109"/>
+          </a:xfrm>
+          <a:prstGeom prst="rect">
+            <a:avLst/>
+          </a:prstGeom>
+          <a:solidFill>
+            <a:schemeClr val="accent3">
+              <a:lumMod val="20000"/>
+              <a:lumOff val="80000"/>
+            </a:schemeClr>
+          </a:solidFill>
+        </p:spPr>
+        <p:style>
+          <a:lnRef idx="2">
+            <a:schemeClr val="accent1">
+              <a:shade val="50000"/>
+            </a:schemeClr>
+          </a:lnRef>
+          <a:fillRef idx="1">
+            <a:schemeClr val="accent1"/>
+          </a:fillRef>
+          <a:effectRef idx="0">
+            <a:schemeClr val="accent1"/>
+          </a:effectRef>
+          <a:fontRef idx="minor">
+            <a:schemeClr val="lt1"/>
+          </a:fontRef>
+        </p:style>
+        <p:txBody>
+          <a:bodyPr rtlCol="0" anchor="ctr"/>
+          <a:lstStyle/>
+          <a:p>
+            <a:pPr algn="ctr"/>
+            <a:endParaRPr lang="en-US"/>
+          </a:p>
+        </p:txBody>
+      </p:sp>
+      <p:cxnSp>
+        <p:nvCxnSpPr>
+          <p:cNvPr id="76" name="Straight Arrow Connector 75"/>
+          <p:cNvCxnSpPr/>
+          <p:nvPr/>
+        </p:nvCxnSpPr>
+        <p:spPr>
+          <a:xfrm>
+            <a:off x="5046937" y="2612436"/>
+            <a:ext cx="0" cy="1897098"/>
+          </a:xfrm>
+          <a:prstGeom prst="straightConnector1">
+            <a:avLst/>
+          </a:prstGeom>
+          <a:ln>
+            <a:tailEnd type="triangle"/>
+          </a:ln>
+        </p:spPr>
+        <p:style>
+          <a:lnRef idx="1">
+            <a:schemeClr val="accent1"/>
+          </a:lnRef>
+          <a:fillRef idx="0">
+            <a:schemeClr val="accent1"/>
+          </a:fillRef>
+          <a:effectRef idx="0">
+            <a:schemeClr val="accent1"/>
+          </a:effectRef>
+          <a:fontRef idx="minor">
+            <a:schemeClr val="tx1"/>
+          </a:fontRef>
+        </p:style>
+      </p:cxnSp>
+      <p:sp>
+        <p:nvSpPr>
+          <p:cNvPr id="81" name="Rectangle 80"/>
+          <p:cNvSpPr/>
+          <p:nvPr/>
+        </p:nvSpPr>
+        <p:spPr>
+          <a:xfrm>
+            <a:off x="4813548" y="4520867"/>
+            <a:ext cx="432816" cy="307109"/>
+          </a:xfrm>
+          <a:prstGeom prst="rect">
+            <a:avLst/>
+          </a:prstGeom>
+          <a:solidFill>
+            <a:schemeClr val="accent3">
+              <a:lumMod val="60000"/>
+              <a:lumOff val="40000"/>
+            </a:schemeClr>
+          </a:solidFill>
+        </p:spPr>
+        <p:style>
+          <a:lnRef idx="2">
+            <a:schemeClr val="accent1">
+              <a:shade val="50000"/>
+            </a:schemeClr>
+          </a:lnRef>
+          <a:fillRef idx="1">
+            <a:schemeClr val="accent1"/>
+          </a:fillRef>
+          <a:effectRef idx="0">
+            <a:schemeClr val="accent1"/>
+          </a:effectRef>
+          <a:fontRef idx="minor">
+            <a:schemeClr val="lt1"/>
+          </a:fontRef>
+        </p:style>
+        <p:txBody>
+          <a:bodyPr rtlCol="0" anchor="ctr"/>
+          <a:lstStyle/>
+          <a:p>
+            <a:pPr algn="ctr"/>
+            <a:endParaRPr lang="en-US"/>
+          </a:p>
+        </p:txBody>
+      </p:sp>
+      <p:sp>
+        <p:nvSpPr>
+          <p:cNvPr id="84" name="Arc 83"/>
+          <p:cNvSpPr/>
+          <p:nvPr/>
+        </p:nvSpPr>
+        <p:spPr>
+          <a:xfrm rot="10800000">
+            <a:off x="2294218" y="4455748"/>
+            <a:ext cx="3102758" cy="812415"/>
+          </a:xfrm>
+          <a:prstGeom prst="arc">
+            <a:avLst>
+              <a:gd name="adj1" fmla="val 10855096"/>
+              <a:gd name="adj2" fmla="val 0"/>
+            </a:avLst>
+          </a:prstGeom>
+          <a:ln>
+            <a:headEnd type="triangle"/>
+            <a:tailEnd type="none"/>
+          </a:ln>
+        </p:spPr>
+        <p:style>
+          <a:lnRef idx="1">
+            <a:schemeClr val="accent1"/>
+          </a:lnRef>
+          <a:fillRef idx="0">
+            <a:schemeClr val="accent1"/>
+          </a:fillRef>
+          <a:effectRef idx="0">
+            <a:schemeClr val="accent1"/>
+          </a:effectRef>
+          <a:fontRef idx="minor">
+            <a:schemeClr val="tx1"/>
+          </a:fontRef>
+        </p:style>
+        <p:txBody>
+          <a:bodyPr rtlCol="0" anchor="ctr"/>
+          <a:lstStyle/>
+          <a:p>
+            <a:pPr algn="ctr"/>
+            <a:endParaRPr lang="en-US"/>
+          </a:p>
+        </p:txBody>
+      </p:sp>
+      <p:sp>
+        <p:nvSpPr>
+          <p:cNvPr id="85" name="TextBox 84"/>
+          <p:cNvSpPr txBox="1"/>
+          <p:nvPr/>
+        </p:nvSpPr>
+        <p:spPr>
+          <a:xfrm>
+            <a:off x="3455588" y="5306415"/>
+            <a:ext cx="1694539" cy="369332"/>
+          </a:xfrm>
+          <a:prstGeom prst="rect">
+            <a:avLst/>
+          </a:prstGeom>
+          <a:noFill/>
+        </p:spPr>
+        <p:txBody>
+          <a:bodyPr wrap="square" rtlCol="0">
+            <a:spAutoFit/>
+          </a:bodyPr>
+          <a:lstStyle/>
+          <a:p>
+            <a:r>
+              <a:rPr lang="en-US" dirty="0"/>
+              <a:t>LLR buffer</a:t>
+            </a:r>
+          </a:p>
+        </p:txBody>
+      </p:sp>
+      <p:sp>
+        <p:nvSpPr>
+          <p:cNvPr id="89" name="Rectangle 88"/>
+          <p:cNvSpPr/>
+          <p:nvPr/>
+        </p:nvSpPr>
+        <p:spPr>
+          <a:xfrm>
+            <a:off x="2104900" y="2407344"/>
+            <a:ext cx="432816" cy="307109"/>
+          </a:xfrm>
+          <a:prstGeom prst="rect">
+            <a:avLst/>
+          </a:prstGeom>
+          <a:solidFill>
+            <a:schemeClr val="accent3">
+              <a:lumMod val="20000"/>
+              <a:lumOff val="80000"/>
+            </a:schemeClr>
+          </a:solidFill>
+        </p:spPr>
+        <p:style>
+          <a:lnRef idx="2">
+            <a:schemeClr val="accent1">
+              <a:shade val="50000"/>
+            </a:schemeClr>
+          </a:lnRef>
+          <a:fillRef idx="1">
+            <a:schemeClr val="accent1"/>
+          </a:fillRef>
+          <a:effectRef idx="0">
+            <a:schemeClr val="accent1"/>
+          </a:effectRef>
+          <a:fontRef idx="minor">
+            <a:schemeClr val="lt1"/>
+          </a:fontRef>
+        </p:style>
+        <p:txBody>
+          <a:bodyPr rtlCol="0" anchor="ctr"/>
+          <a:lstStyle/>
+          <a:p>
+            <a:pPr algn="ctr"/>
+            <a:endParaRPr lang="en-US"/>
+          </a:p>
+        </p:txBody>
+      </p:sp>
+      <p:sp>
+        <p:nvSpPr>
+          <p:cNvPr id="90" name="Rectangle 89"/>
+          <p:cNvSpPr/>
+          <p:nvPr/>
+        </p:nvSpPr>
+        <p:spPr>
+          <a:xfrm>
+            <a:off x="4830529" y="2407343"/>
+            <a:ext cx="432816" cy="307109"/>
+          </a:xfrm>
+          <a:prstGeom prst="rect">
+            <a:avLst/>
+          </a:prstGeom>
+          <a:solidFill>
+            <a:schemeClr val="accent3">
+              <a:lumMod val="60000"/>
+              <a:lumOff val="40000"/>
+            </a:schemeClr>
+          </a:solidFill>
+        </p:spPr>
+        <p:style>
+          <a:lnRef idx="2">
+            <a:schemeClr val="accent1">
+              <a:shade val="50000"/>
+            </a:schemeClr>
+          </a:lnRef>
+          <a:fillRef idx="1">
+            <a:schemeClr val="accent1"/>
+          </a:fillRef>
+          <a:effectRef idx="0">
+            <a:schemeClr val="accent1"/>
+          </a:effectRef>
+          <a:fontRef idx="minor">
+            <a:schemeClr val="lt1"/>
+          </a:fontRef>
+        </p:style>
+        <p:txBody>
+          <a:bodyPr rtlCol="0" anchor="ctr"/>
+          <a:lstStyle/>
+          <a:p>
+            <a:pPr algn="ctr"/>
+            <a:endParaRPr lang="en-US"/>
+          </a:p>
+        </p:txBody>
+      </p:sp>
+      <p:cxnSp>
+        <p:nvCxnSpPr>
+          <p:cNvPr id="94" name="Straight Arrow Connector 93"/>
+          <p:cNvCxnSpPr>
+            <a:stCxn id="60" idx="2"/>
+          </p:cNvCxnSpPr>
+          <p:nvPr/>
+        </p:nvCxnSpPr>
+        <p:spPr>
+          <a:xfrm flipH="1">
+            <a:off x="2315827" y="1964084"/>
+            <a:ext cx="4439" cy="625274"/>
+          </a:xfrm>
+          <a:prstGeom prst="straightConnector1">
+            <a:avLst/>
+          </a:prstGeom>
+          <a:ln>
+            <a:tailEnd type="triangle"/>
+          </a:ln>
+        </p:spPr>
+        <p:style>
+          <a:lnRef idx="1">
+            <a:schemeClr val="accent1"/>
+          </a:lnRef>
+          <a:fillRef idx="0">
+            <a:schemeClr val="accent1"/>
+          </a:fillRef>
+          <a:effectRef idx="0">
+            <a:schemeClr val="accent1"/>
+          </a:effectRef>
+          <a:fontRef idx="minor">
+            <a:schemeClr val="tx1"/>
+          </a:fontRef>
+        </p:style>
+      </p:cxnSp>
+      <p:cxnSp>
+        <p:nvCxnSpPr>
+          <p:cNvPr id="98" name="Straight Arrow Connector 97"/>
+          <p:cNvCxnSpPr/>
+          <p:nvPr/>
+        </p:nvCxnSpPr>
+        <p:spPr>
+          <a:xfrm flipV="1">
+            <a:off x="3865604" y="2714454"/>
+            <a:ext cx="0" cy="2005473"/>
+          </a:xfrm>
+          <a:prstGeom prst="straightConnector1">
+            <a:avLst/>
+          </a:prstGeom>
+          <a:ln>
+            <a:tailEnd type="triangle"/>
+          </a:ln>
+        </p:spPr>
+        <p:style>
+          <a:lnRef idx="1">
+            <a:schemeClr val="accent1"/>
+          </a:lnRef>
+          <a:fillRef idx="0">
+            <a:schemeClr val="accent1"/>
+          </a:fillRef>
+          <a:effectRef idx="0">
+            <a:schemeClr val="accent1"/>
+          </a:effectRef>
+          <a:fontRef idx="minor">
+            <a:schemeClr val="tx1"/>
+          </a:fontRef>
+        </p:style>
+      </p:cxnSp>
+      <p:cxnSp>
+        <p:nvCxnSpPr>
+          <p:cNvPr id="100" name="Straight Connector 99"/>
+          <p:cNvCxnSpPr/>
+          <p:nvPr/>
+        </p:nvCxnSpPr>
+        <p:spPr>
+          <a:xfrm>
+            <a:off x="1601768" y="2714451"/>
+            <a:ext cx="4988764" cy="2"/>
+          </a:xfrm>
+          <a:prstGeom prst="line">
+            <a:avLst/>
+          </a:prstGeom>
+        </p:spPr>
+        <p:style>
+          <a:lnRef idx="1">
+            <a:schemeClr val="accent1"/>
+          </a:lnRef>
+          <a:fillRef idx="0">
+            <a:schemeClr val="accent1"/>
+          </a:fillRef>
+          <a:effectRef idx="0">
+            <a:schemeClr val="accent1"/>
+          </a:effectRef>
+          <a:fontRef idx="minor">
+            <a:schemeClr val="tx1"/>
+          </a:fontRef>
+        </p:style>
+      </p:cxnSp>
+      <p:cxnSp>
+        <p:nvCxnSpPr>
+          <p:cNvPr id="102" name="Straight Connector 101"/>
+          <p:cNvCxnSpPr>
+            <a:stCxn id="65" idx="3"/>
+          </p:cNvCxnSpPr>
+          <p:nvPr/>
+        </p:nvCxnSpPr>
+        <p:spPr>
+          <a:xfrm flipV="1">
+            <a:off x="3490588" y="4719926"/>
+            <a:ext cx="375016" cy="1"/>
+          </a:xfrm>
+          <a:prstGeom prst="line">
+            <a:avLst/>
+          </a:prstGeom>
+        </p:spPr>
+        <p:style>
+          <a:lnRef idx="1">
+            <a:schemeClr val="accent1"/>
+          </a:lnRef>
+          <a:fillRef idx="0">
+            <a:schemeClr val="accent1"/>
+          </a:fillRef>
+          <a:effectRef idx="0">
+            <a:schemeClr val="accent1"/>
+          </a:effectRef>
+          <a:fontRef idx="minor">
+            <a:schemeClr val="tx1"/>
+          </a:fontRef>
+        </p:style>
+      </p:cxnSp>
+      <p:sp>
+        <p:nvSpPr>
+          <p:cNvPr id="104" name="TextBox 103"/>
+          <p:cNvSpPr txBox="1"/>
+          <p:nvPr/>
+        </p:nvSpPr>
+        <p:spPr>
+          <a:xfrm>
+            <a:off x="3259818" y="2940346"/>
+            <a:ext cx="826409" cy="307777"/>
+          </a:xfrm>
+          <a:prstGeom prst="rect">
+            <a:avLst/>
+          </a:prstGeom>
+          <a:noFill/>
+        </p:spPr>
+        <p:txBody>
+          <a:bodyPr wrap="square" rtlCol="0">
+            <a:spAutoFit/>
+          </a:bodyPr>
+          <a:lstStyle/>
+          <a:p>
+            <a:r>
+              <a:rPr lang="en-US" sz="1400" dirty="0"/>
+              <a:t>NAK</a:t>
+            </a:r>
+          </a:p>
+        </p:txBody>
+      </p:sp>
+      <p:sp>
+        <p:nvSpPr>
+          <p:cNvPr id="105" name="Rectangle 104"/>
+          <p:cNvSpPr/>
+          <p:nvPr/>
+        </p:nvSpPr>
+        <p:spPr>
+          <a:xfrm>
+            <a:off x="4509618" y="3274941"/>
+            <a:ext cx="494046" cy="338554"/>
           </a:xfrm>
           <a:prstGeom prst="rect">
             <a:avLst/>
           </a:prstGeom>
         </p:spPr>
-      </p:pic>
+        <p:txBody>
+          <a:bodyPr wrap="none">
+            <a:spAutoFit/>
+          </a:bodyPr>
+          <a:lstStyle/>
+          <a:p>
+            <a:r>
+              <a:rPr lang="en-US" sz="1600" dirty="0"/>
+              <a:t>TX2</a:t>
+            </a:r>
+          </a:p>
+        </p:txBody>
+      </p:sp>
       <p:sp>
         <p:nvSpPr>
-          <p:cNvPr id="7" name="TextBox 6">
-            <a:extLst>
-              <a:ext uri="{FF2B5EF4-FFF2-40B4-BE49-F238E27FC236}">
-                <a16:creationId xmlns:a16="http://schemas.microsoft.com/office/drawing/2014/main" id="{41CFDDB5-76EF-4367-83CB-A6DE20D564FC}"/>
-              </a:ext>
-            </a:extLst>
-          </p:cNvPr>
+          <p:cNvPr id="106" name="TextBox 105"/>
           <p:cNvSpPr txBox="1"/>
           <p:nvPr/>
         </p:nvSpPr>
         <p:spPr>
           <a:xfrm>
-            <a:off x="4541316" y="5499764"/>
-            <a:ext cx="7176645" cy="369332"/>
+            <a:off x="5147635" y="3737625"/>
+            <a:ext cx="922692" cy="738664"/>
+          </a:xfrm>
+          <a:prstGeom prst="rect">
+            <a:avLst/>
+          </a:prstGeom>
+          <a:noFill/>
+        </p:spPr>
+        <p:txBody>
+          <a:bodyPr wrap="square" rtlCol="0">
+            <a:spAutoFit/>
+          </a:bodyPr>
+          <a:lstStyle/>
+          <a:p>
+            <a:r>
+              <a:rPr lang="en-US" sz="1400" dirty="0"/>
+              <a:t>Decode w/ parts 1 and 2 </a:t>
+            </a:r>
+          </a:p>
+        </p:txBody>
+      </p:sp>
+      <p:cxnSp>
+        <p:nvCxnSpPr>
+          <p:cNvPr id="107" name="Straight Arrow Connector 106"/>
+          <p:cNvCxnSpPr/>
+          <p:nvPr/>
+        </p:nvCxnSpPr>
+        <p:spPr>
+          <a:xfrm flipV="1">
+            <a:off x="6128511" y="2714451"/>
+            <a:ext cx="0" cy="2005473"/>
+          </a:xfrm>
+          <a:prstGeom prst="straightConnector1">
+            <a:avLst/>
+          </a:prstGeom>
+          <a:ln>
+            <a:tailEnd type="triangle"/>
+          </a:ln>
+        </p:spPr>
+        <p:style>
+          <a:lnRef idx="1">
+            <a:schemeClr val="accent1"/>
+          </a:lnRef>
+          <a:fillRef idx="0">
+            <a:schemeClr val="accent1"/>
+          </a:fillRef>
+          <a:effectRef idx="0">
+            <a:schemeClr val="accent1"/>
+          </a:effectRef>
+          <a:fontRef idx="minor">
+            <a:schemeClr val="tx1"/>
+          </a:fontRef>
+        </p:style>
+      </p:cxnSp>
+      <p:cxnSp>
+        <p:nvCxnSpPr>
+          <p:cNvPr id="108" name="Straight Connector 107"/>
+          <p:cNvCxnSpPr/>
+          <p:nvPr/>
+        </p:nvCxnSpPr>
+        <p:spPr>
+          <a:xfrm flipV="1">
+            <a:off x="5753495" y="4719923"/>
+            <a:ext cx="375016" cy="1"/>
+          </a:xfrm>
+          <a:prstGeom prst="line">
+            <a:avLst/>
+          </a:prstGeom>
+        </p:spPr>
+        <p:style>
+          <a:lnRef idx="1">
+            <a:schemeClr val="accent1"/>
+          </a:lnRef>
+          <a:fillRef idx="0">
+            <a:schemeClr val="accent1"/>
+          </a:fillRef>
+          <a:effectRef idx="0">
+            <a:schemeClr val="accent1"/>
+          </a:effectRef>
+          <a:fontRef idx="minor">
+            <a:schemeClr val="tx1"/>
+          </a:fontRef>
+        </p:style>
+      </p:cxnSp>
+      <p:sp>
+        <p:nvSpPr>
+          <p:cNvPr id="109" name="TextBox 108"/>
+          <p:cNvSpPr txBox="1"/>
+          <p:nvPr/>
+        </p:nvSpPr>
+        <p:spPr>
+          <a:xfrm>
+            <a:off x="5613479" y="2888246"/>
+            <a:ext cx="826409" cy="307777"/>
+          </a:xfrm>
+          <a:prstGeom prst="rect">
+            <a:avLst/>
+          </a:prstGeom>
+          <a:noFill/>
+        </p:spPr>
+        <p:txBody>
+          <a:bodyPr wrap="square" rtlCol="0">
+            <a:spAutoFit/>
+          </a:bodyPr>
+          <a:lstStyle/>
+          <a:p>
+            <a:r>
+              <a:rPr lang="en-US" sz="1400" dirty="0"/>
+              <a:t>ACK</a:t>
+            </a:r>
+          </a:p>
+        </p:txBody>
+      </p:sp>
+      <p:cxnSp>
+        <p:nvCxnSpPr>
+          <p:cNvPr id="111" name="Straight Arrow Connector 110"/>
+          <p:cNvCxnSpPr>
+            <a:stCxn id="61" idx="2"/>
+          </p:cNvCxnSpPr>
+          <p:nvPr/>
+        </p:nvCxnSpPr>
+        <p:spPr>
+          <a:xfrm>
+            <a:off x="2744513" y="1961412"/>
+            <a:ext cx="2324874" cy="579246"/>
+          </a:xfrm>
+          <a:prstGeom prst="straightConnector1">
+            <a:avLst/>
+          </a:prstGeom>
+          <a:ln>
+            <a:tailEnd type="triangle"/>
+          </a:ln>
+        </p:spPr>
+        <p:style>
+          <a:lnRef idx="1">
+            <a:schemeClr val="accent1"/>
+          </a:lnRef>
+          <a:fillRef idx="0">
+            <a:schemeClr val="accent1"/>
+          </a:fillRef>
+          <a:effectRef idx="0">
+            <a:schemeClr val="accent1"/>
+          </a:effectRef>
+          <a:fontRef idx="minor">
+            <a:schemeClr val="tx1"/>
+          </a:fontRef>
+        </p:style>
+      </p:cxnSp>
+      <p:sp>
+        <p:nvSpPr>
+          <p:cNvPr id="115" name="TextBox 114"/>
+          <p:cNvSpPr txBox="1"/>
+          <p:nvPr/>
+        </p:nvSpPr>
+        <p:spPr>
+          <a:xfrm>
+            <a:off x="3511054" y="1589072"/>
+            <a:ext cx="1405834" cy="369332"/>
           </a:xfrm>
           <a:prstGeom prst="rect">
             <a:avLst/>
@@ -41059,15 +44350,129 @@
           <a:p>
             <a:r>
               <a:rPr lang="en-US" dirty="0"/>
-              <a:t>Hamidi-</a:t>
-            </a:r>
-            <a:r>
-              <a:rPr lang="en-US" dirty="0" err="1"/>
-              <a:t>Sepeh</a:t>
-            </a:r>
+              <a:t>Mother code</a:t>
+            </a:r>
+          </a:p>
+        </p:txBody>
+      </p:sp>
+      <p:sp>
+        <p:nvSpPr>
+          <p:cNvPr id="116" name="Content Placeholder 3"/>
+          <p:cNvSpPr>
+            <a:spLocks noGrp="1"/>
+          </p:cNvSpPr>
+          <p:nvPr>
+            <p:ph sz="quarter" idx="1"/>
+          </p:nvPr>
+        </p:nvSpPr>
+        <p:spPr>
+          <a:xfrm>
+            <a:off x="7203714" y="1719065"/>
+            <a:ext cx="3002002" cy="3630847"/>
+          </a:xfrm>
+        </p:spPr>
+        <p:txBody>
+          <a:bodyPr/>
+          <a:lstStyle/>
+          <a:p>
             <a:r>
               <a:rPr lang="en-US" dirty="0"/>
-              <a:t> et al, Analysis of 5G LDPC Codes Rate-matching Design, 2018</a:t>
+              <a:t>Decode 1:</a:t>
+            </a:r>
+          </a:p>
+          <a:p>
+            <a:pPr lvl="1"/>
+            <a:r>
+              <a:rPr lang="en-US" dirty="0"/>
+              <a:t>Use part 1</a:t>
+            </a:r>
+          </a:p>
+          <a:p>
+            <a:pPr lvl="1"/>
+            <a:r>
+              <a:rPr lang="en-US" dirty="0"/>
+              <a:t>Treat parts 2, 3 as erasures</a:t>
+            </a:r>
+          </a:p>
+          <a:p>
+            <a:endParaRPr lang="en-US" dirty="0"/>
+          </a:p>
+          <a:p>
+            <a:r>
+              <a:rPr lang="en-US" dirty="0"/>
+              <a:t>Decode 2:</a:t>
+            </a:r>
+          </a:p>
+          <a:p>
+            <a:pPr lvl="1"/>
+            <a:r>
+              <a:rPr lang="en-US" dirty="0"/>
+              <a:t>Use parts 1,2</a:t>
+            </a:r>
+          </a:p>
+          <a:p>
+            <a:pPr lvl="1"/>
+            <a:r>
+              <a:rPr lang="en-US" dirty="0"/>
+              <a:t>Treat part 3 as erasure</a:t>
+            </a:r>
+          </a:p>
+        </p:txBody>
+      </p:sp>
+      <p:sp>
+        <p:nvSpPr>
+          <p:cNvPr id="119" name="TextBox 118"/>
+          <p:cNvSpPr txBox="1"/>
+          <p:nvPr/>
+        </p:nvSpPr>
+        <p:spPr>
+          <a:xfrm>
+            <a:off x="1283043" y="2345121"/>
+            <a:ext cx="417102" cy="369332"/>
+          </a:xfrm>
+          <a:prstGeom prst="rect">
+            <a:avLst/>
+          </a:prstGeom>
+          <a:noFill/>
+        </p:spPr>
+        <p:txBody>
+          <a:bodyPr wrap="none" rtlCol="0">
+            <a:spAutoFit/>
+          </a:bodyPr>
+          <a:lstStyle/>
+          <a:p>
+            <a:r>
+              <a:rPr lang="en-US" dirty="0"/>
+              <a:t>TX</a:t>
+            </a:r>
+          </a:p>
+        </p:txBody>
+      </p:sp>
+      <p:sp>
+        <p:nvSpPr>
+          <p:cNvPr id="120" name="TextBox 119"/>
+          <p:cNvSpPr txBox="1"/>
+          <p:nvPr/>
+        </p:nvSpPr>
+        <p:spPr>
+          <a:xfrm>
+            <a:off x="1287661" y="4559949"/>
+            <a:ext cx="429926" cy="369332"/>
+          </a:xfrm>
+          <a:prstGeom prst="rect">
+            <a:avLst/>
+          </a:prstGeom>
+          <a:noFill/>
+        </p:spPr>
+        <p:txBody>
+          <a:bodyPr wrap="none" rtlCol="0">
+            <a:spAutoFit/>
+          </a:bodyPr>
+          <a:lstStyle/>
+          <a:p>
+            <a:r>
+              <a:rPr lang="en-US" dirty="0"/>
+              <a:t>RX</a:t>
             </a:r>
           </a:p>
         </p:txBody>
@@ -41075,7 +44480,7 @@
     </p:spTree>
     <p:extLst>
       <p:ext uri="{BB962C8B-B14F-4D97-AF65-F5344CB8AC3E}">
-        <p14:creationId xmlns:p14="http://schemas.microsoft.com/office/powerpoint/2010/main" val="2994298550"/>
+        <p14:creationId xmlns:p14="http://schemas.microsoft.com/office/powerpoint/2010/main" val="2734010495"/>
       </p:ext>
     </p:extLst>
   </p:cSld>
@@ -42191,6 +45596,244 @@
   <p:clrMapOvr>
     <a:masterClrMapping/>
   </p:clrMapOvr>
+  <p:timing>
+    <p:tnLst>
+      <p:par>
+        <p:cTn id="1" dur="indefinite" restart="never" nodeType="tmRoot">
+          <p:childTnLst>
+            <p:seq concurrent="1" nextAc="seek">
+              <p:cTn id="2" dur="indefinite" nodeType="mainSeq">
+                <p:childTnLst>
+                  <p:par>
+                    <p:cTn id="3" fill="hold">
+                      <p:stCondLst>
+                        <p:cond delay="indefinite"/>
+                      </p:stCondLst>
+                      <p:childTnLst>
+                        <p:par>
+                          <p:cTn id="4" fill="hold">
+                            <p:stCondLst>
+                              <p:cond delay="0"/>
+                            </p:stCondLst>
+                            <p:childTnLst>
+                              <p:par>
+                                <p:cTn id="5" presetID="10" presetClass="entr" presetSubtype="0" fill="hold" nodeType="clickEffect">
+                                  <p:stCondLst>
+                                    <p:cond delay="0"/>
+                                  </p:stCondLst>
+                                  <p:childTnLst>
+                                    <p:set>
+                                      <p:cBhvr>
+                                        <p:cTn id="6" dur="1" fill="hold">
+                                          <p:stCondLst>
+                                            <p:cond delay="0"/>
+                                          </p:stCondLst>
+                                        </p:cTn>
+                                        <p:tgtEl>
+                                          <p:spTgt spid="15">
+                                            <p:txEl>
+                                              <p:pRg st="1" end="1"/>
+                                            </p:txEl>
+                                          </p:spTgt>
+                                        </p:tgtEl>
+                                        <p:attrNameLst>
+                                          <p:attrName>style.visibility</p:attrName>
+                                        </p:attrNameLst>
+                                      </p:cBhvr>
+                                      <p:to>
+                                        <p:strVal val="visible"/>
+                                      </p:to>
+                                    </p:set>
+                                    <p:animEffect transition="in" filter="fade">
+                                      <p:cBhvr>
+                                        <p:cTn id="7" dur="500"/>
+                                        <p:tgtEl>
+                                          <p:spTgt spid="15">
+                                            <p:txEl>
+                                              <p:pRg st="1" end="1"/>
+                                            </p:txEl>
+                                          </p:spTgt>
+                                        </p:tgtEl>
+                                      </p:cBhvr>
+                                    </p:animEffect>
+                                  </p:childTnLst>
+                                </p:cTn>
+                              </p:par>
+                              <p:par>
+                                <p:cTn id="8" presetID="10" presetClass="entr" presetSubtype="0" fill="hold" nodeType="withEffect">
+                                  <p:stCondLst>
+                                    <p:cond delay="0"/>
+                                  </p:stCondLst>
+                                  <p:childTnLst>
+                                    <p:set>
+                                      <p:cBhvr>
+                                        <p:cTn id="9" dur="1" fill="hold">
+                                          <p:stCondLst>
+                                            <p:cond delay="0"/>
+                                          </p:stCondLst>
+                                        </p:cTn>
+                                        <p:tgtEl>
+                                          <p:spTgt spid="15">
+                                            <p:txEl>
+                                              <p:pRg st="2" end="2"/>
+                                            </p:txEl>
+                                          </p:spTgt>
+                                        </p:tgtEl>
+                                        <p:attrNameLst>
+                                          <p:attrName>style.visibility</p:attrName>
+                                        </p:attrNameLst>
+                                      </p:cBhvr>
+                                      <p:to>
+                                        <p:strVal val="visible"/>
+                                      </p:to>
+                                    </p:set>
+                                    <p:animEffect transition="in" filter="fade">
+                                      <p:cBhvr>
+                                        <p:cTn id="10" dur="500"/>
+                                        <p:tgtEl>
+                                          <p:spTgt spid="15">
+                                            <p:txEl>
+                                              <p:pRg st="2" end="2"/>
+                                            </p:txEl>
+                                          </p:spTgt>
+                                        </p:tgtEl>
+                                      </p:cBhvr>
+                                    </p:animEffect>
+                                  </p:childTnLst>
+                                </p:cTn>
+                              </p:par>
+                              <p:par>
+                                <p:cTn id="11" presetID="10" presetClass="entr" presetSubtype="0" fill="hold" nodeType="withEffect">
+                                  <p:stCondLst>
+                                    <p:cond delay="0"/>
+                                  </p:stCondLst>
+                                  <p:childTnLst>
+                                    <p:set>
+                                      <p:cBhvr>
+                                        <p:cTn id="12" dur="1" fill="hold">
+                                          <p:stCondLst>
+                                            <p:cond delay="0"/>
+                                          </p:stCondLst>
+                                        </p:cTn>
+                                        <p:tgtEl>
+                                          <p:spTgt spid="15">
+                                            <p:txEl>
+                                              <p:pRg st="3" end="3"/>
+                                            </p:txEl>
+                                          </p:spTgt>
+                                        </p:tgtEl>
+                                        <p:attrNameLst>
+                                          <p:attrName>style.visibility</p:attrName>
+                                        </p:attrNameLst>
+                                      </p:cBhvr>
+                                      <p:to>
+                                        <p:strVal val="visible"/>
+                                      </p:to>
+                                    </p:set>
+                                    <p:animEffect transition="in" filter="fade">
+                                      <p:cBhvr>
+                                        <p:cTn id="13" dur="500"/>
+                                        <p:tgtEl>
+                                          <p:spTgt spid="15">
+                                            <p:txEl>
+                                              <p:pRg st="3" end="3"/>
+                                            </p:txEl>
+                                          </p:spTgt>
+                                        </p:tgtEl>
+                                      </p:cBhvr>
+                                    </p:animEffect>
+                                  </p:childTnLst>
+                                </p:cTn>
+                              </p:par>
+                            </p:childTnLst>
+                          </p:cTn>
+                        </p:par>
+                      </p:childTnLst>
+                    </p:cTn>
+                  </p:par>
+                  <p:par>
+                    <p:cTn id="14" fill="hold">
+                      <p:stCondLst>
+                        <p:cond delay="indefinite"/>
+                      </p:stCondLst>
+                      <p:childTnLst>
+                        <p:par>
+                          <p:cTn id="15" fill="hold">
+                            <p:stCondLst>
+                              <p:cond delay="0"/>
+                            </p:stCondLst>
+                            <p:childTnLst>
+                              <p:par>
+                                <p:cTn id="16" presetID="10" presetClass="entr" presetSubtype="0" fill="hold" nodeType="clickEffect">
+                                  <p:stCondLst>
+                                    <p:cond delay="0"/>
+                                  </p:stCondLst>
+                                  <p:childTnLst>
+                                    <p:set>
+                                      <p:cBhvr>
+                                        <p:cTn id="17" dur="1" fill="hold">
+                                          <p:stCondLst>
+                                            <p:cond delay="0"/>
+                                          </p:stCondLst>
+                                        </p:cTn>
+                                        <p:tgtEl>
+                                          <p:spTgt spid="15">
+                                            <p:txEl>
+                                              <p:pRg st="4" end="4"/>
+                                            </p:txEl>
+                                          </p:spTgt>
+                                        </p:tgtEl>
+                                        <p:attrNameLst>
+                                          <p:attrName>style.visibility</p:attrName>
+                                        </p:attrNameLst>
+                                      </p:cBhvr>
+                                      <p:to>
+                                        <p:strVal val="visible"/>
+                                      </p:to>
+                                    </p:set>
+                                    <p:animEffect transition="in" filter="fade">
+                                      <p:cBhvr>
+                                        <p:cTn id="18" dur="500"/>
+                                        <p:tgtEl>
+                                          <p:spTgt spid="15">
+                                            <p:txEl>
+                                              <p:pRg st="4" end="4"/>
+                                            </p:txEl>
+                                          </p:spTgt>
+                                        </p:tgtEl>
+                                      </p:cBhvr>
+                                    </p:animEffect>
+                                  </p:childTnLst>
+                                </p:cTn>
+                              </p:par>
+                            </p:childTnLst>
+                          </p:cTn>
+                        </p:par>
+                      </p:childTnLst>
+                    </p:cTn>
+                  </p:par>
+                </p:childTnLst>
+              </p:cTn>
+              <p:prevCondLst>
+                <p:cond evt="onPrev" delay="0">
+                  <p:tgtEl>
+                    <p:sldTgt/>
+                  </p:tgtEl>
+                </p:cond>
+              </p:prevCondLst>
+              <p:nextCondLst>
+                <p:cond evt="onNext" delay="0">
+                  <p:tgtEl>
+                    <p:sldTgt/>
+                  </p:tgtEl>
+                </p:cond>
+              </p:nextCondLst>
+            </p:seq>
+          </p:childTnLst>
+        </p:cTn>
+      </p:par>
+    </p:tnLst>
+  </p:timing>
 </p:sld>
 </file>
 
@@ -42272,7 +45915,7 @@
             <p:spPr/>
             <p:txBody>
               <a:bodyPr>
-                <a:normAutofit lnSpcReduction="10000"/>
+                <a:normAutofit/>
               </a:bodyPr>
               <a:lstStyle/>
               <a:p>
@@ -42781,7 +46424,6 @@
                   <a:rPr lang="en-US" dirty="0"/>
                   <a:t>such that</a:t>
                 </a:r>
-                <a14:m/>
                 <a:br>
                   <a:rPr lang="en-US">
                     <a:latin typeface="Cambria Math" panose="02040503050406030204" pitchFamily="18" charset="0"/>
@@ -43089,7 +46731,7 @@
               <a:blipFill>
                 <a:blip r:embed="rId2"/>
                 <a:stretch>
-                  <a:fillRect l="-1455" t="-2113"/>
+                  <a:fillRect l="-1455" t="-1549"/>
                 </a:stretch>
               </a:blipFill>
             </p:spPr>
@@ -43184,8 +46826,8 @@
           </a:p>
         </p:txBody>
       </p:sp>
-      <mc:AlternateContent xmlns:mc="http://schemas.openxmlformats.org/markup-compatibility/2006">
-        <mc:Choice xmlns:a14="http://schemas.microsoft.com/office/drawing/2010/main" Requires="a14">
+      <mc:AlternateContent xmlns:mc="http://schemas.openxmlformats.org/markup-compatibility/2006" xmlns:a14="http://schemas.microsoft.com/office/drawing/2010/main">
+        <mc:Choice Requires="a14">
           <p:sp>
             <p:nvSpPr>
               <p:cNvPr id="4" name="Content Placeholder 3"/>
@@ -44169,19 +47811,7 @@
                             <a:rPr lang="en-US" i="1">
                               <a:latin typeface="Cambria Math" panose="02040503050406030204" pitchFamily="18" charset="0"/>
                             </a:rPr>
-                            <m:t>(</m:t>
-                          </m:r>
-                          <m:r>
-                            <a:rPr lang="en-US" i="1">
-                              <a:latin typeface="Cambria Math" panose="02040503050406030204" pitchFamily="18" charset="0"/>
-                            </a:rPr>
-                            <m:t>1</m:t>
-                          </m:r>
-                          <m:r>
-                            <a:rPr lang="en-US" i="1">
-                              <a:latin typeface="Cambria Math" panose="02040503050406030204" pitchFamily="18" charset="0"/>
-                            </a:rPr>
-                            <m:t>)</m:t>
+                            <m:t>(1)</m:t>
                           </m:r>
                         </m:sup>
                       </m:sSubSup>
@@ -44203,7 +47833,7 @@
             </p:txBody>
           </p:sp>
         </mc:Choice>
-        <mc:Fallback>
+        <mc:Fallback xmlns="">
           <p:sp>
             <p:nvSpPr>
               <p:cNvPr id="4" name="Content Placeholder 3"/>
@@ -45419,6 +49049,280 @@
   <p:clrMapOvr>
     <a:masterClrMapping/>
   </p:clrMapOvr>
+  <p:timing>
+    <p:tnLst>
+      <p:par>
+        <p:cTn id="1" dur="indefinite" restart="never" nodeType="tmRoot">
+          <p:childTnLst>
+            <p:seq concurrent="1" nextAc="seek">
+              <p:cTn id="2" dur="indefinite" nodeType="mainSeq">
+                <p:childTnLst>
+                  <p:par>
+                    <p:cTn id="3" fill="hold">
+                      <p:stCondLst>
+                        <p:cond delay="indefinite"/>
+                      </p:stCondLst>
+                      <p:childTnLst>
+                        <p:par>
+                          <p:cTn id="4" fill="hold">
+                            <p:stCondLst>
+                              <p:cond delay="0"/>
+                            </p:stCondLst>
+                            <p:childTnLst>
+                              <p:par>
+                                <p:cTn id="5" presetID="10" presetClass="entr" presetSubtype="0" fill="hold" nodeType="clickEffect">
+                                  <p:stCondLst>
+                                    <p:cond delay="0"/>
+                                  </p:stCondLst>
+                                  <p:childTnLst>
+                                    <p:set>
+                                      <p:cBhvr>
+                                        <p:cTn id="6" dur="1" fill="hold">
+                                          <p:stCondLst>
+                                            <p:cond delay="0"/>
+                                          </p:stCondLst>
+                                        </p:cTn>
+                                        <p:tgtEl>
+                                          <p:spTgt spid="15">
+                                            <p:txEl>
+                                              <p:pRg st="0" end="0"/>
+                                            </p:txEl>
+                                          </p:spTgt>
+                                        </p:tgtEl>
+                                        <p:attrNameLst>
+                                          <p:attrName>style.visibility</p:attrName>
+                                        </p:attrNameLst>
+                                      </p:cBhvr>
+                                      <p:to>
+                                        <p:strVal val="visible"/>
+                                      </p:to>
+                                    </p:set>
+                                    <p:animEffect transition="in" filter="fade">
+                                      <p:cBhvr>
+                                        <p:cTn id="7" dur="500"/>
+                                        <p:tgtEl>
+                                          <p:spTgt spid="15">
+                                            <p:txEl>
+                                              <p:pRg st="0" end="0"/>
+                                            </p:txEl>
+                                          </p:spTgt>
+                                        </p:tgtEl>
+                                      </p:cBhvr>
+                                    </p:animEffect>
+                                  </p:childTnLst>
+                                </p:cTn>
+                              </p:par>
+                            </p:childTnLst>
+                          </p:cTn>
+                        </p:par>
+                      </p:childTnLst>
+                    </p:cTn>
+                  </p:par>
+                  <p:par>
+                    <p:cTn id="8" fill="hold">
+                      <p:stCondLst>
+                        <p:cond delay="indefinite"/>
+                      </p:stCondLst>
+                      <p:childTnLst>
+                        <p:par>
+                          <p:cTn id="9" fill="hold">
+                            <p:stCondLst>
+                              <p:cond delay="0"/>
+                            </p:stCondLst>
+                            <p:childTnLst>
+                              <p:par>
+                                <p:cTn id="10" presetID="10" presetClass="entr" presetSubtype="0" fill="hold" nodeType="clickEffect">
+                                  <p:stCondLst>
+                                    <p:cond delay="0"/>
+                                  </p:stCondLst>
+                                  <p:childTnLst>
+                                    <p:set>
+                                      <p:cBhvr>
+                                        <p:cTn id="11" dur="1" fill="hold">
+                                          <p:stCondLst>
+                                            <p:cond delay="0"/>
+                                          </p:stCondLst>
+                                        </p:cTn>
+                                        <p:tgtEl>
+                                          <p:spTgt spid="15">
+                                            <p:txEl>
+                                              <p:pRg st="1" end="1"/>
+                                            </p:txEl>
+                                          </p:spTgt>
+                                        </p:tgtEl>
+                                        <p:attrNameLst>
+                                          <p:attrName>style.visibility</p:attrName>
+                                        </p:attrNameLst>
+                                      </p:cBhvr>
+                                      <p:to>
+                                        <p:strVal val="visible"/>
+                                      </p:to>
+                                    </p:set>
+                                    <p:animEffect transition="in" filter="fade">
+                                      <p:cBhvr>
+                                        <p:cTn id="12" dur="500"/>
+                                        <p:tgtEl>
+                                          <p:spTgt spid="15">
+                                            <p:txEl>
+                                              <p:pRg st="1" end="1"/>
+                                            </p:txEl>
+                                          </p:spTgt>
+                                        </p:tgtEl>
+                                      </p:cBhvr>
+                                    </p:animEffect>
+                                  </p:childTnLst>
+                                </p:cTn>
+                              </p:par>
+                            </p:childTnLst>
+                          </p:cTn>
+                        </p:par>
+                      </p:childTnLst>
+                    </p:cTn>
+                  </p:par>
+                  <p:par>
+                    <p:cTn id="13" fill="hold">
+                      <p:stCondLst>
+                        <p:cond delay="indefinite"/>
+                      </p:stCondLst>
+                      <p:childTnLst>
+                        <p:par>
+                          <p:cTn id="14" fill="hold">
+                            <p:stCondLst>
+                              <p:cond delay="0"/>
+                            </p:stCondLst>
+                            <p:childTnLst>
+                              <p:par>
+                                <p:cTn id="15" presetID="10" presetClass="entr" presetSubtype="0" fill="hold" nodeType="clickEffect">
+                                  <p:stCondLst>
+                                    <p:cond delay="0"/>
+                                  </p:stCondLst>
+                                  <p:childTnLst>
+                                    <p:set>
+                                      <p:cBhvr>
+                                        <p:cTn id="16" dur="1" fill="hold">
+                                          <p:stCondLst>
+                                            <p:cond delay="0"/>
+                                          </p:stCondLst>
+                                        </p:cTn>
+                                        <p:tgtEl>
+                                          <p:spTgt spid="15">
+                                            <p:txEl>
+                                              <p:pRg st="2" end="2"/>
+                                            </p:txEl>
+                                          </p:spTgt>
+                                        </p:tgtEl>
+                                        <p:attrNameLst>
+                                          <p:attrName>style.visibility</p:attrName>
+                                        </p:attrNameLst>
+                                      </p:cBhvr>
+                                      <p:to>
+                                        <p:strVal val="visible"/>
+                                      </p:to>
+                                    </p:set>
+                                    <p:animEffect transition="in" filter="fade">
+                                      <p:cBhvr>
+                                        <p:cTn id="17" dur="500"/>
+                                        <p:tgtEl>
+                                          <p:spTgt spid="15">
+                                            <p:txEl>
+                                              <p:pRg st="2" end="2"/>
+                                            </p:txEl>
+                                          </p:spTgt>
+                                        </p:tgtEl>
+                                      </p:cBhvr>
+                                    </p:animEffect>
+                                  </p:childTnLst>
+                                </p:cTn>
+                              </p:par>
+                            </p:childTnLst>
+                          </p:cTn>
+                        </p:par>
+                      </p:childTnLst>
+                    </p:cTn>
+                  </p:par>
+                  <p:par>
+                    <p:cTn id="18" fill="hold">
+                      <p:stCondLst>
+                        <p:cond delay="indefinite"/>
+                      </p:stCondLst>
+                      <p:childTnLst>
+                        <p:par>
+                          <p:cTn id="19" fill="hold">
+                            <p:stCondLst>
+                              <p:cond delay="0"/>
+                            </p:stCondLst>
+                            <p:childTnLst>
+                              <p:par>
+                                <p:cTn id="20" presetID="10" presetClass="entr" presetSubtype="0" fill="hold" nodeType="clickEffect">
+                                  <p:stCondLst>
+                                    <p:cond delay="0"/>
+                                  </p:stCondLst>
+                                  <p:childTnLst>
+                                    <p:set>
+                                      <p:cBhvr>
+                                        <p:cTn id="21" dur="1" fill="hold">
+                                          <p:stCondLst>
+                                            <p:cond delay="0"/>
+                                          </p:stCondLst>
+                                        </p:cTn>
+                                        <p:tgtEl>
+                                          <p:spTgt spid="15">
+                                            <p:txEl>
+                                              <p:pRg st="3" end="3"/>
+                                            </p:txEl>
+                                          </p:spTgt>
+                                        </p:tgtEl>
+                                        <p:attrNameLst>
+                                          <p:attrName>style.visibility</p:attrName>
+                                        </p:attrNameLst>
+                                      </p:cBhvr>
+                                      <p:to>
+                                        <p:strVal val="visible"/>
+                                      </p:to>
+                                    </p:set>
+                                    <p:animEffect transition="in" filter="fade">
+                                      <p:cBhvr>
+                                        <p:cTn id="22" dur="500"/>
+                                        <p:tgtEl>
+                                          <p:spTgt spid="15">
+                                            <p:txEl>
+                                              <p:pRg st="3" end="3"/>
+                                            </p:txEl>
+                                          </p:spTgt>
+                                        </p:tgtEl>
+                                      </p:cBhvr>
+                                    </p:animEffect>
+                                  </p:childTnLst>
+                                </p:cTn>
+                              </p:par>
+                            </p:childTnLst>
+                          </p:cTn>
+                        </p:par>
+                      </p:childTnLst>
+                    </p:cTn>
+                  </p:par>
+                </p:childTnLst>
+              </p:cTn>
+              <p:prevCondLst>
+                <p:cond evt="onPrev" delay="0">
+                  <p:tgtEl>
+                    <p:sldTgt/>
+                  </p:tgtEl>
+                </p:cond>
+              </p:prevCondLst>
+              <p:nextCondLst>
+                <p:cond evt="onNext" delay="0">
+                  <p:tgtEl>
+                    <p:sldTgt/>
+                  </p:tgtEl>
+                </p:cond>
+              </p:nextCondLst>
+            </p:seq>
+          </p:childTnLst>
+        </p:cTn>
+      </p:par>
+    </p:tnLst>
+  </p:timing>
 </p:sld>
 </file>
 
